--- a/assets/07-vorlesung/07-Vorlesung.pptx
+++ b/assets/07-vorlesung/07-Vorlesung.pptx
@@ -5,21 +5,22 @@
     <p:sldMasterId id="2147483673" r:id="rId1"/>
   </p:sldMasterIdLst>
   <p:notesMasterIdLst>
-    <p:notesMasterId r:id="rId14"/>
+    <p:notesMasterId r:id="rId15"/>
   </p:notesMasterIdLst>
   <p:sldIdLst>
     <p:sldId id="256" r:id="rId2"/>
     <p:sldId id="293" r:id="rId3"/>
     <p:sldId id="1793" r:id="rId4"/>
     <p:sldId id="1794" r:id="rId5"/>
-    <p:sldId id="1839" r:id="rId6"/>
-    <p:sldId id="1795" r:id="rId7"/>
-    <p:sldId id="1797" r:id="rId8"/>
-    <p:sldId id="1796" r:id="rId9"/>
-    <p:sldId id="1798" r:id="rId10"/>
-    <p:sldId id="1799" r:id="rId11"/>
-    <p:sldId id="1841" r:id="rId12"/>
-    <p:sldId id="1840" r:id="rId13"/>
+    <p:sldId id="1842" r:id="rId6"/>
+    <p:sldId id="1839" r:id="rId7"/>
+    <p:sldId id="1795" r:id="rId8"/>
+    <p:sldId id="1797" r:id="rId9"/>
+    <p:sldId id="1796" r:id="rId10"/>
+    <p:sldId id="1798" r:id="rId11"/>
+    <p:sldId id="1799" r:id="rId12"/>
+    <p:sldId id="1841" r:id="rId13"/>
+    <p:sldId id="1840" r:id="rId14"/>
   </p:sldIdLst>
   <p:sldSz cx="9144000" cy="6858000" type="screen4x3"/>
   <p:notesSz cx="6858000" cy="9144000"/>
@@ -157,6 +158,7 @@
             <p14:sldId id="293"/>
             <p14:sldId id="1793"/>
             <p14:sldId id="1794"/>
+            <p14:sldId id="1842"/>
             <p14:sldId id="1839"/>
             <p14:sldId id="1795"/>
             <p14:sldId id="1797"/>
@@ -760,7 +762,7 @@
               <a:pPr>
                 <a:defRPr/>
               </a:pPr>
-              <a:t>‹#›</a:t>
+              <a:t>‹Nr.›</a:t>
             </a:fld>
             <a:endParaRPr lang="de-DE" altLang="en-US"/>
           </a:p>
@@ -1253,7 +1255,7 @@
               <a:pPr eaLnBrk="1" hangingPunct="1">
                 <a:defRPr/>
               </a:pPr>
-              <a:t>‹#›</a:t>
+              <a:t>‹Nr.›</a:t>
             </a:fld>
             <a:r>
               <a:rPr lang="de-DE" altLang="en-US" sz="900">
@@ -1605,7 +1607,7 @@
               <a:pPr eaLnBrk="1" hangingPunct="1">
                 <a:defRPr/>
               </a:pPr>
-              <a:t>‹#›</a:t>
+              <a:t>‹Nr.›</a:t>
             </a:fld>
             <a:r>
               <a:rPr lang="de-DE" altLang="en-US" sz="900">
@@ -1855,7 +1857,7 @@
               <a:pPr>
                 <a:defRPr/>
               </a:pPr>
-              <a:t>‹#›</a:t>
+              <a:t>‹Nr.›</a:t>
             </a:fld>
             <a:endParaRPr lang="en-US" dirty="0"/>
           </a:p>
@@ -2243,7 +2245,7 @@
           <a:p>
             <a:fld id="{FB070496-1CF9-408E-B326-6CCA99B85165}" type="slidenum">
               <a:rPr lang="en-US" smtClean="0"/>
-              <a:t>‹#›</a:t>
+              <a:t>‹Nr.›</a:t>
             </a:fld>
             <a:endParaRPr lang="en-US"/>
           </a:p>
@@ -2831,7 +2833,7 @@
               <a:pPr eaLnBrk="1" hangingPunct="1">
                 <a:defRPr/>
               </a:pPr>
-              <a:t>‹#›</a:t>
+              <a:t>‹Nr.›</a:t>
             </a:fld>
             <a:r>
               <a:rPr lang="de-DE" altLang="en-US" sz="900">
@@ -3380,6 +3382,10 @@
               </a:rPr>
               <a:t>Modul</a:t>
             </a:r>
+            <a:r>
+              <a:rPr lang="de-DE" altLang="en-US" sz="4400" dirty="0"/>
+              <a:t/>
+            </a:r>
             <a:br>
               <a:rPr lang="de-DE" altLang="en-US" sz="4400" dirty="0"/>
             </a:br>
@@ -3406,6 +3412,10 @@
             <a:br>
               <a:rPr lang="de-DE" altLang="en-US" sz="4400" dirty="0"/>
             </a:br>
+            <a:r>
+              <a:rPr lang="de-DE" altLang="en-US" sz="4400" i="1" dirty="0"/>
+              <a:t/>
+            </a:r>
             <a:br>
               <a:rPr lang="de-DE" altLang="en-US" sz="4400" i="1" dirty="0"/>
             </a:br>
@@ -3504,6 +3514,134 @@
 </file>
 
 <file path=ppt/slides/slide10.xml><?xml version="1.0" encoding="utf-8"?>
+<p:sld xmlns:a="http://schemas.openxmlformats.org/drawingml/2006/main" xmlns:r="http://schemas.openxmlformats.org/officeDocument/2006/relationships" xmlns:p="http://schemas.openxmlformats.org/presentationml/2006/main">
+  <p:cSld>
+    <p:spTree>
+      <p:nvGrpSpPr>
+        <p:cNvPr id="1" name=""/>
+        <p:cNvGrpSpPr/>
+        <p:nvPr/>
+      </p:nvGrpSpPr>
+      <p:grpSpPr>
+        <a:xfrm>
+          <a:off x="0" y="0"/>
+          <a:ext cx="0" cy="0"/>
+          <a:chOff x="0" y="0"/>
+          <a:chExt cx="0" cy="0"/>
+        </a:xfrm>
+      </p:grpSpPr>
+      <p:sp>
+        <p:nvSpPr>
+          <p:cNvPr id="3" name="Title 2">
+            <a:extLst>
+              <a:ext uri="{FF2B5EF4-FFF2-40B4-BE49-F238E27FC236}">
+                <a16:creationId xmlns:a16="http://schemas.microsoft.com/office/drawing/2014/main" id="{4BA1323B-8442-4212-8CF6-29181AAB8A24}"/>
+              </a:ext>
+            </a:extLst>
+          </p:cNvPr>
+          <p:cNvSpPr>
+            <a:spLocks noGrp="1"/>
+          </p:cNvSpPr>
+          <p:nvPr>
+            <p:ph type="title"/>
+          </p:nvPr>
+        </p:nvSpPr>
+        <p:spPr/>
+        <p:txBody>
+          <a:bodyPr/>
+          <a:lstStyle/>
+          <a:p>
+            <a:r>
+              <a:rPr lang="de-DE" dirty="0"/>
+              <a:t>Microsoft Azure </a:t>
+            </a:r>
+            <a:r>
+              <a:rPr lang="de-DE" dirty="0" err="1"/>
+              <a:t>IoT</a:t>
+            </a:r>
+            <a:endParaRPr lang="de-DE" dirty="0"/>
+          </a:p>
+        </p:txBody>
+      </p:sp>
+      <p:pic>
+        <p:nvPicPr>
+          <p:cNvPr id="4" name="Picture 3">
+            <a:extLst>
+              <a:ext uri="{FF2B5EF4-FFF2-40B4-BE49-F238E27FC236}">
+                <a16:creationId xmlns:a16="http://schemas.microsoft.com/office/drawing/2014/main" id="{AD0F679D-A9E7-458F-AF96-E3DC8A6454D0}"/>
+              </a:ext>
+            </a:extLst>
+          </p:cNvPr>
+          <p:cNvPicPr>
+            <a:picLocks noChangeAspect="1"/>
+          </p:cNvPicPr>
+          <p:nvPr/>
+        </p:nvPicPr>
+        <p:blipFill>
+          <a:blip r:embed="rId2"/>
+          <a:stretch>
+            <a:fillRect/>
+          </a:stretch>
+        </p:blipFill>
+        <p:spPr>
+          <a:xfrm>
+            <a:off x="0" y="1499286"/>
+            <a:ext cx="9144000" cy="4983079"/>
+          </a:xfrm>
+          <a:prstGeom prst="rect">
+            <a:avLst/>
+          </a:prstGeom>
+        </p:spPr>
+      </p:pic>
+      <p:sp>
+        <p:nvSpPr>
+          <p:cNvPr id="5" name="TextBox 4">
+            <a:extLst>
+              <a:ext uri="{FF2B5EF4-FFF2-40B4-BE49-F238E27FC236}">
+                <a16:creationId xmlns:a16="http://schemas.microsoft.com/office/drawing/2014/main" id="{3994E3F4-6517-4D42-B86F-30D160F5A680}"/>
+              </a:ext>
+            </a:extLst>
+          </p:cNvPr>
+          <p:cNvSpPr txBox="1"/>
+          <p:nvPr/>
+        </p:nvSpPr>
+        <p:spPr>
+          <a:xfrm>
+            <a:off x="1371600" y="6338986"/>
+            <a:ext cx="7085594" cy="307777"/>
+          </a:xfrm>
+          <a:prstGeom prst="rect">
+            <a:avLst/>
+          </a:prstGeom>
+          <a:noFill/>
+        </p:spPr>
+        <p:txBody>
+          <a:bodyPr wrap="none" rtlCol="0">
+            <a:spAutoFit/>
+          </a:bodyPr>
+          <a:lstStyle/>
+          <a:p>
+            <a:r>
+              <a:rPr lang="de-DE" sz="1400" dirty="0"/>
+              <a:t>Source: https://docs.microsoft.com/en-us/azure/architecture/reference-architectures/iot/</a:t>
+            </a:r>
+          </a:p>
+        </p:txBody>
+      </p:sp>
+    </p:spTree>
+    <p:extLst>
+      <p:ext uri="{BB962C8B-B14F-4D97-AF65-F5344CB8AC3E}">
+        <p14:creationId xmlns:p14="http://schemas.microsoft.com/office/powerpoint/2010/main" val="2395834186"/>
+      </p:ext>
+    </p:extLst>
+  </p:cSld>
+  <p:clrMapOvr>
+    <a:masterClrMapping/>
+  </p:clrMapOvr>
+</p:sld>
+</file>
+
+<file path=ppt/slides/slide11.xml><?xml version="1.0" encoding="utf-8"?>
 <p:sld xmlns:a="http://schemas.openxmlformats.org/drawingml/2006/main" xmlns:r="http://schemas.openxmlformats.org/officeDocument/2006/relationships" xmlns:p="http://schemas.openxmlformats.org/presentationml/2006/main">
   <p:cSld>
     <p:spTree>
@@ -3634,7 +3772,7 @@
 </p:sld>
 </file>
 
-<file path=ppt/slides/slide11.xml><?xml version="1.0" encoding="utf-8"?>
+<file path=ppt/slides/slide12.xml><?xml version="1.0" encoding="utf-8"?>
 <p:sld xmlns:a="http://schemas.openxmlformats.org/drawingml/2006/main" xmlns:r="http://schemas.openxmlformats.org/officeDocument/2006/relationships" xmlns:p="http://schemas.openxmlformats.org/presentationml/2006/main">
   <p:cSld>
     <p:spTree>
@@ -3667,7 +3805,12 @@
             <p:ph idx="1"/>
           </p:nvPr>
         </p:nvSpPr>
-        <p:spPr/>
+        <p:spPr>
+          <a:xfrm>
+            <a:off x="323850" y="1752600"/>
+            <a:ext cx="8439150" cy="4343400"/>
+          </a:xfrm>
+        </p:spPr>
         <p:txBody>
           <a:bodyPr/>
           <a:lstStyle/>
@@ -3691,8 +3834,36 @@
             <a:pPr lvl="1"/>
             <a:r>
               <a:rPr lang="de-DE" dirty="0"/>
-              <a:t>Authentication and Security (TLS)</a:t>
-            </a:r>
+              <a:t>Authentication and Security (TLS</a:t>
+            </a:r>
+            <a:r>
+              <a:rPr lang="de-DE" dirty="0" smtClean="0"/>
+              <a:t>)</a:t>
+            </a:r>
+          </a:p>
+          <a:p>
+            <a:pPr lvl="1"/>
+            <a:r>
+              <a:rPr lang="de-DE" dirty="0"/>
+              <a:t> </a:t>
+            </a:r>
+            <a:r>
+              <a:rPr lang="de-DE" dirty="0" smtClean="0"/>
+              <a:t>Sensors </a:t>
+            </a:r>
+            <a:r>
+              <a:rPr lang="de-DE" dirty="0" err="1" smtClean="0"/>
+              <a:t>and</a:t>
+            </a:r>
+            <a:r>
+              <a:rPr lang="de-DE" dirty="0" smtClean="0"/>
+              <a:t> </a:t>
+            </a:r>
+            <a:r>
+              <a:rPr lang="de-DE" dirty="0" err="1" smtClean="0"/>
+              <a:t>Actuators</a:t>
+            </a:r>
+            <a:endParaRPr lang="de-DE" dirty="0"/>
           </a:p>
           <a:p>
             <a:r>
@@ -3859,8 +4030,8 @@
         </p:nvSpPr>
         <p:spPr bwMode="auto">
           <a:xfrm>
-            <a:off x="152400" y="2133600"/>
-            <a:ext cx="7848600" cy="854075"/>
+            <a:off x="152400" y="1812432"/>
+            <a:ext cx="7848600" cy="1175244"/>
           </a:xfrm>
           <a:prstGeom prst="roundRect">
             <a:avLst/>
@@ -4314,7 +4485,7 @@
 </p:sld>
 </file>
 
-<file path=ppt/slides/slide12.xml><?xml version="1.0" encoding="utf-8"?>
+<file path=ppt/slides/slide13.xml><?xml version="1.0" encoding="utf-8"?>
 <p:sld xmlns:a="http://schemas.openxmlformats.org/drawingml/2006/main" xmlns:r="http://schemas.openxmlformats.org/officeDocument/2006/relationships" xmlns:p="http://schemas.openxmlformats.org/presentationml/2006/main">
   <p:cSld>
     <p:spTree>
@@ -4501,8 +4672,35 @@
                 <a:ea typeface="ＭＳ Ｐゴシック" charset="-128"/>
                 <a:cs typeface="ＭＳ Ｐゴシック" charset="-128"/>
               </a:rPr>
-              <a:t> Gateway</a:t>
-            </a:r>
+              <a:t> </a:t>
+            </a:r>
+            <a:r>
+              <a:rPr kumimoji="0" lang="de-DE" sz="1400" b="0" i="0" u="none" strike="noStrike" cap="none" normalizeH="0" baseline="0" dirty="0" smtClean="0">
+                <a:ln>
+                  <a:noFill/>
+                </a:ln>
+                <a:solidFill>
+                  <a:schemeClr val="tx1"/>
+                </a:solidFill>
+                <a:effectLst/>
+                <a:latin typeface="Arial" charset="0"/>
+                <a:ea typeface="ＭＳ Ｐゴシック" charset="-128"/>
+                <a:cs typeface="ＭＳ Ｐゴシック" charset="-128"/>
+              </a:rPr>
+              <a:t>Middleware</a:t>
+            </a:r>
+            <a:endParaRPr kumimoji="0" lang="de-DE" sz="1400" b="0" i="0" u="none" strike="noStrike" cap="none" normalizeH="0" baseline="0" dirty="0">
+              <a:ln>
+                <a:noFill/>
+              </a:ln>
+              <a:solidFill>
+                <a:schemeClr val="tx1"/>
+              </a:solidFill>
+              <a:effectLst/>
+              <a:latin typeface="Arial" charset="0"/>
+              <a:ea typeface="ＭＳ Ｐゴシック" charset="-128"/>
+              <a:cs typeface="ＭＳ Ｐゴシック" charset="-128"/>
+            </a:endParaRPr>
           </a:p>
         </p:txBody>
       </p:sp>
@@ -4610,7 +4808,7 @@
         </p:nvSpPr>
         <p:spPr bwMode="auto">
           <a:xfrm>
-            <a:off x="121217" y="2069441"/>
+            <a:off x="91645" y="2998559"/>
             <a:ext cx="818680" cy="750816"/>
           </a:xfrm>
           <a:prstGeom prst="rect">
@@ -5713,7 +5911,7 @@
         </p:nvSpPr>
         <p:spPr bwMode="auto">
           <a:xfrm>
-            <a:off x="273072" y="2239746"/>
+            <a:off x="243500" y="3168864"/>
             <a:ext cx="624476" cy="532923"/>
           </a:xfrm>
           <a:prstGeom prst="rect">
@@ -5779,7 +5977,7 @@
         </p:nvSpPr>
         <p:spPr bwMode="auto">
           <a:xfrm>
-            <a:off x="374082" y="2476499"/>
+            <a:off x="344510" y="3405617"/>
             <a:ext cx="478595" cy="266700"/>
           </a:xfrm>
           <a:prstGeom prst="rect">
@@ -5866,8 +6064,8 @@
         </p:nvCxnSpPr>
         <p:spPr bwMode="auto">
           <a:xfrm rot="16200000" flipH="1">
-            <a:off x="347806" y="3010172"/>
-            <a:ext cx="1289547" cy="814539"/>
+            <a:off x="797579" y="3459945"/>
+            <a:ext cx="360429" cy="844111"/>
           </a:xfrm>
           <a:prstGeom prst="bentConnector2">
             <a:avLst/>
@@ -6380,9 +6578,9 @@
           <p:nvPr/>
         </p:nvCxnSpPr>
         <p:spPr bwMode="auto">
-          <a:xfrm rot="10800000">
-            <a:off x="939897" y="2444850"/>
-            <a:ext cx="847204" cy="290425"/>
+          <a:xfrm rot="10800000" flipV="1">
+            <a:off x="910325" y="2735273"/>
+            <a:ext cx="876776" cy="638693"/>
           </a:xfrm>
           <a:prstGeom prst="bentConnector3">
             <a:avLst/>
@@ -6895,6 +7093,232 @@
           </a:p>
         </p:txBody>
       </p:sp>
+      <p:sp>
+        <p:nvSpPr>
+          <p:cNvPr id="5" name="Rechteck 4"/>
+          <p:cNvSpPr/>
+          <p:nvPr/>
+        </p:nvSpPr>
+        <p:spPr bwMode="auto">
+          <a:xfrm>
+            <a:off x="91645" y="2362200"/>
+            <a:ext cx="252865" cy="373073"/>
+          </a:xfrm>
+          <a:prstGeom prst="rect">
+            <a:avLst/>
+          </a:prstGeom>
+          <a:solidFill>
+            <a:schemeClr val="accent1"/>
+          </a:solidFill>
+          <a:ln w="9525" cap="flat" cmpd="sng" algn="ctr">
+            <a:solidFill>
+              <a:schemeClr val="tx1"/>
+            </a:solidFill>
+            <a:prstDash val="solid"/>
+            <a:round/>
+            <a:headEnd type="none" w="med" len="med"/>
+            <a:tailEnd type="none" w="med" len="med"/>
+          </a:ln>
+          <a:effectLst/>
+        </p:spPr>
+        <p:txBody>
+          <a:bodyPr vert="horz" wrap="square" lIns="91440" tIns="45720" rIns="91440" bIns="45720" numCol="1" rtlCol="0" anchor="t" anchorCtr="0" compatLnSpc="1">
+            <a:prstTxWarp prst="textNoShape">
+              <a:avLst/>
+            </a:prstTxWarp>
+          </a:bodyPr>
+          <a:lstStyle/>
+          <a:p>
+            <a:pPr marL="0" marR="0" indent="0" algn="ctr" defTabSz="914400" rtl="0" eaLnBrk="0" fontAlgn="base" latinLnBrk="0" hangingPunct="0">
+              <a:lnSpc>
+                <a:spcPct val="100000"/>
+              </a:lnSpc>
+              <a:spcBef>
+                <a:spcPct val="0"/>
+              </a:spcBef>
+              <a:spcAft>
+                <a:spcPct val="0"/>
+              </a:spcAft>
+              <a:buClrTx/>
+              <a:buSzTx/>
+              <a:buFontTx/>
+              <a:buNone/>
+              <a:tabLst/>
+            </a:pPr>
+            <a:r>
+              <a:rPr kumimoji="0" lang="de-DE" sz="1800" b="0" i="0" u="none" strike="noStrike" cap="none" normalizeH="0" baseline="0" dirty="0" smtClean="0">
+                <a:ln>
+                  <a:noFill/>
+                </a:ln>
+                <a:solidFill>
+                  <a:schemeClr val="bg2"/>
+                </a:solidFill>
+                <a:effectLst/>
+                <a:latin typeface="Arial" charset="0"/>
+                <a:ea typeface="ＭＳ Ｐゴシック" charset="-128"/>
+                <a:cs typeface="ＭＳ Ｐゴシック" charset="-128"/>
+              </a:rPr>
+              <a:t>S</a:t>
+            </a:r>
+            <a:endParaRPr kumimoji="0" lang="de-DE" sz="1800" b="0" i="0" u="none" strike="noStrike" cap="none" normalizeH="0" baseline="0" dirty="0">
+              <a:ln>
+                <a:noFill/>
+              </a:ln>
+              <a:solidFill>
+                <a:schemeClr val="bg2"/>
+              </a:solidFill>
+              <a:effectLst/>
+              <a:latin typeface="Arial" charset="0"/>
+              <a:ea typeface="ＭＳ Ｐゴシック" charset="-128"/>
+              <a:cs typeface="ＭＳ Ｐゴシック" charset="-128"/>
+            </a:endParaRPr>
+          </a:p>
+        </p:txBody>
+      </p:sp>
+      <p:sp>
+        <p:nvSpPr>
+          <p:cNvPr id="46" name="Rechteck 45"/>
+          <p:cNvSpPr/>
+          <p:nvPr/>
+        </p:nvSpPr>
+        <p:spPr bwMode="auto">
+          <a:xfrm>
+            <a:off x="615111" y="2362200"/>
+            <a:ext cx="252865" cy="373073"/>
+          </a:xfrm>
+          <a:prstGeom prst="rect">
+            <a:avLst/>
+          </a:prstGeom>
+          <a:solidFill>
+            <a:schemeClr val="accent1"/>
+          </a:solidFill>
+          <a:ln w="9525" cap="flat" cmpd="sng" algn="ctr">
+            <a:solidFill>
+              <a:schemeClr val="tx1"/>
+            </a:solidFill>
+            <a:prstDash val="solid"/>
+            <a:round/>
+            <a:headEnd type="none" w="med" len="med"/>
+            <a:tailEnd type="none" w="med" len="med"/>
+          </a:ln>
+          <a:effectLst/>
+        </p:spPr>
+        <p:txBody>
+          <a:bodyPr vert="horz" wrap="square" lIns="91440" tIns="45720" rIns="91440" bIns="45720" numCol="1" rtlCol="0" anchor="t" anchorCtr="0" compatLnSpc="1">
+            <a:prstTxWarp prst="textNoShape">
+              <a:avLst/>
+            </a:prstTxWarp>
+          </a:bodyPr>
+          <a:lstStyle/>
+          <a:p>
+            <a:pPr marL="0" marR="0" indent="0" algn="ctr" defTabSz="914400" rtl="0" eaLnBrk="0" fontAlgn="base" latinLnBrk="0" hangingPunct="0">
+              <a:lnSpc>
+                <a:spcPct val="100000"/>
+              </a:lnSpc>
+              <a:spcBef>
+                <a:spcPct val="0"/>
+              </a:spcBef>
+              <a:spcAft>
+                <a:spcPct val="0"/>
+              </a:spcAft>
+              <a:buClrTx/>
+              <a:buSzTx/>
+              <a:buFontTx/>
+              <a:buNone/>
+              <a:tabLst/>
+            </a:pPr>
+            <a:r>
+              <a:rPr kumimoji="0" lang="de-DE" sz="1800" b="0" i="0" u="none" strike="noStrike" cap="none" normalizeH="0" baseline="0" dirty="0" smtClean="0">
+                <a:ln>
+                  <a:noFill/>
+                </a:ln>
+                <a:solidFill>
+                  <a:schemeClr val="bg2"/>
+                </a:solidFill>
+                <a:effectLst/>
+                <a:latin typeface="Arial" charset="0"/>
+                <a:ea typeface="ＭＳ Ｐゴシック" charset="-128"/>
+                <a:cs typeface="ＭＳ Ｐゴシック" charset="-128"/>
+              </a:rPr>
+              <a:t>A</a:t>
+            </a:r>
+            <a:endParaRPr kumimoji="0" lang="de-DE" sz="1800" b="0" i="0" u="none" strike="noStrike" cap="none" normalizeH="0" baseline="0" dirty="0">
+              <a:ln>
+                <a:noFill/>
+              </a:ln>
+              <a:solidFill>
+                <a:schemeClr val="bg2"/>
+              </a:solidFill>
+              <a:effectLst/>
+              <a:latin typeface="Arial" charset="0"/>
+              <a:ea typeface="ＭＳ Ｐゴシック" charset="-128"/>
+              <a:cs typeface="ＭＳ Ｐゴシック" charset="-128"/>
+            </a:endParaRPr>
+          </a:p>
+        </p:txBody>
+      </p:sp>
+      <p:cxnSp>
+        <p:nvCxnSpPr>
+          <p:cNvPr id="7" name="Gerade Verbindung mit Pfeil 6"/>
+          <p:cNvCxnSpPr>
+            <a:stCxn id="5" idx="2"/>
+          </p:cNvCxnSpPr>
+          <p:nvPr/>
+        </p:nvCxnSpPr>
+        <p:spPr bwMode="auto">
+          <a:xfrm>
+            <a:off x="218078" y="2735273"/>
+            <a:ext cx="2795" cy="263286"/>
+          </a:xfrm>
+          <a:prstGeom prst="straightConnector1">
+            <a:avLst/>
+          </a:prstGeom>
+          <a:solidFill>
+            <a:schemeClr val="accent1"/>
+          </a:solidFill>
+          <a:ln w="9525" cap="flat" cmpd="sng" algn="ctr">
+            <a:solidFill>
+              <a:schemeClr val="tx1"/>
+            </a:solidFill>
+            <a:prstDash val="solid"/>
+            <a:round/>
+            <a:headEnd type="none" w="med" len="med"/>
+            <a:tailEnd type="triangle"/>
+          </a:ln>
+          <a:effectLst/>
+        </p:spPr>
+      </p:cxnSp>
+      <p:cxnSp>
+        <p:nvCxnSpPr>
+          <p:cNvPr id="9" name="Gerade Verbindung mit Pfeil 8"/>
+          <p:cNvCxnSpPr>
+            <a:endCxn id="46" idx="2"/>
+          </p:cNvCxnSpPr>
+          <p:nvPr/>
+        </p:nvCxnSpPr>
+        <p:spPr bwMode="auto">
+          <a:xfrm flipV="1">
+            <a:off x="741543" y="2735273"/>
+            <a:ext cx="1" cy="263286"/>
+          </a:xfrm>
+          <a:prstGeom prst="straightConnector1">
+            <a:avLst/>
+          </a:prstGeom>
+          <a:solidFill>
+            <a:schemeClr val="accent1"/>
+          </a:solidFill>
+          <a:ln w="9525" cap="flat" cmpd="sng" algn="ctr">
+            <a:solidFill>
+              <a:schemeClr val="tx1"/>
+            </a:solidFill>
+            <a:prstDash val="solid"/>
+            <a:round/>
+            <a:headEnd type="none" w="med" len="med"/>
+            <a:tailEnd type="triangle"/>
+          </a:ln>
+          <a:effectLst/>
+        </p:spPr>
+      </p:cxnSp>
     </p:spTree>
     <p:extLst>
       <p:ext uri="{BB962C8B-B14F-4D97-AF65-F5344CB8AC3E}">
@@ -9058,7 +9482,7 @@
         </p:nvSpPr>
         <p:spPr>
           <a:xfrm>
-            <a:off x="381000" y="1989138"/>
+            <a:off x="355381" y="1295400"/>
             <a:ext cx="8382000" cy="4106862"/>
           </a:xfrm>
         </p:spPr>
@@ -9067,199 +9491,265 @@
           <a:lstStyle/>
           <a:p>
             <a:r>
-              <a:rPr lang="de-DE" dirty="0"/>
+              <a:rPr lang="de-DE" b="1" dirty="0"/>
               <a:t>AWS </a:t>
             </a:r>
             <a:r>
-              <a:rPr lang="de-DE" dirty="0" err="1"/>
+              <a:rPr lang="de-DE" b="1" dirty="0" err="1" smtClean="0"/>
               <a:t>IoT</a:t>
             </a:r>
+            <a:endParaRPr lang="de-DE" b="1" dirty="0" smtClean="0"/>
+          </a:p>
+          <a:p>
+            <a:pPr lvl="1"/>
+            <a:r>
+              <a:rPr lang="en-US" dirty="0" smtClean="0"/>
+              <a:t> Native </a:t>
+            </a:r>
+            <a:r>
+              <a:rPr lang="en-US" dirty="0"/>
+              <a:t>integration with the rich Amazon </a:t>
+            </a:r>
+            <a:r>
+              <a:rPr lang="en-US" dirty="0" smtClean="0"/>
+              <a:t>ecosystem</a:t>
+            </a:r>
+          </a:p>
+          <a:p>
+            <a:pPr lvl="1"/>
+            <a:r>
+              <a:rPr lang="en-US" dirty="0" smtClean="0"/>
+              <a:t> Specific industry domain agnostic</a:t>
+            </a:r>
+          </a:p>
+          <a:p>
+            <a:pPr lvl="1"/>
+            <a:r>
+              <a:rPr lang="en-US" dirty="0" smtClean="0"/>
+              <a:t> Magnificent </a:t>
+            </a:r>
+            <a:r>
+              <a:rPr lang="en-US" dirty="0"/>
+              <a:t>scalability and customization potential</a:t>
+            </a:r>
             <a:endParaRPr lang="de-DE" dirty="0"/>
           </a:p>
           <a:p>
             <a:r>
-              <a:rPr lang="de-DE" dirty="0"/>
+              <a:rPr lang="de-DE" b="1" dirty="0"/>
               <a:t>Google Cloud </a:t>
             </a:r>
             <a:r>
-              <a:rPr lang="de-DE" dirty="0" err="1"/>
+              <a:rPr lang="de-DE" b="1" dirty="0" err="1" smtClean="0"/>
               <a:t>IoT</a:t>
             </a:r>
+            <a:endParaRPr lang="de-DE" b="1" dirty="0" smtClean="0"/>
+          </a:p>
+          <a:p>
+            <a:pPr lvl="1"/>
+            <a:r>
+              <a:rPr lang="en-US" dirty="0" smtClean="0"/>
+              <a:t> Supports </a:t>
+            </a:r>
+            <a:r>
+              <a:rPr lang="en-US" dirty="0"/>
+              <a:t>both cloud and edge </a:t>
+            </a:r>
+            <a:r>
+              <a:rPr lang="en-US" dirty="0" smtClean="0"/>
+              <a:t>computing</a:t>
+            </a:r>
+          </a:p>
+          <a:p>
+            <a:pPr lvl="1"/>
+            <a:r>
+              <a:rPr lang="en-US" dirty="0" smtClean="0"/>
+              <a:t> Providing </a:t>
+            </a:r>
+            <a:r>
+              <a:rPr lang="en-US" dirty="0"/>
+              <a:t>reliable and secure storage of </a:t>
+            </a:r>
+            <a:r>
+              <a:rPr lang="en-US" dirty="0" smtClean="0"/>
+              <a:t>data </a:t>
+            </a:r>
+          </a:p>
+          <a:p>
+            <a:pPr lvl="1"/>
+            <a:r>
+              <a:rPr lang="en-US" dirty="0" smtClean="0"/>
+              <a:t> Includes </a:t>
+            </a:r>
+            <a:r>
+              <a:rPr lang="en-US" dirty="0"/>
+              <a:t>Cloud Machine Learning, </a:t>
+            </a:r>
+            <a:r>
+              <a:rPr lang="en-US" dirty="0" err="1"/>
+              <a:t>BigQuery</a:t>
+            </a:r>
+            <a:r>
+              <a:rPr lang="en-US" dirty="0"/>
+              <a:t>, and other services for storing, analyzing, and visualizing the data from your </a:t>
+            </a:r>
+            <a:r>
+              <a:rPr lang="en-US" dirty="0" smtClean="0"/>
+              <a:t>sensors</a:t>
+            </a:r>
+          </a:p>
+          <a:p>
+            <a:pPr lvl="1"/>
+            <a:r>
+              <a:rPr lang="en-US" dirty="0" smtClean="0"/>
+              <a:t>Automatic </a:t>
+            </a:r>
+            <a:r>
+              <a:rPr lang="en-US" dirty="0"/>
+              <a:t>and custom firmware updates, secure connections, etc.</a:t>
+            </a:r>
             <a:endParaRPr lang="de-DE" dirty="0"/>
           </a:p>
           <a:p>
             <a:r>
-              <a:rPr lang="de-DE" dirty="0"/>
-              <a:t>Microsoft Azure </a:t>
-            </a:r>
-            <a:r>
-              <a:rPr lang="de-DE" dirty="0" err="1"/>
+              <a:rPr lang="de-DE" b="1" dirty="0"/>
+              <a:t>Microsoft </a:t>
+            </a:r>
+            <a:r>
+              <a:rPr lang="de-DE" b="1" dirty="0" err="1"/>
+              <a:t>Azure</a:t>
+            </a:r>
+            <a:r>
+              <a:rPr lang="de-DE" b="1" dirty="0"/>
+              <a:t> </a:t>
+            </a:r>
+            <a:r>
+              <a:rPr lang="de-DE" b="1" dirty="0" err="1" smtClean="0"/>
               <a:t>IoT</a:t>
             </a:r>
+            <a:endParaRPr lang="de-DE" b="1" dirty="0" smtClean="0"/>
+          </a:p>
+          <a:p>
+            <a:pPr lvl="1"/>
+            <a:r>
+              <a:rPr lang="en-US" dirty="0" smtClean="0"/>
+              <a:t>Support </a:t>
+            </a:r>
+            <a:r>
+              <a:rPr lang="en-US" dirty="0"/>
+              <a:t>a very large number of devices </a:t>
+            </a:r>
+            <a:endParaRPr lang="en-US" dirty="0" smtClean="0"/>
+          </a:p>
+          <a:p>
+            <a:pPr lvl="1"/>
+            <a:r>
+              <a:rPr lang="en-US" dirty="0" smtClean="0"/>
+              <a:t>Excellent scalability</a:t>
+            </a:r>
+          </a:p>
+          <a:p>
+            <a:pPr lvl="1"/>
+            <a:r>
+              <a:rPr lang="en-US" dirty="0" smtClean="0"/>
+              <a:t> Strong security</a:t>
+            </a:r>
+          </a:p>
+          <a:p>
+            <a:pPr lvl="1"/>
+            <a:r>
+              <a:rPr lang="en-US" dirty="0" smtClean="0"/>
+              <a:t> High </a:t>
+            </a:r>
+            <a:r>
+              <a:rPr lang="en-US" dirty="0"/>
+              <a:t>reliability with 99.95 percent of </a:t>
+            </a:r>
+            <a:r>
+              <a:rPr lang="en-US" dirty="0" smtClean="0"/>
+              <a:t>uptime</a:t>
+            </a:r>
+          </a:p>
+          <a:p>
+            <a:pPr lvl="1"/>
+            <a:r>
+              <a:rPr lang="en-US" dirty="0" smtClean="0"/>
+              <a:t>Backen</a:t>
+            </a:r>
+            <a:r>
+              <a:rPr lang="en-US" dirty="0" smtClean="0"/>
+              <a:t>d service integration</a:t>
+            </a:r>
             <a:endParaRPr lang="de-DE" dirty="0"/>
           </a:p>
           <a:p>
             <a:r>
-              <a:rPr lang="de-DE" dirty="0"/>
+              <a:rPr lang="de-DE" b="1" dirty="0"/>
               <a:t>IBM Watson </a:t>
             </a:r>
             <a:r>
-              <a:rPr lang="de-DE" dirty="0" err="1"/>
+              <a:rPr lang="de-DE" b="1" dirty="0" err="1" smtClean="0"/>
               <a:t>IoT</a:t>
             </a:r>
-            <a:endParaRPr lang="de-DE" dirty="0"/>
-          </a:p>
-          <a:p>
-            <a:r>
-              <a:rPr lang="de-DE" dirty="0"/>
-              <a:t>Oracle </a:t>
-            </a:r>
-            <a:r>
-              <a:rPr lang="de-DE" dirty="0" err="1"/>
+            <a:r>
+              <a:rPr lang="de-DE" b="1" dirty="0"/>
+              <a:t> </a:t>
+            </a:r>
+            <a:r>
+              <a:rPr lang="de-DE" b="1" dirty="0" smtClean="0"/>
+              <a:t>(aka </a:t>
+            </a:r>
+            <a:r>
+              <a:rPr lang="de-DE" b="1" dirty="0" err="1" smtClean="0"/>
+              <a:t>Bluemix</a:t>
+            </a:r>
+            <a:r>
+              <a:rPr lang="de-DE" b="1" dirty="0" smtClean="0"/>
+              <a:t>)</a:t>
+            </a:r>
+            <a:endParaRPr lang="de-DE" b="1" dirty="0" smtClean="0"/>
+          </a:p>
+          <a:p>
+            <a:pPr lvl="1"/>
+            <a:r>
+              <a:rPr lang="en-US" dirty="0" smtClean="0"/>
+              <a:t>  </a:t>
+            </a:r>
+            <a:r>
+              <a:rPr lang="en-US" dirty="0" err="1" smtClean="0"/>
               <a:t>IoT</a:t>
             </a:r>
-            <a:endParaRPr lang="de-DE" dirty="0"/>
-          </a:p>
-          <a:p>
-            <a:r>
-              <a:rPr lang="de-DE" dirty="0" err="1"/>
-              <a:t>SalesForce</a:t>
-            </a:r>
-            <a:r>
-              <a:rPr lang="de-DE" dirty="0"/>
+            <a:r>
+              <a:rPr lang="en-US" dirty="0" smtClean="0"/>
               <a:t> </a:t>
             </a:r>
             <a:r>
-              <a:rPr lang="de-DE" dirty="0" err="1"/>
+              <a:rPr lang="en-US" dirty="0"/>
+              <a:t>platform offers an advanced integration with machine learning </a:t>
+            </a:r>
+            <a:r>
+              <a:rPr lang="en-US" dirty="0" smtClean="0"/>
+              <a:t>capabilities</a:t>
+            </a:r>
+          </a:p>
+          <a:p>
+            <a:pPr lvl="1"/>
+            <a:r>
+              <a:rPr lang="en-US" dirty="0" smtClean="0"/>
+              <a:t> Good support for </a:t>
+            </a:r>
+            <a:r>
+              <a:rPr lang="en-US" dirty="0" err="1" smtClean="0"/>
               <a:t>IoT</a:t>
             </a:r>
-            <a:endParaRPr lang="de-DE" dirty="0"/>
-          </a:p>
-          <a:p>
-            <a:r>
-              <a:rPr lang="de-DE" dirty="0"/>
-              <a:t>Bosch </a:t>
-            </a:r>
-            <a:r>
-              <a:rPr lang="de-DE" dirty="0" err="1"/>
-              <a:t>IoT</a:t>
-            </a:r>
-            <a:endParaRPr lang="de-DE" dirty="0"/>
-          </a:p>
-          <a:p>
-            <a:r>
-              <a:rPr lang="de-DE" dirty="0"/>
-              <a:t>ThingsIO.AI</a:t>
-            </a:r>
-          </a:p>
-          <a:p>
-            <a:r>
-              <a:rPr lang="de-DE" dirty="0"/>
-              <a:t>Cisco </a:t>
-            </a:r>
-            <a:r>
-              <a:rPr lang="de-DE" dirty="0" err="1"/>
-              <a:t>IoT</a:t>
-            </a:r>
-            <a:endParaRPr lang="de-DE" dirty="0"/>
-          </a:p>
-          <a:p>
-            <a:r>
-              <a:rPr lang="de-DE" dirty="0" err="1"/>
-              <a:t>Thingworx</a:t>
-            </a:r>
-            <a:endParaRPr lang="de-DE" dirty="0"/>
-          </a:p>
-          <a:p>
-            <a:r>
-              <a:rPr lang="de-DE" dirty="0" err="1"/>
-              <a:t>Kaa</a:t>
-            </a:r>
-            <a:endParaRPr lang="de-DE" dirty="0"/>
-          </a:p>
-          <a:p>
-            <a:r>
-              <a:rPr lang="de-DE" dirty="0"/>
-              <a:t>Samsung </a:t>
-            </a:r>
-            <a:r>
-              <a:rPr lang="de-DE" dirty="0" err="1"/>
-              <a:t>Artik</a:t>
-            </a:r>
-            <a:endParaRPr lang="de-DE" dirty="0"/>
-          </a:p>
-          <a:p>
-            <a:r>
-              <a:rPr lang="de-DE" dirty="0"/>
-              <a:t>HPE Universal </a:t>
-            </a:r>
-            <a:r>
-              <a:rPr lang="de-DE" dirty="0" err="1"/>
-              <a:t>IoT</a:t>
-            </a:r>
-            <a:endParaRPr lang="de-DE" dirty="0"/>
-          </a:p>
-          <a:p>
-            <a:r>
-              <a:rPr lang="de-DE" dirty="0" err="1"/>
-              <a:t>Bsquare</a:t>
-            </a:r>
-            <a:r>
-              <a:rPr lang="de-DE" dirty="0"/>
+            <a:r>
+              <a:rPr lang="en-US" dirty="0" smtClean="0"/>
               <a:t> </a:t>
             </a:r>
             <a:r>
-              <a:rPr lang="de-DE" dirty="0" err="1"/>
-              <a:t>DataV</a:t>
-            </a:r>
-            <a:endParaRPr lang="de-DE" dirty="0"/>
-          </a:p>
-          <a:p>
-            <a:r>
-              <a:rPr lang="de-DE" dirty="0"/>
-              <a:t>Siemens </a:t>
-            </a:r>
-            <a:r>
-              <a:rPr lang="de-DE" dirty="0" err="1"/>
-              <a:t>MindSphere</a:t>
-            </a:r>
-            <a:endParaRPr lang="de-DE" dirty="0"/>
-          </a:p>
-          <a:p>
-            <a:r>
-              <a:rPr lang="de-DE" dirty="0"/>
-              <a:t>Ayla Networks </a:t>
-            </a:r>
-            <a:r>
-              <a:rPr lang="de-DE" dirty="0" err="1"/>
-              <a:t>IoT</a:t>
-            </a:r>
-            <a:endParaRPr lang="de-DE" dirty="0"/>
-          </a:p>
-          <a:p>
-            <a:r>
-              <a:rPr lang="de-DE" dirty="0"/>
-              <a:t>GE </a:t>
-            </a:r>
-            <a:r>
-              <a:rPr lang="de-DE" dirty="0" err="1"/>
-              <a:t>Predix</a:t>
-            </a:r>
-            <a:endParaRPr lang="de-DE" dirty="0"/>
-          </a:p>
-          <a:p>
-            <a:endParaRPr lang="de-DE" dirty="0"/>
-          </a:p>
-          <a:p>
-            <a:endParaRPr lang="de-DE" dirty="0"/>
-          </a:p>
-          <a:p>
-            <a:endParaRPr lang="de-DE" dirty="0"/>
-          </a:p>
-          <a:p>
-            <a:endParaRPr lang="de-DE" dirty="0"/>
-          </a:p>
-          <a:p>
+              <a:rPr lang="en-US" dirty="0"/>
+              <a:t>developers by providing tools for easy and fast application development</a:t>
+            </a:r>
             <a:endParaRPr lang="de-DE" dirty="0"/>
           </a:p>
         </p:txBody>
@@ -9375,153 +9865,234 @@
       </p:grpSpPr>
       <p:sp>
         <p:nvSpPr>
-          <p:cNvPr id="70" name="Abgerundetes Rechteck 69"/>
-          <p:cNvSpPr/>
-          <p:nvPr/>
+          <p:cNvPr id="2" name="Content Placeholder 1">
+            <a:extLst>
+              <a:ext uri="{FF2B5EF4-FFF2-40B4-BE49-F238E27FC236}">
+                <a16:creationId xmlns:a16="http://schemas.microsoft.com/office/drawing/2014/main" id="{15EC1CD7-9E54-426C-B359-EC77AFFD977E}"/>
+              </a:ext>
+            </a:extLst>
+          </p:cNvPr>
+          <p:cNvSpPr>
+            <a:spLocks noGrp="1"/>
+          </p:cNvSpPr>
+          <p:nvPr>
+            <p:ph idx="1"/>
+          </p:nvPr>
         </p:nvSpPr>
-        <p:spPr bwMode="auto">
+        <p:spPr>
           <a:xfrm>
-            <a:off x="3048000" y="1729474"/>
-            <a:ext cx="5029200" cy="1259807"/>
-          </a:xfrm>
-          <a:prstGeom prst="roundRect">
-            <a:avLst/>
-          </a:prstGeom>
-          <a:ln>
-            <a:prstDash val="dash"/>
-            <a:headEnd type="none" w="med" len="med"/>
-            <a:tailEnd type="none" w="med" len="med"/>
-          </a:ln>
-        </p:spPr>
-        <p:style>
-          <a:lnRef idx="2">
-            <a:schemeClr val="accent1"/>
-          </a:lnRef>
-          <a:fillRef idx="1">
-            <a:schemeClr val="lt1"/>
-          </a:fillRef>
-          <a:effectRef idx="0">
-            <a:schemeClr val="accent1"/>
-          </a:effectRef>
-          <a:fontRef idx="minor">
-            <a:schemeClr val="dk1"/>
-          </a:fontRef>
-        </p:style>
+            <a:off x="302829" y="1447800"/>
+            <a:ext cx="8382000" cy="4106862"/>
+          </a:xfrm>
+        </p:spPr>
         <p:txBody>
-          <a:bodyPr vert="horz" wrap="square" lIns="91440" tIns="45720" rIns="91440" bIns="45720" numCol="1" rtlCol="0" anchor="t" anchorCtr="0" compatLnSpc="1">
-            <a:prstTxWarp prst="textNoShape">
-              <a:avLst/>
-            </a:prstTxWarp>
-          </a:bodyPr>
+          <a:bodyPr/>
           <a:lstStyle/>
           <a:p>
-            <a:pPr marL="0" marR="0" indent="0" algn="l" defTabSz="914400" rtl="0" eaLnBrk="0" fontAlgn="base" latinLnBrk="0" hangingPunct="0">
-              <a:lnSpc>
-                <a:spcPct val="100000"/>
-              </a:lnSpc>
-              <a:spcBef>
-                <a:spcPct val="0"/>
-              </a:spcBef>
-              <a:spcAft>
-                <a:spcPct val="0"/>
-              </a:spcAft>
-              <a:buClrTx/>
-              <a:buSzTx/>
-              <a:buFontTx/>
-              <a:buNone/>
-              <a:tabLst/>
-            </a:pPr>
-            <a:endParaRPr kumimoji="0" lang="de-DE" sz="2400" b="0" i="0" u="none" strike="noStrike" cap="none" normalizeH="0" baseline="0" dirty="0">
-              <a:ln>
-                <a:noFill/>
-              </a:ln>
-              <a:solidFill>
-                <a:schemeClr val="tx1"/>
-              </a:solidFill>
-              <a:effectLst/>
-              <a:latin typeface="Arial" charset="0"/>
-              <a:ea typeface="ＭＳ Ｐゴシック" charset="-128"/>
-              <a:cs typeface="ＭＳ Ｐゴシック" charset="-128"/>
-            </a:endParaRPr>
+            <a:r>
+              <a:rPr lang="de-DE" dirty="0" smtClean="0"/>
+              <a:t>Oracle </a:t>
+            </a:r>
+            <a:r>
+              <a:rPr lang="de-DE" dirty="0" err="1"/>
+              <a:t>IoT</a:t>
+            </a:r>
+            <a:endParaRPr lang="de-DE" dirty="0"/>
+          </a:p>
+          <a:p>
+            <a:r>
+              <a:rPr lang="de-DE" dirty="0" err="1"/>
+              <a:t>SalesForce</a:t>
+            </a:r>
+            <a:r>
+              <a:rPr lang="de-DE" dirty="0"/>
+              <a:t> </a:t>
+            </a:r>
+            <a:r>
+              <a:rPr lang="de-DE" dirty="0" err="1"/>
+              <a:t>IoT</a:t>
+            </a:r>
+            <a:endParaRPr lang="de-DE" dirty="0"/>
+          </a:p>
+          <a:p>
+            <a:r>
+              <a:rPr lang="de-DE" b="1" dirty="0"/>
+              <a:t>Bosch </a:t>
+            </a:r>
+            <a:r>
+              <a:rPr lang="de-DE" b="1" dirty="0" err="1" smtClean="0"/>
+              <a:t>IoT</a:t>
+            </a:r>
+            <a:endParaRPr lang="de-DE" b="1" dirty="0" smtClean="0"/>
+          </a:p>
+          <a:p>
+            <a:pPr lvl="1"/>
+            <a:r>
+              <a:rPr lang="en-US" dirty="0" smtClean="0"/>
+              <a:t>Good security </a:t>
+            </a:r>
+            <a:r>
+              <a:rPr lang="en-US" dirty="0"/>
+              <a:t>and </a:t>
+            </a:r>
+            <a:r>
+              <a:rPr lang="en-US" dirty="0" smtClean="0"/>
+              <a:t>reliability</a:t>
+            </a:r>
+          </a:p>
+          <a:p>
+            <a:pPr lvl="1"/>
+            <a:r>
+              <a:rPr lang="en-US" dirty="0" smtClean="0"/>
+              <a:t>On-line and offline storage</a:t>
+            </a:r>
+          </a:p>
+          <a:p>
+            <a:pPr lvl="1"/>
+            <a:r>
+              <a:rPr lang="en-US" dirty="0" smtClean="0"/>
+              <a:t>Good prototype capabilities</a:t>
+            </a:r>
+          </a:p>
+          <a:p>
+            <a:pPr lvl="1"/>
+            <a:r>
+              <a:rPr lang="en-US" dirty="0" smtClean="0"/>
+              <a:t>Cost-effective</a:t>
+            </a:r>
+            <a:endParaRPr lang="de-DE" dirty="0"/>
+          </a:p>
+          <a:p>
+            <a:r>
+              <a:rPr lang="de-DE" dirty="0"/>
+              <a:t>ThingsIO.AI</a:t>
+            </a:r>
+          </a:p>
+          <a:p>
+            <a:r>
+              <a:rPr lang="de-DE" b="1" dirty="0" smtClean="0"/>
+              <a:t>Siemens </a:t>
+            </a:r>
+            <a:r>
+              <a:rPr lang="de-DE" b="1" dirty="0" err="1" smtClean="0"/>
+              <a:t>MindSphere</a:t>
+            </a:r>
+            <a:endParaRPr lang="de-DE" b="1" dirty="0" smtClean="0"/>
+          </a:p>
+          <a:p>
+            <a:pPr lvl="1"/>
+            <a:r>
+              <a:rPr lang="en-US" dirty="0" smtClean="0"/>
+              <a:t>Focuses </a:t>
+            </a:r>
+            <a:r>
+              <a:rPr lang="en-US" dirty="0"/>
+              <a:t>on reducing the downtime of critical </a:t>
+            </a:r>
+            <a:r>
+              <a:rPr lang="en-US" dirty="0" smtClean="0"/>
+              <a:t>equipment</a:t>
+            </a:r>
+          </a:p>
+          <a:p>
+            <a:pPr lvl="1"/>
+            <a:r>
+              <a:rPr lang="en-US" dirty="0" smtClean="0"/>
+              <a:t>Scalable connectivity (cloud and edge)</a:t>
+            </a:r>
+          </a:p>
+          <a:p>
+            <a:pPr lvl="1"/>
+            <a:r>
+              <a:rPr lang="en-US" dirty="0" smtClean="0"/>
+              <a:t>Runs on AWS and Azure</a:t>
+            </a:r>
+            <a:endParaRPr lang="de-DE" dirty="0"/>
+          </a:p>
+          <a:p>
+            <a:r>
+              <a:rPr lang="de-DE" dirty="0"/>
+              <a:t>Ayla Networks </a:t>
+            </a:r>
+            <a:r>
+              <a:rPr lang="de-DE" dirty="0" err="1"/>
+              <a:t>IoT</a:t>
+            </a:r>
+            <a:endParaRPr lang="de-DE" dirty="0"/>
+          </a:p>
+          <a:p>
+            <a:r>
+              <a:rPr lang="de-DE" b="1" dirty="0"/>
+              <a:t>GE </a:t>
+            </a:r>
+            <a:r>
+              <a:rPr lang="de-DE" b="1" dirty="0" err="1" smtClean="0"/>
+              <a:t>Predix</a:t>
+            </a:r>
+            <a:endParaRPr lang="de-DE" b="1" dirty="0" smtClean="0"/>
+          </a:p>
+          <a:p>
+            <a:pPr lvl="1"/>
+            <a:r>
+              <a:rPr lang="en-US" dirty="0" smtClean="0"/>
+              <a:t> </a:t>
+            </a:r>
+            <a:r>
+              <a:rPr lang="en-US" dirty="0" err="1" smtClean="0"/>
+              <a:t>Fokus</a:t>
+            </a:r>
+            <a:r>
+              <a:rPr lang="en-US" dirty="0" smtClean="0"/>
+              <a:t> </a:t>
+            </a:r>
+            <a:r>
+              <a:rPr lang="en-US" dirty="0"/>
+              <a:t>on industrial applications. </a:t>
+            </a:r>
+            <a:endParaRPr lang="en-US" dirty="0" smtClean="0"/>
+          </a:p>
+          <a:p>
+            <a:pPr lvl="1"/>
+            <a:r>
+              <a:rPr lang="en-US" dirty="0" smtClean="0"/>
+              <a:t> Good solution scale</a:t>
+            </a:r>
+          </a:p>
+          <a:p>
+            <a:pPr lvl="1"/>
+            <a:r>
+              <a:rPr lang="en-US" dirty="0" smtClean="0"/>
+              <a:t> It </a:t>
+            </a:r>
+            <a:r>
+              <a:rPr lang="en-US" dirty="0"/>
+              <a:t>is designed to analyze and efficiently transfer huge volumes of data from assets to edge devices, cloud, etc.</a:t>
+            </a:r>
+            <a:endParaRPr lang="de-DE" b="1" dirty="0"/>
+          </a:p>
+          <a:p>
+            <a:endParaRPr lang="de-DE" dirty="0"/>
+          </a:p>
+          <a:p>
+            <a:endParaRPr lang="de-DE" dirty="0"/>
+          </a:p>
+          <a:p>
+            <a:endParaRPr lang="de-DE" dirty="0"/>
+          </a:p>
+          <a:p>
+            <a:endParaRPr lang="de-DE" dirty="0"/>
           </a:p>
         </p:txBody>
       </p:sp>
       <p:sp>
         <p:nvSpPr>
-          <p:cNvPr id="66" name="Abgerundetes Rechteck 65"/>
-          <p:cNvSpPr/>
-          <p:nvPr/>
-        </p:nvSpPr>
-        <p:spPr bwMode="auto">
-          <a:xfrm>
-            <a:off x="3048000" y="4800600"/>
-            <a:ext cx="5029200" cy="1757065"/>
-          </a:xfrm>
-          <a:prstGeom prst="roundRect">
-            <a:avLst/>
-          </a:prstGeom>
-          <a:ln>
-            <a:prstDash val="dash"/>
-            <a:headEnd type="none" w="med" len="med"/>
-            <a:tailEnd type="none" w="med" len="med"/>
-          </a:ln>
-        </p:spPr>
-        <p:style>
-          <a:lnRef idx="2">
-            <a:schemeClr val="accent1"/>
-          </a:lnRef>
-          <a:fillRef idx="1">
-            <a:schemeClr val="lt1"/>
-          </a:fillRef>
-          <a:effectRef idx="0">
-            <a:schemeClr val="accent1"/>
-          </a:effectRef>
-          <a:fontRef idx="minor">
-            <a:schemeClr val="dk1"/>
-          </a:fontRef>
-        </p:style>
-        <p:txBody>
-          <a:bodyPr vert="horz" wrap="square" lIns="91440" tIns="45720" rIns="91440" bIns="45720" numCol="1" rtlCol="0" anchor="t" anchorCtr="0" compatLnSpc="1">
-            <a:prstTxWarp prst="textNoShape">
-              <a:avLst/>
-            </a:prstTxWarp>
-          </a:bodyPr>
-          <a:lstStyle/>
-          <a:p>
-            <a:pPr marL="0" marR="0" indent="0" algn="l" defTabSz="914400" rtl="0" eaLnBrk="0" fontAlgn="base" latinLnBrk="0" hangingPunct="0">
-              <a:lnSpc>
-                <a:spcPct val="100000"/>
-              </a:lnSpc>
-              <a:spcBef>
-                <a:spcPct val="0"/>
-              </a:spcBef>
-              <a:spcAft>
-                <a:spcPct val="0"/>
-              </a:spcAft>
-              <a:buClrTx/>
-              <a:buSzTx/>
-              <a:buFontTx/>
-              <a:buNone/>
-              <a:tabLst/>
-            </a:pPr>
-            <a:endParaRPr kumimoji="0" lang="de-DE" sz="2400" b="0" i="0" u="none" strike="noStrike" cap="none" normalizeH="0" baseline="0" dirty="0">
-              <a:ln>
-                <a:noFill/>
-              </a:ln>
-              <a:solidFill>
-                <a:schemeClr val="tx1"/>
-              </a:solidFill>
-              <a:effectLst/>
-              <a:latin typeface="Arial" charset="0"/>
-              <a:ea typeface="ＭＳ Ｐゴシック" charset="-128"/>
-              <a:cs typeface="ＭＳ Ｐゴシック" charset="-128"/>
-            </a:endParaRPr>
-          </a:p>
-        </p:txBody>
-      </p:sp>
-      <p:sp>
-        <p:nvSpPr>
-          <p:cNvPr id="3" name="Titel 2"/>
+          <p:cNvPr id="3" name="Title 2">
+            <a:extLst>
+              <a:ext uri="{FF2B5EF4-FFF2-40B4-BE49-F238E27FC236}">
+                <a16:creationId xmlns:a16="http://schemas.microsoft.com/office/drawing/2014/main" id="{AF8A90BB-4236-438D-9708-543579628902}"/>
+              </a:ext>
+            </a:extLst>
+          </p:cNvPr>
           <p:cNvSpPr>
             <a:spLocks noGrp="1"/>
           </p:cNvSpPr>
@@ -9535,8 +10106,16 @@
           <a:lstStyle/>
           <a:p>
             <a:r>
-              <a:rPr lang="en-US" dirty="0"/>
-              <a:t>IoT Architecture (Draft)</a:t>
+              <a:rPr lang="de-DE" dirty="0" err="1"/>
+              <a:t>IoT</a:t>
+            </a:r>
+            <a:r>
+              <a:rPr lang="de-DE" dirty="0"/>
+              <a:t> </a:t>
+            </a:r>
+            <a:r>
+              <a:rPr lang="de-DE" dirty="0" err="1"/>
+              <a:t>Platform</a:t>
             </a:r>
             <a:endParaRPr lang="de-DE" dirty="0"/>
           </a:p>
@@ -9544,1887 +10123,50 @@
       </p:sp>
       <p:sp>
         <p:nvSpPr>
-          <p:cNvPr id="5" name="Rechteck 4"/>
+          <p:cNvPr id="4" name="Rectangle 3">
+            <a:extLst>
+              <a:ext uri="{FF2B5EF4-FFF2-40B4-BE49-F238E27FC236}">
+                <a16:creationId xmlns:a16="http://schemas.microsoft.com/office/drawing/2014/main" id="{E25A230D-6206-45AC-9203-0C4F98EF8AD6}"/>
+              </a:ext>
+            </a:extLst>
+          </p:cNvPr>
           <p:cNvSpPr/>
-          <p:nvPr/>
-        </p:nvSpPr>
-        <p:spPr bwMode="auto">
-          <a:xfrm>
-            <a:off x="609600" y="1828800"/>
-            <a:ext cx="304800" cy="304800"/>
-          </a:xfrm>
-          <a:prstGeom prst="rect">
-            <a:avLst/>
-          </a:prstGeom>
-          <a:solidFill>
-            <a:schemeClr val="accent1"/>
-          </a:solidFill>
-          <a:ln w="9525" cap="flat" cmpd="sng" algn="ctr">
-            <a:solidFill>
-              <a:schemeClr val="tx1"/>
-            </a:solidFill>
-            <a:prstDash val="solid"/>
-            <a:round/>
-            <a:headEnd type="none" w="med" len="med"/>
-            <a:tailEnd type="none" w="med" len="med"/>
-          </a:ln>
-          <a:effectLst/>
-        </p:spPr>
-        <p:txBody>
-          <a:bodyPr vert="horz" wrap="square" lIns="91440" tIns="45720" rIns="91440" bIns="45720" numCol="1" rtlCol="0" anchor="t" anchorCtr="0" compatLnSpc="1">
-            <a:prstTxWarp prst="textNoShape">
-              <a:avLst/>
-            </a:prstTxWarp>
-          </a:bodyPr>
-          <a:lstStyle/>
-          <a:p>
-            <a:pPr marL="0" marR="0" indent="0" algn="l" defTabSz="914400" rtl="0" eaLnBrk="0" fontAlgn="base" latinLnBrk="0" hangingPunct="0">
-              <a:lnSpc>
-                <a:spcPct val="100000"/>
-              </a:lnSpc>
-              <a:spcBef>
-                <a:spcPct val="0"/>
-              </a:spcBef>
-              <a:spcAft>
-                <a:spcPct val="0"/>
-              </a:spcAft>
-              <a:buClrTx/>
-              <a:buSzTx/>
-              <a:buFontTx/>
-              <a:buNone/>
-              <a:tabLst/>
-            </a:pPr>
-            <a:endParaRPr kumimoji="0" lang="de-DE" sz="2400" b="0" i="0" u="none" strike="noStrike" cap="none" normalizeH="0" baseline="0">
-              <a:ln>
-                <a:noFill/>
-              </a:ln>
-              <a:solidFill>
-                <a:schemeClr val="tx1"/>
-              </a:solidFill>
-              <a:effectLst/>
-              <a:latin typeface="Arial" charset="0"/>
-              <a:ea typeface="ＭＳ Ｐゴシック" charset="-128"/>
-              <a:cs typeface="ＭＳ Ｐゴシック" charset="-128"/>
-            </a:endParaRPr>
-          </a:p>
-        </p:txBody>
-      </p:sp>
-      <p:sp>
-        <p:nvSpPr>
-          <p:cNvPr id="10" name="Rechteck 9"/>
-          <p:cNvSpPr/>
-          <p:nvPr/>
-        </p:nvSpPr>
-        <p:spPr bwMode="auto">
-          <a:xfrm>
-            <a:off x="635098" y="2594318"/>
-            <a:ext cx="304800" cy="304800"/>
-          </a:xfrm>
-          <a:prstGeom prst="rect">
-            <a:avLst/>
-          </a:prstGeom>
-          <a:solidFill>
-            <a:schemeClr val="accent1"/>
-          </a:solidFill>
-          <a:ln w="9525" cap="flat" cmpd="sng" algn="ctr">
-            <a:solidFill>
-              <a:schemeClr val="tx1"/>
-            </a:solidFill>
-            <a:prstDash val="solid"/>
-            <a:round/>
-            <a:headEnd type="none" w="med" len="med"/>
-            <a:tailEnd type="none" w="med" len="med"/>
-          </a:ln>
-          <a:effectLst/>
-        </p:spPr>
-        <p:txBody>
-          <a:bodyPr vert="horz" wrap="square" lIns="91440" tIns="45720" rIns="91440" bIns="45720" numCol="1" rtlCol="0" anchor="t" anchorCtr="0" compatLnSpc="1">
-            <a:prstTxWarp prst="textNoShape">
-              <a:avLst/>
-            </a:prstTxWarp>
-          </a:bodyPr>
-          <a:lstStyle/>
-          <a:p>
-            <a:pPr marL="0" marR="0" indent="0" algn="l" defTabSz="914400" rtl="0" eaLnBrk="0" fontAlgn="base" latinLnBrk="0" hangingPunct="0">
-              <a:lnSpc>
-                <a:spcPct val="100000"/>
-              </a:lnSpc>
-              <a:spcBef>
-                <a:spcPct val="0"/>
-              </a:spcBef>
-              <a:spcAft>
-                <a:spcPct val="0"/>
-              </a:spcAft>
-              <a:buClrTx/>
-              <a:buSzTx/>
-              <a:buFontTx/>
-              <a:buNone/>
-              <a:tabLst/>
-            </a:pPr>
-            <a:endParaRPr kumimoji="0" lang="de-DE" sz="2400" b="0" i="0" u="none" strike="noStrike" cap="none" normalizeH="0" baseline="0">
-              <a:ln>
-                <a:noFill/>
-              </a:ln>
-              <a:solidFill>
-                <a:schemeClr val="tx1"/>
-              </a:solidFill>
-              <a:effectLst/>
-              <a:latin typeface="Arial" charset="0"/>
-              <a:ea typeface="ＭＳ Ｐゴシック" charset="-128"/>
-              <a:cs typeface="ＭＳ Ｐゴシック" charset="-128"/>
-            </a:endParaRPr>
-          </a:p>
-        </p:txBody>
-      </p:sp>
-      <p:sp>
-        <p:nvSpPr>
-          <p:cNvPr id="11" name="Rechteck 10"/>
-          <p:cNvSpPr/>
-          <p:nvPr/>
-        </p:nvSpPr>
-        <p:spPr bwMode="auto">
-          <a:xfrm>
-            <a:off x="635098" y="3359836"/>
-            <a:ext cx="304800" cy="304800"/>
-          </a:xfrm>
-          <a:prstGeom prst="rect">
-            <a:avLst/>
-          </a:prstGeom>
-          <a:solidFill>
-            <a:schemeClr val="accent1"/>
-          </a:solidFill>
-          <a:ln w="9525" cap="flat" cmpd="sng" algn="ctr">
-            <a:solidFill>
-              <a:schemeClr val="tx1"/>
-            </a:solidFill>
-            <a:prstDash val="solid"/>
-            <a:round/>
-            <a:headEnd type="none" w="med" len="med"/>
-            <a:tailEnd type="none" w="med" len="med"/>
-          </a:ln>
-          <a:effectLst/>
-        </p:spPr>
-        <p:txBody>
-          <a:bodyPr vert="horz" wrap="square" lIns="91440" tIns="45720" rIns="91440" bIns="45720" numCol="1" rtlCol="0" anchor="t" anchorCtr="0" compatLnSpc="1">
-            <a:prstTxWarp prst="textNoShape">
-              <a:avLst/>
-            </a:prstTxWarp>
-          </a:bodyPr>
-          <a:lstStyle/>
-          <a:p>
-            <a:pPr marL="0" marR="0" indent="0" algn="l" defTabSz="914400" rtl="0" eaLnBrk="0" fontAlgn="base" latinLnBrk="0" hangingPunct="0">
-              <a:lnSpc>
-                <a:spcPct val="100000"/>
-              </a:lnSpc>
-              <a:spcBef>
-                <a:spcPct val="0"/>
-              </a:spcBef>
-              <a:spcAft>
-                <a:spcPct val="0"/>
-              </a:spcAft>
-              <a:buClrTx/>
-              <a:buSzTx/>
-              <a:buFontTx/>
-              <a:buNone/>
-              <a:tabLst/>
-            </a:pPr>
-            <a:endParaRPr kumimoji="0" lang="de-DE" sz="2400" b="0" i="0" u="none" strike="noStrike" cap="none" normalizeH="0" baseline="0">
-              <a:ln>
-                <a:noFill/>
-              </a:ln>
-              <a:solidFill>
-                <a:schemeClr val="tx1"/>
-              </a:solidFill>
-              <a:effectLst/>
-              <a:latin typeface="Arial" charset="0"/>
-              <a:ea typeface="ＭＳ Ｐゴシック" charset="-128"/>
-              <a:cs typeface="ＭＳ Ｐゴシック" charset="-128"/>
-            </a:endParaRPr>
-          </a:p>
-        </p:txBody>
-      </p:sp>
-      <p:sp>
-        <p:nvSpPr>
-          <p:cNvPr id="12" name="Rechteck 11"/>
-          <p:cNvSpPr/>
-          <p:nvPr/>
-        </p:nvSpPr>
-        <p:spPr bwMode="auto">
-          <a:xfrm>
-            <a:off x="635098" y="4124181"/>
-            <a:ext cx="304800" cy="304800"/>
-          </a:xfrm>
-          <a:prstGeom prst="rect">
-            <a:avLst/>
-          </a:prstGeom>
-          <a:solidFill>
-            <a:schemeClr val="accent1"/>
-          </a:solidFill>
-          <a:ln w="9525" cap="flat" cmpd="sng" algn="ctr">
-            <a:solidFill>
-              <a:schemeClr val="tx1"/>
-            </a:solidFill>
-            <a:prstDash val="solid"/>
-            <a:round/>
-            <a:headEnd type="none" w="med" len="med"/>
-            <a:tailEnd type="none" w="med" len="med"/>
-          </a:ln>
-          <a:effectLst/>
-        </p:spPr>
-        <p:txBody>
-          <a:bodyPr vert="horz" wrap="square" lIns="91440" tIns="45720" rIns="91440" bIns="45720" numCol="1" rtlCol="0" anchor="t" anchorCtr="0" compatLnSpc="1">
-            <a:prstTxWarp prst="textNoShape">
-              <a:avLst/>
-            </a:prstTxWarp>
-          </a:bodyPr>
-          <a:lstStyle/>
-          <a:p>
-            <a:pPr marL="0" marR="0" indent="0" algn="l" defTabSz="914400" rtl="0" eaLnBrk="0" fontAlgn="base" latinLnBrk="0" hangingPunct="0">
-              <a:lnSpc>
-                <a:spcPct val="100000"/>
-              </a:lnSpc>
-              <a:spcBef>
-                <a:spcPct val="0"/>
-              </a:spcBef>
-              <a:spcAft>
-                <a:spcPct val="0"/>
-              </a:spcAft>
-              <a:buClrTx/>
-              <a:buSzTx/>
-              <a:buFontTx/>
-              <a:buNone/>
-              <a:tabLst/>
-            </a:pPr>
-            <a:endParaRPr kumimoji="0" lang="de-DE" sz="2400" b="0" i="0" u="none" strike="noStrike" cap="none" normalizeH="0" baseline="0">
-              <a:ln>
-                <a:noFill/>
-              </a:ln>
-              <a:solidFill>
-                <a:schemeClr val="tx1"/>
-              </a:solidFill>
-              <a:effectLst/>
-              <a:latin typeface="Arial" charset="0"/>
-              <a:ea typeface="ＭＳ Ｐゴシック" charset="-128"/>
-              <a:cs typeface="ＭＳ Ｐゴシック" charset="-128"/>
-            </a:endParaRPr>
-          </a:p>
-        </p:txBody>
-      </p:sp>
-      <p:sp>
-        <p:nvSpPr>
-          <p:cNvPr id="13" name="Rechteck 12"/>
-          <p:cNvSpPr/>
-          <p:nvPr/>
-        </p:nvSpPr>
-        <p:spPr bwMode="auto">
-          <a:xfrm>
-            <a:off x="635098" y="4886181"/>
-            <a:ext cx="304800" cy="304800"/>
-          </a:xfrm>
-          <a:prstGeom prst="rect">
-            <a:avLst/>
-          </a:prstGeom>
-          <a:solidFill>
-            <a:schemeClr val="accent1"/>
-          </a:solidFill>
-          <a:ln w="9525" cap="flat" cmpd="sng" algn="ctr">
-            <a:solidFill>
-              <a:schemeClr val="tx1"/>
-            </a:solidFill>
-            <a:prstDash val="solid"/>
-            <a:round/>
-            <a:headEnd type="none" w="med" len="med"/>
-            <a:tailEnd type="none" w="med" len="med"/>
-          </a:ln>
-          <a:effectLst/>
-        </p:spPr>
-        <p:txBody>
-          <a:bodyPr vert="horz" wrap="square" lIns="91440" tIns="45720" rIns="91440" bIns="45720" numCol="1" rtlCol="0" anchor="t" anchorCtr="0" compatLnSpc="1">
-            <a:prstTxWarp prst="textNoShape">
-              <a:avLst/>
-            </a:prstTxWarp>
-          </a:bodyPr>
-          <a:lstStyle/>
-          <a:p>
-            <a:pPr marL="0" marR="0" indent="0" algn="l" defTabSz="914400" rtl="0" eaLnBrk="0" fontAlgn="base" latinLnBrk="0" hangingPunct="0">
-              <a:lnSpc>
-                <a:spcPct val="100000"/>
-              </a:lnSpc>
-              <a:spcBef>
-                <a:spcPct val="0"/>
-              </a:spcBef>
-              <a:spcAft>
-                <a:spcPct val="0"/>
-              </a:spcAft>
-              <a:buClrTx/>
-              <a:buSzTx/>
-              <a:buFontTx/>
-              <a:buNone/>
-              <a:tabLst/>
-            </a:pPr>
-            <a:endParaRPr kumimoji="0" lang="de-DE" sz="2400" b="0" i="0" u="none" strike="noStrike" cap="none" normalizeH="0" baseline="0">
-              <a:ln>
-                <a:noFill/>
-              </a:ln>
-              <a:solidFill>
-                <a:schemeClr val="tx1"/>
-              </a:solidFill>
-              <a:effectLst/>
-              <a:latin typeface="Arial" charset="0"/>
-              <a:ea typeface="ＭＳ Ｐゴシック" charset="-128"/>
-              <a:cs typeface="ＭＳ Ｐゴシック" charset="-128"/>
-            </a:endParaRPr>
-          </a:p>
-        </p:txBody>
-      </p:sp>
-      <p:sp>
-        <p:nvSpPr>
-          <p:cNvPr id="14" name="Rechteck 13"/>
-          <p:cNvSpPr/>
-          <p:nvPr/>
-        </p:nvSpPr>
-        <p:spPr bwMode="auto">
-          <a:xfrm>
-            <a:off x="635098" y="5650526"/>
-            <a:ext cx="304800" cy="304800"/>
-          </a:xfrm>
-          <a:prstGeom prst="rect">
-            <a:avLst/>
-          </a:prstGeom>
-          <a:solidFill>
-            <a:schemeClr val="accent1"/>
-          </a:solidFill>
-          <a:ln w="9525" cap="flat" cmpd="sng" algn="ctr">
-            <a:solidFill>
-              <a:schemeClr val="tx1"/>
-            </a:solidFill>
-            <a:prstDash val="solid"/>
-            <a:round/>
-            <a:headEnd type="none" w="med" len="med"/>
-            <a:tailEnd type="none" w="med" len="med"/>
-          </a:ln>
-          <a:effectLst/>
-        </p:spPr>
-        <p:txBody>
-          <a:bodyPr vert="horz" wrap="square" lIns="91440" tIns="45720" rIns="91440" bIns="45720" numCol="1" rtlCol="0" anchor="t" anchorCtr="0" compatLnSpc="1">
-            <a:prstTxWarp prst="textNoShape">
-              <a:avLst/>
-            </a:prstTxWarp>
-          </a:bodyPr>
-          <a:lstStyle/>
-          <a:p>
-            <a:pPr marL="0" marR="0" indent="0" algn="l" defTabSz="914400" rtl="0" eaLnBrk="0" fontAlgn="base" latinLnBrk="0" hangingPunct="0">
-              <a:lnSpc>
-                <a:spcPct val="100000"/>
-              </a:lnSpc>
-              <a:spcBef>
-                <a:spcPct val="0"/>
-              </a:spcBef>
-              <a:spcAft>
-                <a:spcPct val="0"/>
-              </a:spcAft>
-              <a:buClrTx/>
-              <a:buSzTx/>
-              <a:buFontTx/>
-              <a:buNone/>
-              <a:tabLst/>
-            </a:pPr>
-            <a:endParaRPr kumimoji="0" lang="de-DE" sz="2400" b="0" i="0" u="none" strike="noStrike" cap="none" normalizeH="0" baseline="0">
-              <a:ln>
-                <a:noFill/>
-              </a:ln>
-              <a:solidFill>
-                <a:schemeClr val="tx1"/>
-              </a:solidFill>
-              <a:effectLst/>
-              <a:latin typeface="Arial" charset="0"/>
-              <a:ea typeface="ＭＳ Ｐゴシック" charset="-128"/>
-              <a:cs typeface="ＭＳ Ｐゴシック" charset="-128"/>
-            </a:endParaRPr>
-          </a:p>
-        </p:txBody>
-      </p:sp>
-      <p:sp>
-        <p:nvSpPr>
-          <p:cNvPr id="15" name="Textfeld 14"/>
-          <p:cNvSpPr txBox="1"/>
           <p:nvPr/>
         </p:nvSpPr>
         <p:spPr>
           <a:xfrm>
-            <a:off x="107255" y="6031072"/>
-            <a:ext cx="1478290" cy="307777"/>
+            <a:off x="2514600" y="6506013"/>
+            <a:ext cx="5715000" cy="261610"/>
           </a:xfrm>
           <a:prstGeom prst="rect">
             <a:avLst/>
           </a:prstGeom>
-          <a:noFill/>
         </p:spPr>
         <p:txBody>
-          <a:bodyPr wrap="none" rtlCol="0">
+          <a:bodyPr wrap="square">
             <a:spAutoFit/>
           </a:bodyPr>
           <a:lstStyle/>
           <a:p>
             <a:r>
-              <a:rPr lang="en-US" sz="1400" dirty="0"/>
-              <a:t>Devices(Things)</a:t>
-            </a:r>
-            <a:endParaRPr lang="de-DE" sz="1400" dirty="0"/>
-          </a:p>
-        </p:txBody>
-      </p:sp>
-      <p:sp>
-        <p:nvSpPr>
-          <p:cNvPr id="16" name="Rechteck 15"/>
-          <p:cNvSpPr/>
-          <p:nvPr/>
-        </p:nvSpPr>
-        <p:spPr bwMode="auto">
-          <a:xfrm>
-            <a:off x="2041721" y="3065178"/>
-            <a:ext cx="990600" cy="1263836"/>
-          </a:xfrm>
-          <a:prstGeom prst="rect">
-            <a:avLst/>
-          </a:prstGeom>
-          <a:ln>
-            <a:headEnd type="none" w="med" len="med"/>
-            <a:tailEnd type="none" w="med" len="med"/>
-          </a:ln>
-        </p:spPr>
-        <p:style>
-          <a:lnRef idx="2">
-            <a:schemeClr val="accent4">
-              <a:shade val="50000"/>
-            </a:schemeClr>
-          </a:lnRef>
-          <a:fillRef idx="1">
-            <a:schemeClr val="accent4"/>
-          </a:fillRef>
-          <a:effectRef idx="0">
-            <a:schemeClr val="accent4"/>
-          </a:effectRef>
-          <a:fontRef idx="minor">
-            <a:schemeClr val="lt1"/>
-          </a:fontRef>
-        </p:style>
-        <p:txBody>
-          <a:bodyPr vert="horz" wrap="square" lIns="91440" tIns="45720" rIns="91440" bIns="45720" numCol="1" rtlCol="0" anchor="t" anchorCtr="0" compatLnSpc="1">
-            <a:prstTxWarp prst="textNoShape">
-              <a:avLst/>
-            </a:prstTxWarp>
-          </a:bodyPr>
-          <a:lstStyle/>
-          <a:p>
-            <a:pPr algn="ctr"/>
-            <a:r>
-              <a:rPr lang="en-US" sz="1200">
-                <a:solidFill>
-                  <a:schemeClr val="tx2"/>
-                </a:solidFill>
-              </a:rPr>
-              <a:t>Data Ingest </a:t>
-            </a:r>
-          </a:p>
-          <a:p>
-            <a:pPr algn="ctr"/>
-            <a:r>
-              <a:rPr lang="en-US" sz="1200">
-                <a:solidFill>
-                  <a:schemeClr val="tx2"/>
-                </a:solidFill>
-              </a:rPr>
-              <a:t>(MQTT Broker)</a:t>
-            </a:r>
-            <a:endParaRPr lang="de-DE" sz="1200" dirty="0">
-              <a:solidFill>
-                <a:schemeClr val="tx2"/>
-              </a:solidFill>
-            </a:endParaRPr>
-          </a:p>
-        </p:txBody>
-      </p:sp>
-      <p:sp>
-        <p:nvSpPr>
-          <p:cNvPr id="18" name="Rechteck 17"/>
-          <p:cNvSpPr/>
-          <p:nvPr/>
-        </p:nvSpPr>
-        <p:spPr bwMode="auto">
-          <a:xfrm>
-            <a:off x="3505200" y="5285408"/>
-            <a:ext cx="1900311" cy="503453"/>
-          </a:xfrm>
-          <a:prstGeom prst="rect">
-            <a:avLst/>
-          </a:prstGeom>
-          <a:ln>
-            <a:headEnd type="none" w="med" len="med"/>
-            <a:tailEnd type="none" w="med" len="med"/>
-          </a:ln>
-        </p:spPr>
-        <p:style>
-          <a:lnRef idx="1">
-            <a:schemeClr val="accent2"/>
-          </a:lnRef>
-          <a:fillRef idx="2">
-            <a:schemeClr val="accent2"/>
-          </a:fillRef>
-          <a:effectRef idx="1">
-            <a:schemeClr val="accent2"/>
-          </a:effectRef>
-          <a:fontRef idx="minor">
-            <a:schemeClr val="dk1"/>
-          </a:fontRef>
-        </p:style>
-        <p:txBody>
-          <a:bodyPr vert="horz" wrap="square" lIns="91440" tIns="45720" rIns="91440" bIns="45720" numCol="1" rtlCol="0" anchor="t" anchorCtr="0" compatLnSpc="1">
-            <a:prstTxWarp prst="textNoShape">
-              <a:avLst/>
-            </a:prstTxWarp>
-          </a:bodyPr>
-          <a:lstStyle/>
-          <a:p>
-            <a:pPr marL="0" marR="0" indent="0" algn="ctr" defTabSz="914400" rtl="0" eaLnBrk="0" fontAlgn="base" latinLnBrk="0" hangingPunct="0">
-              <a:lnSpc>
-                <a:spcPct val="100000"/>
-              </a:lnSpc>
-              <a:spcBef>
-                <a:spcPct val="0"/>
-              </a:spcBef>
-              <a:spcAft>
-                <a:spcPct val="0"/>
-              </a:spcAft>
-              <a:buClrTx/>
-              <a:buSzTx/>
-              <a:buFontTx/>
-              <a:buNone/>
-              <a:tabLst/>
-            </a:pPr>
-            <a:r>
-              <a:rPr kumimoji="0" lang="en-US" sz="1200" b="0" i="0" u="none" strike="noStrike" cap="none" normalizeH="0" baseline="0" dirty="0">
-                <a:ln>
-                  <a:noFill/>
-                </a:ln>
-                <a:solidFill>
-                  <a:schemeClr val="tx2"/>
-                </a:solidFill>
-                <a:effectLst/>
-                <a:latin typeface="Arial" charset="0"/>
-                <a:ea typeface="ＭＳ Ｐゴシック" charset="-128"/>
-                <a:cs typeface="ＭＳ Ｐゴシック" charset="-128"/>
-              </a:rPr>
-              <a:t>Immutable Master Data</a:t>
-            </a:r>
-          </a:p>
-          <a:p>
-            <a:pPr marL="0" marR="0" indent="0" algn="ctr" defTabSz="914400" rtl="0" eaLnBrk="0" fontAlgn="base" latinLnBrk="0" hangingPunct="0">
-              <a:lnSpc>
-                <a:spcPct val="100000"/>
-              </a:lnSpc>
-              <a:spcBef>
-                <a:spcPct val="0"/>
-              </a:spcBef>
-              <a:spcAft>
-                <a:spcPct val="0"/>
-              </a:spcAft>
-              <a:buClrTx/>
-              <a:buSzTx/>
-              <a:buFontTx/>
-              <a:buNone/>
-              <a:tabLst/>
-            </a:pPr>
-            <a:r>
-              <a:rPr lang="en-US" sz="1200" dirty="0">
-                <a:solidFill>
-                  <a:schemeClr val="tx2"/>
-                </a:solidFill>
-                <a:latin typeface="Arial" charset="0"/>
-                <a:ea typeface="ＭＳ Ｐゴシック" charset="-128"/>
-                <a:cs typeface="ＭＳ Ｐゴシック" charset="-128"/>
-              </a:rPr>
-              <a:t>(Data Lake)</a:t>
-            </a:r>
-            <a:endParaRPr kumimoji="0" lang="de-DE" sz="1200" b="0" i="0" u="none" strike="noStrike" cap="none" normalizeH="0" baseline="0" dirty="0">
-              <a:ln>
-                <a:noFill/>
-              </a:ln>
-              <a:solidFill>
-                <a:schemeClr val="tx2"/>
-              </a:solidFill>
-              <a:effectLst/>
-              <a:latin typeface="Arial" charset="0"/>
-              <a:ea typeface="ＭＳ Ｐゴシック" charset="-128"/>
-              <a:cs typeface="ＭＳ Ｐゴシック" charset="-128"/>
-            </a:endParaRPr>
-          </a:p>
-        </p:txBody>
-      </p:sp>
-      <p:cxnSp>
-        <p:nvCxnSpPr>
-          <p:cNvPr id="20" name="Gewinkelter Verbinder 19"/>
-          <p:cNvCxnSpPr>
-            <a:stCxn id="16" idx="3"/>
-            <a:endCxn id="18" idx="0"/>
-          </p:cNvCxnSpPr>
-          <p:nvPr/>
-        </p:nvCxnSpPr>
-        <p:spPr bwMode="auto">
-          <a:xfrm>
-            <a:off x="3032321" y="3697096"/>
-            <a:ext cx="1423035" cy="1588312"/>
-          </a:xfrm>
-          <a:prstGeom prst="bentConnector2">
-            <a:avLst/>
-          </a:prstGeom>
-          <a:solidFill>
-            <a:schemeClr val="accent1"/>
-          </a:solidFill>
-          <a:ln w="9525" cap="flat" cmpd="sng" algn="ctr">
-            <a:solidFill>
-              <a:schemeClr val="tx1"/>
-            </a:solidFill>
-            <a:prstDash val="solid"/>
-            <a:round/>
-            <a:headEnd type="none" w="med" len="med"/>
-            <a:tailEnd type="triangle"/>
-          </a:ln>
-          <a:effectLst/>
-        </p:spPr>
-      </p:cxnSp>
-      <p:sp>
-        <p:nvSpPr>
-          <p:cNvPr id="22" name="Rechteck 21"/>
-          <p:cNvSpPr/>
-          <p:nvPr/>
-        </p:nvSpPr>
-        <p:spPr bwMode="auto">
-          <a:xfrm>
-            <a:off x="7768296" y="3048000"/>
-            <a:ext cx="1066800" cy="685800"/>
-          </a:xfrm>
-          <a:prstGeom prst="rect">
-            <a:avLst/>
-          </a:prstGeom>
-          <a:ln>
-            <a:headEnd type="none" w="med" len="med"/>
-            <a:tailEnd type="none" w="med" len="med"/>
-          </a:ln>
-        </p:spPr>
-        <p:style>
-          <a:lnRef idx="1">
-            <a:schemeClr val="dk1"/>
-          </a:lnRef>
-          <a:fillRef idx="2">
-            <a:schemeClr val="dk1"/>
-          </a:fillRef>
-          <a:effectRef idx="1">
-            <a:schemeClr val="dk1"/>
-          </a:effectRef>
-          <a:fontRef idx="minor">
-            <a:schemeClr val="dk1"/>
-          </a:fontRef>
-        </p:style>
-        <p:txBody>
-          <a:bodyPr vert="horz" wrap="square" lIns="91440" tIns="45720" rIns="91440" bIns="45720" numCol="1" rtlCol="0" anchor="t" anchorCtr="0" compatLnSpc="1">
-            <a:prstTxWarp prst="textNoShape">
-              <a:avLst/>
-            </a:prstTxWarp>
-          </a:bodyPr>
-          <a:lstStyle/>
-          <a:p>
-            <a:pPr marL="0" marR="0" indent="0" algn="ctr" defTabSz="914400" rtl="0" eaLnBrk="0" fontAlgn="base" latinLnBrk="0" hangingPunct="0">
-              <a:lnSpc>
-                <a:spcPct val="100000"/>
-              </a:lnSpc>
-              <a:spcBef>
-                <a:spcPct val="0"/>
-              </a:spcBef>
-              <a:spcAft>
-                <a:spcPct val="0"/>
-              </a:spcAft>
-              <a:buClrTx/>
-              <a:buSzTx/>
-              <a:buFontTx/>
-              <a:buNone/>
-              <a:tabLst/>
-            </a:pPr>
-            <a:r>
-              <a:rPr kumimoji="0" lang="en-US" sz="1800" b="0" i="0" u="none" strike="noStrike" cap="none" normalizeH="0" baseline="0" dirty="0">
-                <a:ln>
-                  <a:noFill/>
-                </a:ln>
-                <a:solidFill>
-                  <a:schemeClr val="tx1"/>
-                </a:solidFill>
-                <a:effectLst/>
-                <a:latin typeface="Arial" charset="0"/>
-                <a:ea typeface="ＭＳ Ｐゴシック" charset="-128"/>
-                <a:cs typeface="ＭＳ Ｐゴシック" charset="-128"/>
-              </a:rPr>
-              <a:t>UI</a:t>
-            </a:r>
-          </a:p>
-          <a:p>
-            <a:pPr marL="0" marR="0" indent="0" algn="ctr" defTabSz="914400" rtl="0" eaLnBrk="0" fontAlgn="base" latinLnBrk="0" hangingPunct="0">
-              <a:lnSpc>
-                <a:spcPct val="100000"/>
-              </a:lnSpc>
-              <a:spcBef>
-                <a:spcPct val="0"/>
-              </a:spcBef>
-              <a:spcAft>
-                <a:spcPct val="0"/>
-              </a:spcAft>
-              <a:buClrTx/>
-              <a:buSzTx/>
-              <a:buFontTx/>
-              <a:buNone/>
-              <a:tabLst/>
-            </a:pPr>
-            <a:r>
-              <a:rPr lang="en-US" sz="1800" dirty="0">
-                <a:solidFill>
-                  <a:schemeClr val="tx1"/>
-                </a:solidFill>
-                <a:latin typeface="Arial" charset="0"/>
-                <a:ea typeface="ＭＳ Ｐゴシック" charset="-128"/>
-                <a:cs typeface="ＭＳ Ｐゴシック" charset="-128"/>
-              </a:rPr>
-              <a:t>(BI)</a:t>
-            </a:r>
-            <a:endParaRPr kumimoji="0" lang="de-DE" sz="1800" b="0" i="0" u="none" strike="noStrike" cap="none" normalizeH="0" baseline="0" dirty="0">
-              <a:ln>
-                <a:noFill/>
-              </a:ln>
-              <a:solidFill>
-                <a:schemeClr val="tx1"/>
-              </a:solidFill>
-              <a:effectLst/>
-              <a:latin typeface="Arial" charset="0"/>
-              <a:ea typeface="ＭＳ Ｐゴシック" charset="-128"/>
-              <a:cs typeface="ＭＳ Ｐゴシック" charset="-128"/>
-            </a:endParaRPr>
-          </a:p>
-        </p:txBody>
-      </p:sp>
-      <p:sp>
-        <p:nvSpPr>
-          <p:cNvPr id="23" name="Rechteck 22"/>
-          <p:cNvSpPr/>
-          <p:nvPr/>
-        </p:nvSpPr>
-        <p:spPr bwMode="auto">
-          <a:xfrm>
-            <a:off x="6341891" y="3124200"/>
-            <a:ext cx="914400" cy="503453"/>
-          </a:xfrm>
-          <a:prstGeom prst="rect">
-            <a:avLst/>
-          </a:prstGeom>
-          <a:ln>
-            <a:headEnd type="none" w="med" len="med"/>
-            <a:tailEnd type="none" w="med" len="med"/>
-          </a:ln>
-        </p:spPr>
-        <p:style>
-          <a:lnRef idx="1">
-            <a:schemeClr val="accent2"/>
-          </a:lnRef>
-          <a:fillRef idx="2">
-            <a:schemeClr val="accent2"/>
-          </a:fillRef>
-          <a:effectRef idx="1">
-            <a:schemeClr val="accent2"/>
-          </a:effectRef>
-          <a:fontRef idx="minor">
-            <a:schemeClr val="dk1"/>
-          </a:fontRef>
-        </p:style>
-        <p:txBody>
-          <a:bodyPr vert="horz" wrap="square" lIns="91440" tIns="45720" rIns="91440" bIns="45720" numCol="1" rtlCol="0" anchor="t" anchorCtr="0" compatLnSpc="1">
-            <a:prstTxWarp prst="textNoShape">
-              <a:avLst/>
-            </a:prstTxWarp>
-          </a:bodyPr>
-          <a:lstStyle/>
-          <a:p>
-            <a:pPr marL="0" marR="0" indent="0" algn="ctr" defTabSz="914400" rtl="0" eaLnBrk="0" fontAlgn="base" latinLnBrk="0" hangingPunct="0">
-              <a:lnSpc>
-                <a:spcPct val="100000"/>
-              </a:lnSpc>
-              <a:spcBef>
-                <a:spcPct val="0"/>
-              </a:spcBef>
-              <a:spcAft>
-                <a:spcPct val="0"/>
-              </a:spcAft>
-              <a:buClrTx/>
-              <a:buSzTx/>
-              <a:buFontTx/>
-              <a:buNone/>
-              <a:tabLst/>
-            </a:pPr>
-            <a:r>
-              <a:rPr kumimoji="0" lang="en-US" sz="1200" b="0" i="0" u="none" strike="noStrike" cap="none" normalizeH="0" baseline="0" dirty="0">
-                <a:ln>
-                  <a:noFill/>
-                </a:ln>
-                <a:solidFill>
-                  <a:schemeClr val="tx2"/>
-                </a:solidFill>
-                <a:effectLst/>
-                <a:latin typeface="Arial" charset="0"/>
-                <a:ea typeface="ＭＳ Ｐゴシック" charset="-128"/>
-                <a:cs typeface="ＭＳ Ｐゴシック" charset="-128"/>
-              </a:rPr>
-              <a:t>Query</a:t>
-            </a:r>
-            <a:endParaRPr kumimoji="0" lang="de-DE" sz="1200" b="0" i="0" u="none" strike="noStrike" cap="none" normalizeH="0" baseline="0" dirty="0">
-              <a:ln>
-                <a:noFill/>
-              </a:ln>
-              <a:solidFill>
-                <a:schemeClr val="tx2"/>
-              </a:solidFill>
-              <a:effectLst/>
-              <a:latin typeface="Arial" charset="0"/>
-              <a:ea typeface="ＭＳ Ｐゴシック" charset="-128"/>
-              <a:cs typeface="ＭＳ Ｐゴシック" charset="-128"/>
-            </a:endParaRPr>
-          </a:p>
-        </p:txBody>
-      </p:sp>
-      <p:sp>
-        <p:nvSpPr>
-          <p:cNvPr id="24" name="Rechteck 23"/>
-          <p:cNvSpPr/>
-          <p:nvPr/>
-        </p:nvSpPr>
-        <p:spPr bwMode="auto">
-          <a:xfrm>
-            <a:off x="3945108" y="2239747"/>
-            <a:ext cx="1850781" cy="503453"/>
-          </a:xfrm>
-          <a:prstGeom prst="rect">
-            <a:avLst/>
-          </a:prstGeom>
-          <a:ln>
-            <a:headEnd type="none" w="med" len="med"/>
-            <a:tailEnd type="none" w="med" len="med"/>
-          </a:ln>
-        </p:spPr>
-        <p:style>
-          <a:lnRef idx="1">
-            <a:schemeClr val="accent2"/>
-          </a:lnRef>
-          <a:fillRef idx="2">
-            <a:schemeClr val="accent2"/>
-          </a:fillRef>
-          <a:effectRef idx="1">
-            <a:schemeClr val="accent2"/>
-          </a:effectRef>
-          <a:fontRef idx="minor">
-            <a:schemeClr val="dk1"/>
-          </a:fontRef>
-        </p:style>
-        <p:txBody>
-          <a:bodyPr vert="horz" wrap="square" lIns="91440" tIns="45720" rIns="91440" bIns="45720" numCol="1" rtlCol="0" anchor="t" anchorCtr="0" compatLnSpc="1">
-            <a:prstTxWarp prst="textNoShape">
-              <a:avLst/>
-            </a:prstTxWarp>
-          </a:bodyPr>
-          <a:lstStyle/>
-          <a:p>
-            <a:pPr marL="0" marR="0" indent="0" algn="ctr" defTabSz="914400" rtl="0" eaLnBrk="0" fontAlgn="base" latinLnBrk="0" hangingPunct="0">
-              <a:lnSpc>
-                <a:spcPct val="100000"/>
-              </a:lnSpc>
-              <a:spcBef>
-                <a:spcPct val="0"/>
-              </a:spcBef>
-              <a:spcAft>
-                <a:spcPct val="0"/>
-              </a:spcAft>
-              <a:buClrTx/>
-              <a:buSzTx/>
-              <a:buFontTx/>
-              <a:buNone/>
-              <a:tabLst/>
-            </a:pPr>
-            <a:r>
-              <a:rPr kumimoji="0" lang="en-US" sz="1200" b="0" i="0" u="none" strike="noStrike" cap="none" normalizeH="0" baseline="0" dirty="0">
-                <a:ln>
-                  <a:noFill/>
-                </a:ln>
-                <a:solidFill>
-                  <a:schemeClr val="tx2"/>
-                </a:solidFill>
-                <a:effectLst/>
-                <a:latin typeface="Arial" charset="0"/>
-                <a:ea typeface="ＭＳ Ｐゴシック" charset="-128"/>
-                <a:cs typeface="ＭＳ Ｐゴシック" charset="-128"/>
-              </a:rPr>
-              <a:t>Data</a:t>
-            </a:r>
-            <a:r>
-              <a:rPr kumimoji="0" lang="en-US" sz="1200" b="0" i="0" u="none" strike="noStrike" cap="none" normalizeH="0" dirty="0">
-                <a:ln>
-                  <a:noFill/>
-                </a:ln>
-                <a:solidFill>
-                  <a:schemeClr val="tx2"/>
-                </a:solidFill>
-                <a:effectLst/>
-                <a:latin typeface="Arial" charset="0"/>
-                <a:ea typeface="ＭＳ Ｐゴシック" charset="-128"/>
-                <a:cs typeface="ＭＳ Ｐゴシック" charset="-128"/>
-              </a:rPr>
-              <a:t> Stream</a:t>
-            </a:r>
-          </a:p>
-          <a:p>
-            <a:pPr marL="0" marR="0" indent="0" algn="ctr" defTabSz="914400" rtl="0" eaLnBrk="0" fontAlgn="base" latinLnBrk="0" hangingPunct="0">
-              <a:lnSpc>
-                <a:spcPct val="100000"/>
-              </a:lnSpc>
-              <a:spcBef>
-                <a:spcPct val="0"/>
-              </a:spcBef>
-              <a:spcAft>
-                <a:spcPct val="0"/>
-              </a:spcAft>
-              <a:buClrTx/>
-              <a:buSzTx/>
-              <a:buFontTx/>
-              <a:buNone/>
-              <a:tabLst/>
-            </a:pPr>
-            <a:r>
-              <a:rPr lang="en-US" sz="1200" baseline="0" dirty="0">
-                <a:solidFill>
-                  <a:schemeClr val="tx2"/>
-                </a:solidFill>
-                <a:latin typeface="Arial" charset="0"/>
-                <a:ea typeface="ＭＳ Ｐゴシック" charset="-128"/>
-                <a:cs typeface="ＭＳ Ｐゴシック" charset="-128"/>
-              </a:rPr>
-              <a:t>(Kafka,</a:t>
-            </a:r>
-            <a:r>
-              <a:rPr lang="en-US" sz="1200" dirty="0">
-                <a:solidFill>
-                  <a:schemeClr val="tx2"/>
-                </a:solidFill>
-                <a:latin typeface="Arial" charset="0"/>
-                <a:ea typeface="ＭＳ Ｐゴシック" charset="-128"/>
-                <a:cs typeface="ＭＳ Ｐゴシック" charset="-128"/>
-              </a:rPr>
-              <a:t> Spark, …)</a:t>
-            </a:r>
-            <a:endParaRPr kumimoji="0" lang="de-DE" sz="1200" b="0" i="0" u="none" strike="noStrike" cap="none" normalizeH="0" baseline="0" dirty="0">
-              <a:ln>
-                <a:noFill/>
-              </a:ln>
-              <a:solidFill>
-                <a:schemeClr val="tx2"/>
-              </a:solidFill>
-              <a:effectLst/>
-              <a:latin typeface="Arial" charset="0"/>
-              <a:ea typeface="ＭＳ Ｐゴシック" charset="-128"/>
-              <a:cs typeface="ＭＳ Ｐゴシック" charset="-128"/>
-            </a:endParaRPr>
-          </a:p>
-        </p:txBody>
-      </p:sp>
-      <p:cxnSp>
-        <p:nvCxnSpPr>
-          <p:cNvPr id="26" name="Gewinkelter Verbinder 25"/>
-          <p:cNvCxnSpPr>
-            <a:stCxn id="16" idx="3"/>
-            <a:endCxn id="24" idx="1"/>
-          </p:cNvCxnSpPr>
-          <p:nvPr/>
-        </p:nvCxnSpPr>
-        <p:spPr bwMode="auto">
-          <a:xfrm flipV="1">
-            <a:off x="3032321" y="2491474"/>
-            <a:ext cx="912787" cy="1205622"/>
-          </a:xfrm>
-          <a:prstGeom prst="bentConnector3">
-            <a:avLst/>
-          </a:prstGeom>
-          <a:solidFill>
-            <a:schemeClr val="accent1"/>
-          </a:solidFill>
-          <a:ln w="9525" cap="flat" cmpd="sng" algn="ctr">
-            <a:solidFill>
-              <a:schemeClr val="tx1"/>
-            </a:solidFill>
-            <a:prstDash val="solid"/>
-            <a:round/>
-            <a:headEnd type="none" w="med" len="med"/>
-            <a:tailEnd type="triangle"/>
-          </a:ln>
-          <a:effectLst/>
-        </p:spPr>
-      </p:cxnSp>
-      <p:sp>
-        <p:nvSpPr>
-          <p:cNvPr id="28" name="Rechteck 27"/>
-          <p:cNvSpPr/>
-          <p:nvPr/>
-        </p:nvSpPr>
-        <p:spPr bwMode="auto">
-          <a:xfrm>
-            <a:off x="6265691" y="5133007"/>
-            <a:ext cx="1066800" cy="808253"/>
-          </a:xfrm>
-          <a:prstGeom prst="rect">
-            <a:avLst/>
-          </a:prstGeom>
-          <a:ln>
-            <a:headEnd type="none" w="med" len="med"/>
-            <a:tailEnd type="none" w="med" len="med"/>
-          </a:ln>
-        </p:spPr>
-        <p:style>
-          <a:lnRef idx="1">
-            <a:schemeClr val="accent2"/>
-          </a:lnRef>
-          <a:fillRef idx="2">
-            <a:schemeClr val="accent2"/>
-          </a:fillRef>
-          <a:effectRef idx="1">
-            <a:schemeClr val="accent2"/>
-          </a:effectRef>
-          <a:fontRef idx="minor">
-            <a:schemeClr val="dk1"/>
-          </a:fontRef>
-        </p:style>
-        <p:txBody>
-          <a:bodyPr vert="horz" wrap="square" lIns="91440" tIns="45720" rIns="91440" bIns="45720" numCol="1" rtlCol="0" anchor="t" anchorCtr="0" compatLnSpc="1">
-            <a:prstTxWarp prst="textNoShape">
-              <a:avLst/>
-            </a:prstTxWarp>
-          </a:bodyPr>
-          <a:lstStyle/>
-          <a:p>
-            <a:pPr marL="0" marR="0" indent="0" algn="ctr" defTabSz="914400" rtl="0" eaLnBrk="0" fontAlgn="base" latinLnBrk="0" hangingPunct="0">
-              <a:lnSpc>
-                <a:spcPct val="100000"/>
-              </a:lnSpc>
-              <a:spcBef>
-                <a:spcPct val="0"/>
-              </a:spcBef>
-              <a:spcAft>
-                <a:spcPct val="0"/>
-              </a:spcAft>
-              <a:buClrTx/>
-              <a:buSzTx/>
-              <a:buFontTx/>
-              <a:buNone/>
-              <a:tabLst/>
-            </a:pPr>
-            <a:r>
-              <a:rPr kumimoji="0" lang="en-US" sz="1200" b="0" i="0" u="none" strike="noStrike" cap="none" normalizeH="0" baseline="0" dirty="0">
-                <a:ln>
-                  <a:noFill/>
-                </a:ln>
-                <a:solidFill>
-                  <a:schemeClr val="tx2"/>
-                </a:solidFill>
-                <a:effectLst/>
-                <a:latin typeface="Arial" charset="0"/>
-                <a:ea typeface="ＭＳ Ｐゴシック" charset="-128"/>
-                <a:cs typeface="ＭＳ Ｐゴシック" charset="-128"/>
-              </a:rPr>
-              <a:t>Views via Map and Reduce</a:t>
-            </a:r>
-          </a:p>
-          <a:p>
-            <a:pPr marL="0" marR="0" indent="0" algn="ctr" defTabSz="914400" rtl="0" eaLnBrk="0" fontAlgn="base" latinLnBrk="0" hangingPunct="0">
-              <a:lnSpc>
-                <a:spcPct val="100000"/>
-              </a:lnSpc>
-              <a:spcBef>
-                <a:spcPct val="0"/>
-              </a:spcBef>
-              <a:spcAft>
-                <a:spcPct val="0"/>
-              </a:spcAft>
-              <a:buClrTx/>
-              <a:buSzTx/>
-              <a:buFontTx/>
-              <a:buNone/>
-              <a:tabLst/>
-            </a:pPr>
-            <a:r>
-              <a:rPr lang="en-US" sz="1200" dirty="0">
-                <a:solidFill>
-                  <a:schemeClr val="tx2"/>
-                </a:solidFill>
-                <a:latin typeface="Arial" charset="0"/>
-                <a:ea typeface="ＭＳ Ｐゴシック" charset="-128"/>
-                <a:cs typeface="ＭＳ Ｐゴシック" charset="-128"/>
-              </a:rPr>
-              <a:t>(</a:t>
-            </a:r>
-            <a:r>
-              <a:rPr lang="en-US" sz="1200" dirty="0" err="1">
-                <a:solidFill>
-                  <a:schemeClr val="tx2"/>
-                </a:solidFill>
-                <a:latin typeface="Arial" charset="0"/>
-                <a:ea typeface="ＭＳ Ｐゴシック" charset="-128"/>
-                <a:cs typeface="ＭＳ Ｐゴシック" charset="-128"/>
-              </a:rPr>
-              <a:t>Haddop</a:t>
-            </a:r>
-            <a:r>
-              <a:rPr lang="en-US" sz="1200" dirty="0">
-                <a:solidFill>
-                  <a:schemeClr val="tx2"/>
-                </a:solidFill>
-                <a:latin typeface="Arial" charset="0"/>
-                <a:ea typeface="ＭＳ Ｐゴシック" charset="-128"/>
-                <a:cs typeface="ＭＳ Ｐゴシック" charset="-128"/>
-              </a:rPr>
-              <a:t>)</a:t>
-            </a:r>
-            <a:endParaRPr kumimoji="0" lang="de-DE" sz="1200" b="0" i="0" u="none" strike="noStrike" cap="none" normalizeH="0" baseline="0" dirty="0">
-              <a:ln>
-                <a:noFill/>
-              </a:ln>
-              <a:solidFill>
-                <a:schemeClr val="tx2"/>
-              </a:solidFill>
-              <a:effectLst/>
-              <a:latin typeface="Arial" charset="0"/>
-              <a:ea typeface="ＭＳ Ｐゴシック" charset="-128"/>
-              <a:cs typeface="ＭＳ Ｐゴシック" charset="-128"/>
-            </a:endParaRPr>
-          </a:p>
-        </p:txBody>
-      </p:sp>
-      <p:cxnSp>
-        <p:nvCxnSpPr>
-          <p:cNvPr id="30" name="Gerade Verbindung mit Pfeil 29"/>
-          <p:cNvCxnSpPr>
-            <a:stCxn id="28" idx="1"/>
-            <a:endCxn id="18" idx="3"/>
-          </p:cNvCxnSpPr>
-          <p:nvPr/>
-        </p:nvCxnSpPr>
-        <p:spPr bwMode="auto">
-          <a:xfrm flipH="1">
-            <a:off x="5405511" y="5537134"/>
-            <a:ext cx="860180" cy="1"/>
-          </a:xfrm>
-          <a:prstGeom prst="straightConnector1">
-            <a:avLst/>
-          </a:prstGeom>
-          <a:solidFill>
-            <a:schemeClr val="accent1"/>
-          </a:solidFill>
-          <a:ln w="9525" cap="flat" cmpd="sng" algn="ctr">
-            <a:solidFill>
-              <a:schemeClr val="tx1"/>
-            </a:solidFill>
-            <a:prstDash val="solid"/>
-            <a:round/>
-            <a:headEnd type="none" w="med" len="med"/>
-            <a:tailEnd type="triangle"/>
-          </a:ln>
-          <a:effectLst/>
-        </p:spPr>
-      </p:cxnSp>
-      <p:cxnSp>
-        <p:nvCxnSpPr>
-          <p:cNvPr id="32" name="Gerade Verbindung mit Pfeil 31"/>
-          <p:cNvCxnSpPr>
-            <a:stCxn id="28" idx="0"/>
-            <a:endCxn id="23" idx="2"/>
-          </p:cNvCxnSpPr>
-          <p:nvPr/>
-        </p:nvCxnSpPr>
-        <p:spPr bwMode="auto">
-          <a:xfrm flipV="1">
-            <a:off x="6799091" y="3627653"/>
-            <a:ext cx="0" cy="1505354"/>
-          </a:xfrm>
-          <a:prstGeom prst="straightConnector1">
-            <a:avLst/>
-          </a:prstGeom>
-          <a:solidFill>
-            <a:schemeClr val="accent1"/>
-          </a:solidFill>
-          <a:ln w="9525" cap="flat" cmpd="sng" algn="ctr">
-            <a:solidFill>
-              <a:schemeClr val="tx1"/>
-            </a:solidFill>
-            <a:prstDash val="solid"/>
-            <a:round/>
-            <a:headEnd type="none" w="med" len="med"/>
-            <a:tailEnd type="triangle"/>
-          </a:ln>
-          <a:effectLst/>
-        </p:spPr>
-      </p:cxnSp>
-      <p:cxnSp>
-        <p:nvCxnSpPr>
-          <p:cNvPr id="40" name="Gewinkelter Verbinder 39"/>
-          <p:cNvCxnSpPr>
-            <a:endCxn id="23" idx="0"/>
-          </p:cNvCxnSpPr>
-          <p:nvPr/>
-        </p:nvCxnSpPr>
-        <p:spPr bwMode="auto">
-          <a:xfrm>
-            <a:off x="5867400" y="2514600"/>
-            <a:ext cx="931691" cy="609600"/>
-          </a:xfrm>
-          <a:prstGeom prst="bentConnector2">
-            <a:avLst/>
-          </a:prstGeom>
-          <a:solidFill>
-            <a:schemeClr val="accent1"/>
-          </a:solidFill>
-          <a:ln w="9525" cap="flat" cmpd="sng" algn="ctr">
-            <a:solidFill>
-              <a:schemeClr val="tx1"/>
-            </a:solidFill>
-            <a:prstDash val="solid"/>
-            <a:round/>
-            <a:headEnd type="none" w="med" len="med"/>
-            <a:tailEnd type="triangle"/>
-          </a:ln>
-          <a:effectLst/>
-        </p:spPr>
-      </p:cxnSp>
-      <p:cxnSp>
-        <p:nvCxnSpPr>
-          <p:cNvPr id="42" name="Gerade Verbindung mit Pfeil 41"/>
-          <p:cNvCxnSpPr>
-            <a:stCxn id="22" idx="1"/>
-            <a:endCxn id="23" idx="3"/>
-          </p:cNvCxnSpPr>
-          <p:nvPr/>
-        </p:nvCxnSpPr>
-        <p:spPr bwMode="auto">
-          <a:xfrm flipH="1" flipV="1">
-            <a:off x="7256291" y="3375927"/>
-            <a:ext cx="512005" cy="14973"/>
-          </a:xfrm>
-          <a:prstGeom prst="straightConnector1">
-            <a:avLst/>
-          </a:prstGeom>
-          <a:solidFill>
-            <a:schemeClr val="accent1"/>
-          </a:solidFill>
-          <a:ln w="9525" cap="flat" cmpd="sng" algn="ctr">
-            <a:solidFill>
-              <a:schemeClr val="tx1"/>
-            </a:solidFill>
-            <a:prstDash val="solid"/>
-            <a:round/>
-            <a:headEnd type="none" w="med" len="med"/>
-            <a:tailEnd type="triangle"/>
-          </a:ln>
-          <a:effectLst/>
-        </p:spPr>
-      </p:cxnSp>
-      <p:sp>
-        <p:nvSpPr>
-          <p:cNvPr id="59" name="Rechteck 58"/>
-          <p:cNvSpPr/>
-          <p:nvPr/>
-        </p:nvSpPr>
-        <p:spPr bwMode="auto">
-          <a:xfrm>
-            <a:off x="4798256" y="3786873"/>
-            <a:ext cx="1295400" cy="632727"/>
-          </a:xfrm>
-          <a:prstGeom prst="rect">
-            <a:avLst/>
-          </a:prstGeom>
-          <a:ln>
-            <a:headEnd type="none" w="med" len="med"/>
-            <a:tailEnd type="none" w="med" len="med"/>
-          </a:ln>
-        </p:spPr>
-        <p:style>
-          <a:lnRef idx="2">
-            <a:schemeClr val="accent3"/>
-          </a:lnRef>
-          <a:fillRef idx="1">
-            <a:schemeClr val="lt1"/>
-          </a:fillRef>
-          <a:effectRef idx="0">
-            <a:schemeClr val="accent3"/>
-          </a:effectRef>
-          <a:fontRef idx="minor">
-            <a:schemeClr val="dk1"/>
-          </a:fontRef>
-        </p:style>
-        <p:txBody>
-          <a:bodyPr vert="horz" wrap="square" lIns="91440" tIns="45720" rIns="91440" bIns="45720" numCol="1" rtlCol="0" anchor="t" anchorCtr="0" compatLnSpc="1">
-            <a:prstTxWarp prst="textNoShape">
-              <a:avLst/>
-            </a:prstTxWarp>
-          </a:bodyPr>
-          <a:lstStyle/>
-          <a:p>
-            <a:pPr marL="0" marR="0" indent="0" algn="ctr" defTabSz="914400" rtl="0" eaLnBrk="0" fontAlgn="base" latinLnBrk="0" hangingPunct="0">
-              <a:lnSpc>
-                <a:spcPct val="100000"/>
-              </a:lnSpc>
-              <a:spcBef>
-                <a:spcPct val="0"/>
-              </a:spcBef>
-              <a:spcAft>
-                <a:spcPct val="0"/>
-              </a:spcAft>
-              <a:buClrTx/>
-              <a:buSzTx/>
-              <a:buFontTx/>
-              <a:buNone/>
-              <a:tabLst/>
-            </a:pPr>
-            <a:r>
-              <a:rPr kumimoji="0" lang="en-US" sz="1200" b="0" i="0" u="none" strike="noStrike" cap="none" normalizeH="0" baseline="0" dirty="0">
-                <a:ln>
-                  <a:noFill/>
-                </a:ln>
-                <a:solidFill>
-                  <a:schemeClr val="tx2"/>
-                </a:solidFill>
-                <a:effectLst/>
-                <a:latin typeface="Arial" charset="0"/>
-                <a:ea typeface="ＭＳ Ｐゴシック" charset="-128"/>
-                <a:cs typeface="ＭＳ Ｐゴシック" charset="-128"/>
-              </a:rPr>
-              <a:t>Data</a:t>
-            </a:r>
-            <a:r>
-              <a:rPr kumimoji="0" lang="en-US" sz="1200" b="0" i="0" u="none" strike="noStrike" cap="none" normalizeH="0" dirty="0">
-                <a:ln>
-                  <a:noFill/>
-                </a:ln>
-                <a:solidFill>
-                  <a:schemeClr val="tx2"/>
-                </a:solidFill>
-                <a:effectLst/>
-                <a:latin typeface="Arial" charset="0"/>
-                <a:ea typeface="ＭＳ Ｐゴシック" charset="-128"/>
-                <a:cs typeface="ＭＳ Ｐゴシック" charset="-128"/>
-              </a:rPr>
-              <a:t> Analytics</a:t>
-            </a:r>
-          </a:p>
-          <a:p>
-            <a:pPr marL="0" marR="0" indent="0" algn="ctr" defTabSz="914400" rtl="0" eaLnBrk="0" fontAlgn="base" latinLnBrk="0" hangingPunct="0">
-              <a:lnSpc>
-                <a:spcPct val="100000"/>
-              </a:lnSpc>
-              <a:spcBef>
-                <a:spcPct val="0"/>
-              </a:spcBef>
-              <a:spcAft>
-                <a:spcPct val="0"/>
-              </a:spcAft>
-              <a:buClrTx/>
-              <a:buSzTx/>
-              <a:buFontTx/>
-              <a:buNone/>
-              <a:tabLst/>
-            </a:pPr>
-            <a:r>
-              <a:rPr lang="en-US" sz="1200" baseline="0" dirty="0">
-                <a:solidFill>
-                  <a:schemeClr val="tx2"/>
-                </a:solidFill>
-                <a:latin typeface="Arial" charset="0"/>
-                <a:ea typeface="ＭＳ Ｐゴシック" charset="-128"/>
-                <a:cs typeface="ＭＳ Ｐゴシック" charset="-128"/>
-              </a:rPr>
-              <a:t>(Exploration, ML,…)</a:t>
-            </a:r>
-            <a:endParaRPr kumimoji="0" lang="de-DE" sz="1200" b="0" i="0" u="none" strike="noStrike" cap="none" normalizeH="0" baseline="0" dirty="0">
-              <a:ln>
-                <a:noFill/>
-              </a:ln>
-              <a:solidFill>
-                <a:schemeClr val="tx2"/>
-              </a:solidFill>
-              <a:effectLst/>
-              <a:latin typeface="Arial" charset="0"/>
-              <a:ea typeface="ＭＳ Ｐゴシック" charset="-128"/>
-              <a:cs typeface="ＭＳ Ｐゴシック" charset="-128"/>
-            </a:endParaRPr>
-          </a:p>
-        </p:txBody>
-      </p:sp>
-      <p:cxnSp>
-        <p:nvCxnSpPr>
-          <p:cNvPr id="61" name="Gewinkelter Verbinder 60"/>
-          <p:cNvCxnSpPr>
-            <a:stCxn id="59" idx="0"/>
-            <a:endCxn id="24" idx="2"/>
-          </p:cNvCxnSpPr>
-          <p:nvPr/>
-        </p:nvCxnSpPr>
-        <p:spPr bwMode="auto">
-          <a:xfrm rot="16200000" flipV="1">
-            <a:off x="4636392" y="2977308"/>
-            <a:ext cx="1043673" cy="575457"/>
-          </a:xfrm>
-          <a:prstGeom prst="bentConnector3">
-            <a:avLst/>
-          </a:prstGeom>
-          <a:solidFill>
-            <a:schemeClr val="accent1"/>
-          </a:solidFill>
-          <a:ln w="9525" cap="flat" cmpd="sng" algn="ctr">
-            <a:solidFill>
-              <a:schemeClr val="tx1"/>
-            </a:solidFill>
-            <a:prstDash val="dash"/>
-            <a:round/>
-            <a:headEnd type="none" w="med" len="med"/>
-            <a:tailEnd type="triangle"/>
-          </a:ln>
-          <a:effectLst/>
-        </p:spPr>
-      </p:cxnSp>
-      <p:cxnSp>
-        <p:nvCxnSpPr>
-          <p:cNvPr id="63" name="Gewinkelter Verbinder 62"/>
-          <p:cNvCxnSpPr>
-            <a:stCxn id="59" idx="2"/>
-            <a:endCxn id="28" idx="0"/>
-          </p:cNvCxnSpPr>
-          <p:nvPr/>
-        </p:nvCxnSpPr>
-        <p:spPr bwMode="auto">
-          <a:xfrm rot="16200000" flipH="1">
-            <a:off x="5765820" y="4099735"/>
-            <a:ext cx="713407" cy="1353135"/>
-          </a:xfrm>
-          <a:prstGeom prst="bentConnector3">
-            <a:avLst>
-              <a:gd name="adj1" fmla="val 32910"/>
-            </a:avLst>
-          </a:prstGeom>
-          <a:solidFill>
-            <a:schemeClr val="accent1"/>
-          </a:solidFill>
-          <a:ln w="9525" cap="flat" cmpd="sng" algn="ctr">
-            <a:solidFill>
-              <a:schemeClr val="tx1"/>
-            </a:solidFill>
-            <a:prstDash val="dash"/>
-            <a:round/>
-            <a:headEnd type="none" w="med" len="med"/>
-            <a:tailEnd type="triangle"/>
-          </a:ln>
-          <a:effectLst/>
-        </p:spPr>
-      </p:cxnSp>
-      <p:cxnSp>
-        <p:nvCxnSpPr>
-          <p:cNvPr id="65" name="Gewinkelter Verbinder 64"/>
-          <p:cNvCxnSpPr>
-            <a:stCxn id="59" idx="0"/>
-            <a:endCxn id="23" idx="1"/>
-          </p:cNvCxnSpPr>
-          <p:nvPr/>
-        </p:nvCxnSpPr>
-        <p:spPr bwMode="auto">
-          <a:xfrm rot="5400000" flipH="1" flipV="1">
-            <a:off x="5688450" y="3133433"/>
-            <a:ext cx="410946" cy="895935"/>
-          </a:xfrm>
-          <a:prstGeom prst="bentConnector2">
-            <a:avLst/>
-          </a:prstGeom>
-          <a:solidFill>
-            <a:schemeClr val="accent1"/>
-          </a:solidFill>
-          <a:ln w="9525" cap="flat" cmpd="sng" algn="ctr">
-            <a:solidFill>
-              <a:schemeClr val="tx1"/>
-            </a:solidFill>
-            <a:prstDash val="dash"/>
-            <a:round/>
-            <a:headEnd type="none" w="med" len="med"/>
-            <a:tailEnd type="triangle"/>
-          </a:ln>
-          <a:effectLst/>
-        </p:spPr>
-      </p:cxnSp>
-      <p:sp>
-        <p:nvSpPr>
-          <p:cNvPr id="69" name="Textfeld 68"/>
-          <p:cNvSpPr txBox="1"/>
-          <p:nvPr/>
-        </p:nvSpPr>
-        <p:spPr>
-          <a:xfrm>
-            <a:off x="5095717" y="6221947"/>
-            <a:ext cx="1003801" cy="276999"/>
-          </a:xfrm>
-          <a:prstGeom prst="rect">
-            <a:avLst/>
-          </a:prstGeom>
-          <a:noFill/>
-        </p:spPr>
-        <p:txBody>
-          <a:bodyPr wrap="none" rtlCol="0">
-            <a:spAutoFit/>
-          </a:bodyPr>
-          <a:lstStyle/>
-          <a:p>
-            <a:r>
-              <a:rPr lang="en-US" sz="1200" dirty="0"/>
-              <a:t>Batch Layer</a:t>
-            </a:r>
-            <a:endParaRPr lang="de-DE" sz="1200" dirty="0"/>
-          </a:p>
-        </p:txBody>
-      </p:sp>
-      <p:sp>
-        <p:nvSpPr>
-          <p:cNvPr id="71" name="Textfeld 70"/>
-          <p:cNvSpPr txBox="1"/>
-          <p:nvPr/>
-        </p:nvSpPr>
-        <p:spPr>
-          <a:xfrm>
-            <a:off x="5060699" y="1781388"/>
-            <a:ext cx="1053494" cy="276999"/>
-          </a:xfrm>
-          <a:prstGeom prst="rect">
-            <a:avLst/>
-          </a:prstGeom>
-          <a:noFill/>
-        </p:spPr>
-        <p:txBody>
-          <a:bodyPr wrap="none" rtlCol="0">
-            <a:spAutoFit/>
-          </a:bodyPr>
-          <a:lstStyle/>
-          <a:p>
-            <a:r>
-              <a:rPr lang="en-US" sz="1200" dirty="0"/>
-              <a:t>Speed Layer</a:t>
-            </a:r>
-            <a:endParaRPr lang="de-DE" sz="1200" dirty="0"/>
-          </a:p>
-        </p:txBody>
-      </p:sp>
-      <p:cxnSp>
-        <p:nvCxnSpPr>
-          <p:cNvPr id="73" name="Gerade Verbindung mit Pfeil 72"/>
-          <p:cNvCxnSpPr>
-            <a:stCxn id="5" idx="3"/>
-            <a:endCxn id="16" idx="1"/>
-          </p:cNvCxnSpPr>
-          <p:nvPr/>
-        </p:nvCxnSpPr>
-        <p:spPr bwMode="auto">
-          <a:xfrm>
-            <a:off x="914400" y="1981200"/>
-            <a:ext cx="1127321" cy="1715896"/>
-          </a:xfrm>
-          <a:prstGeom prst="straightConnector1">
-            <a:avLst/>
-          </a:prstGeom>
-          <a:solidFill>
-            <a:schemeClr val="accent1"/>
-          </a:solidFill>
-          <a:ln w="9525" cap="flat" cmpd="sng" algn="ctr">
-            <a:solidFill>
-              <a:schemeClr val="tx1"/>
-            </a:solidFill>
-            <a:prstDash val="solid"/>
-            <a:round/>
-            <a:headEnd type="none" w="med" len="med"/>
-            <a:tailEnd type="triangle"/>
-          </a:ln>
-          <a:effectLst/>
-        </p:spPr>
-      </p:cxnSp>
-      <p:cxnSp>
-        <p:nvCxnSpPr>
-          <p:cNvPr id="75" name="Gerade Verbindung mit Pfeil 74"/>
-          <p:cNvCxnSpPr>
-            <a:stCxn id="10" idx="3"/>
-            <a:endCxn id="16" idx="1"/>
-          </p:cNvCxnSpPr>
-          <p:nvPr/>
-        </p:nvCxnSpPr>
-        <p:spPr bwMode="auto">
-          <a:xfrm>
-            <a:off x="939898" y="2746718"/>
-            <a:ext cx="1101823" cy="950378"/>
-          </a:xfrm>
-          <a:prstGeom prst="straightConnector1">
-            <a:avLst/>
-          </a:prstGeom>
-          <a:solidFill>
-            <a:schemeClr val="accent1"/>
-          </a:solidFill>
-          <a:ln w="9525" cap="flat" cmpd="sng" algn="ctr">
-            <a:solidFill>
-              <a:schemeClr val="tx1"/>
-            </a:solidFill>
-            <a:prstDash val="solid"/>
-            <a:round/>
-            <a:headEnd type="none" w="med" len="med"/>
-            <a:tailEnd type="triangle"/>
-          </a:ln>
-          <a:effectLst/>
-        </p:spPr>
-      </p:cxnSp>
-      <p:cxnSp>
-        <p:nvCxnSpPr>
-          <p:cNvPr id="78" name="Gerade Verbindung mit Pfeil 77"/>
-          <p:cNvCxnSpPr>
-            <a:stCxn id="11" idx="3"/>
-            <a:endCxn id="16" idx="1"/>
-          </p:cNvCxnSpPr>
-          <p:nvPr/>
-        </p:nvCxnSpPr>
-        <p:spPr bwMode="auto">
-          <a:xfrm>
-            <a:off x="939898" y="3512236"/>
-            <a:ext cx="1101823" cy="184860"/>
-          </a:xfrm>
-          <a:prstGeom prst="straightConnector1">
-            <a:avLst/>
-          </a:prstGeom>
-          <a:solidFill>
-            <a:schemeClr val="accent1"/>
-          </a:solidFill>
-          <a:ln w="9525" cap="flat" cmpd="sng" algn="ctr">
-            <a:solidFill>
-              <a:schemeClr val="tx1"/>
-            </a:solidFill>
-            <a:prstDash val="solid"/>
-            <a:round/>
-            <a:headEnd type="none" w="med" len="med"/>
-            <a:tailEnd type="triangle"/>
-          </a:ln>
-          <a:effectLst/>
-        </p:spPr>
-      </p:cxnSp>
-      <p:cxnSp>
-        <p:nvCxnSpPr>
-          <p:cNvPr id="80" name="Gerade Verbindung mit Pfeil 79"/>
-          <p:cNvCxnSpPr>
-            <a:stCxn id="12" idx="3"/>
-            <a:endCxn id="16" idx="1"/>
-          </p:cNvCxnSpPr>
-          <p:nvPr/>
-        </p:nvCxnSpPr>
-        <p:spPr bwMode="auto">
-          <a:xfrm flipV="1">
-            <a:off x="939898" y="3697096"/>
-            <a:ext cx="1101823" cy="579485"/>
-          </a:xfrm>
-          <a:prstGeom prst="straightConnector1">
-            <a:avLst/>
-          </a:prstGeom>
-          <a:solidFill>
-            <a:schemeClr val="accent1"/>
-          </a:solidFill>
-          <a:ln w="9525" cap="flat" cmpd="sng" algn="ctr">
-            <a:solidFill>
-              <a:schemeClr val="tx1"/>
-            </a:solidFill>
-            <a:prstDash val="solid"/>
-            <a:round/>
-            <a:headEnd type="none" w="med" len="med"/>
-            <a:tailEnd type="triangle"/>
-          </a:ln>
-          <a:effectLst/>
-        </p:spPr>
-      </p:cxnSp>
-      <p:cxnSp>
-        <p:nvCxnSpPr>
-          <p:cNvPr id="82" name="Gerade Verbindung mit Pfeil 81"/>
-          <p:cNvCxnSpPr>
-            <a:stCxn id="13" idx="3"/>
-            <a:endCxn id="16" idx="1"/>
-          </p:cNvCxnSpPr>
-          <p:nvPr/>
-        </p:nvCxnSpPr>
-        <p:spPr bwMode="auto">
-          <a:xfrm flipV="1">
-            <a:off x="939898" y="3697096"/>
-            <a:ext cx="1101823" cy="1341485"/>
-          </a:xfrm>
-          <a:prstGeom prst="straightConnector1">
-            <a:avLst/>
-          </a:prstGeom>
-          <a:solidFill>
-            <a:schemeClr val="accent1"/>
-          </a:solidFill>
-          <a:ln w="9525" cap="flat" cmpd="sng" algn="ctr">
-            <a:solidFill>
-              <a:schemeClr val="tx1"/>
-            </a:solidFill>
-            <a:prstDash val="solid"/>
-            <a:round/>
-            <a:headEnd type="none" w="med" len="med"/>
-            <a:tailEnd type="triangle"/>
-          </a:ln>
-          <a:effectLst/>
-        </p:spPr>
-      </p:cxnSp>
-      <p:cxnSp>
-        <p:nvCxnSpPr>
-          <p:cNvPr id="84" name="Gerade Verbindung mit Pfeil 83"/>
-          <p:cNvCxnSpPr>
-            <a:stCxn id="14" idx="3"/>
-            <a:endCxn id="16" idx="1"/>
-          </p:cNvCxnSpPr>
-          <p:nvPr/>
-        </p:nvCxnSpPr>
-        <p:spPr bwMode="auto">
-          <a:xfrm flipV="1">
-            <a:off x="939898" y="3697096"/>
-            <a:ext cx="1101823" cy="2105830"/>
-          </a:xfrm>
-          <a:prstGeom prst="straightConnector1">
-            <a:avLst/>
-          </a:prstGeom>
-          <a:solidFill>
-            <a:schemeClr val="accent1"/>
-          </a:solidFill>
-          <a:ln w="9525" cap="flat" cmpd="sng" algn="ctr">
-            <a:solidFill>
-              <a:schemeClr val="tx1"/>
-            </a:solidFill>
-            <a:prstDash val="solid"/>
-            <a:round/>
-            <a:headEnd type="none" w="med" len="med"/>
-            <a:tailEnd type="triangle"/>
-          </a:ln>
-          <a:effectLst/>
-        </p:spPr>
-      </p:cxnSp>
-      <p:sp>
-        <p:nvSpPr>
-          <p:cNvPr id="85" name="Geschweifte Klammer rechts 84"/>
-          <p:cNvSpPr/>
-          <p:nvPr/>
-        </p:nvSpPr>
-        <p:spPr bwMode="auto">
-          <a:xfrm rot="16200000">
-            <a:off x="1461867" y="74506"/>
-            <a:ext cx="228600" cy="3096065"/>
-          </a:xfrm>
-          <a:prstGeom prst="rightBrace">
-            <a:avLst>
-              <a:gd name="adj1" fmla="val 42179"/>
-              <a:gd name="adj2" fmla="val 50000"/>
-            </a:avLst>
-          </a:prstGeom>
-          <a:ln>
-            <a:headEnd type="none" w="med" len="med"/>
-            <a:tailEnd type="none" w="med" len="med"/>
-          </a:ln>
-        </p:spPr>
-        <p:style>
-          <a:lnRef idx="2">
-            <a:schemeClr val="dk1"/>
-          </a:lnRef>
-          <a:fillRef idx="0">
-            <a:schemeClr val="dk1"/>
-          </a:fillRef>
-          <a:effectRef idx="1">
-            <a:schemeClr val="dk1"/>
-          </a:effectRef>
-          <a:fontRef idx="minor">
-            <a:schemeClr val="tx1"/>
-          </a:fontRef>
-        </p:style>
-        <p:txBody>
-          <a:bodyPr vert="horz" wrap="square" lIns="91440" tIns="45720" rIns="91440" bIns="45720" numCol="1" rtlCol="0" anchor="t" anchorCtr="0" compatLnSpc="1">
-            <a:prstTxWarp prst="textNoShape">
-              <a:avLst/>
-            </a:prstTxWarp>
-          </a:bodyPr>
-          <a:lstStyle/>
-          <a:p>
-            <a:pPr marL="0" marR="0" indent="0" algn="l" defTabSz="914400" rtl="0" eaLnBrk="0" fontAlgn="base" latinLnBrk="0" hangingPunct="0">
-              <a:lnSpc>
-                <a:spcPct val="100000"/>
-              </a:lnSpc>
-              <a:spcBef>
-                <a:spcPct val="0"/>
-              </a:spcBef>
-              <a:spcAft>
-                <a:spcPct val="0"/>
-              </a:spcAft>
-              <a:buClrTx/>
-              <a:buSzTx/>
-              <a:buFontTx/>
-              <a:buNone/>
-              <a:tabLst/>
-            </a:pPr>
-            <a:endParaRPr kumimoji="0" lang="de-DE" sz="2400" b="0" i="0" u="none" strike="noStrike" cap="none" normalizeH="0" baseline="0">
-              <a:ln>
-                <a:noFill/>
-              </a:ln>
-              <a:solidFill>
-                <a:schemeClr val="tx1"/>
-              </a:solidFill>
-              <a:effectLst/>
-              <a:latin typeface="Arial" charset="0"/>
-              <a:ea typeface="ＭＳ Ｐゴシック" charset="-128"/>
-              <a:cs typeface="ＭＳ Ｐゴシック" charset="-128"/>
-            </a:endParaRPr>
-          </a:p>
-        </p:txBody>
-      </p:sp>
-      <p:sp>
-        <p:nvSpPr>
-          <p:cNvPr id="94" name="Textfeld 93"/>
-          <p:cNvSpPr txBox="1"/>
-          <p:nvPr/>
-        </p:nvSpPr>
-        <p:spPr>
-          <a:xfrm>
-            <a:off x="1066800" y="1184231"/>
-            <a:ext cx="1160895" cy="307777"/>
-          </a:xfrm>
-          <a:prstGeom prst="rect">
-            <a:avLst/>
-          </a:prstGeom>
-          <a:noFill/>
-        </p:spPr>
-        <p:txBody>
-          <a:bodyPr wrap="none" rtlCol="0">
-            <a:spAutoFit/>
-          </a:bodyPr>
-          <a:lstStyle/>
-          <a:p>
-            <a:r>
-              <a:rPr lang="en-US" sz="1400" dirty="0"/>
-              <a:t>Connectivity</a:t>
-            </a:r>
-            <a:endParaRPr lang="de-DE" sz="1400" dirty="0"/>
+              <a:rPr lang="de-DE" sz="1100" dirty="0"/>
+              <a:t>Taken </a:t>
+            </a:r>
+            <a:r>
+              <a:rPr lang="de-DE" sz="1100" dirty="0" err="1"/>
+              <a:t>from</a:t>
+            </a:r>
+            <a:r>
+              <a:rPr lang="de-DE" sz="1100" dirty="0"/>
+              <a:t>: https://dzone.com/articles/ultimate-list-of-30-iot-platforms-for-your-iot-pro</a:t>
+            </a:r>
           </a:p>
         </p:txBody>
       </p:sp>
     </p:spTree>
     <p:extLst>
       <p:ext uri="{BB962C8B-B14F-4D97-AF65-F5344CB8AC3E}">
-        <p14:creationId xmlns:p14="http://schemas.microsoft.com/office/powerpoint/2010/main" val="480158475"/>
+        <p14:creationId xmlns:p14="http://schemas.microsoft.com/office/powerpoint/2010/main" val="1489895946"/>
       </p:ext>
     </p:extLst>
   </p:cSld>
@@ -11451,15 +10193,2087 @@
           <a:chExt cx="0" cy="0"/>
         </a:xfrm>
       </p:grpSpPr>
+      <p:sp>
+        <p:nvSpPr>
+          <p:cNvPr id="70" name="Abgerundetes Rechteck 69"/>
+          <p:cNvSpPr/>
+          <p:nvPr/>
+        </p:nvSpPr>
+        <p:spPr bwMode="auto">
+          <a:xfrm>
+            <a:off x="3048000" y="1729474"/>
+            <a:ext cx="5029200" cy="1259807"/>
+          </a:xfrm>
+          <a:prstGeom prst="roundRect">
+            <a:avLst/>
+          </a:prstGeom>
+          <a:ln>
+            <a:prstDash val="dash"/>
+            <a:headEnd type="none" w="med" len="med"/>
+            <a:tailEnd type="none" w="med" len="med"/>
+          </a:ln>
+        </p:spPr>
+        <p:style>
+          <a:lnRef idx="2">
+            <a:schemeClr val="accent1"/>
+          </a:lnRef>
+          <a:fillRef idx="1">
+            <a:schemeClr val="lt1"/>
+          </a:fillRef>
+          <a:effectRef idx="0">
+            <a:schemeClr val="accent1"/>
+          </a:effectRef>
+          <a:fontRef idx="minor">
+            <a:schemeClr val="dk1"/>
+          </a:fontRef>
+        </p:style>
+        <p:txBody>
+          <a:bodyPr vert="horz" wrap="square" lIns="91440" tIns="45720" rIns="91440" bIns="45720" numCol="1" rtlCol="0" anchor="t" anchorCtr="0" compatLnSpc="1">
+            <a:prstTxWarp prst="textNoShape">
+              <a:avLst/>
+            </a:prstTxWarp>
+          </a:bodyPr>
+          <a:lstStyle/>
+          <a:p>
+            <a:pPr marL="0" marR="0" indent="0" algn="l" defTabSz="914400" rtl="0" eaLnBrk="0" fontAlgn="base" latinLnBrk="0" hangingPunct="0">
+              <a:lnSpc>
+                <a:spcPct val="100000"/>
+              </a:lnSpc>
+              <a:spcBef>
+                <a:spcPct val="0"/>
+              </a:spcBef>
+              <a:spcAft>
+                <a:spcPct val="0"/>
+              </a:spcAft>
+              <a:buClrTx/>
+              <a:buSzTx/>
+              <a:buFontTx/>
+              <a:buNone/>
+              <a:tabLst/>
+            </a:pPr>
+            <a:endParaRPr kumimoji="0" lang="de-DE" sz="2400" b="0" i="0" u="none" strike="noStrike" cap="none" normalizeH="0" baseline="0" dirty="0">
+              <a:ln>
+                <a:noFill/>
+              </a:ln>
+              <a:solidFill>
+                <a:schemeClr val="tx1"/>
+              </a:solidFill>
+              <a:effectLst/>
+              <a:latin typeface="Arial" charset="0"/>
+              <a:ea typeface="ＭＳ Ｐゴシック" charset="-128"/>
+              <a:cs typeface="ＭＳ Ｐゴシック" charset="-128"/>
+            </a:endParaRPr>
+          </a:p>
+        </p:txBody>
+      </p:sp>
+      <p:sp>
+        <p:nvSpPr>
+          <p:cNvPr id="66" name="Abgerundetes Rechteck 65"/>
+          <p:cNvSpPr/>
+          <p:nvPr/>
+        </p:nvSpPr>
+        <p:spPr bwMode="auto">
+          <a:xfrm>
+            <a:off x="3048000" y="4800600"/>
+            <a:ext cx="5029200" cy="1757065"/>
+          </a:xfrm>
+          <a:prstGeom prst="roundRect">
+            <a:avLst/>
+          </a:prstGeom>
+          <a:ln>
+            <a:prstDash val="dash"/>
+            <a:headEnd type="none" w="med" len="med"/>
+            <a:tailEnd type="none" w="med" len="med"/>
+          </a:ln>
+        </p:spPr>
+        <p:style>
+          <a:lnRef idx="2">
+            <a:schemeClr val="accent1"/>
+          </a:lnRef>
+          <a:fillRef idx="1">
+            <a:schemeClr val="lt1"/>
+          </a:fillRef>
+          <a:effectRef idx="0">
+            <a:schemeClr val="accent1"/>
+          </a:effectRef>
+          <a:fontRef idx="minor">
+            <a:schemeClr val="dk1"/>
+          </a:fontRef>
+        </p:style>
+        <p:txBody>
+          <a:bodyPr vert="horz" wrap="square" lIns="91440" tIns="45720" rIns="91440" bIns="45720" numCol="1" rtlCol="0" anchor="t" anchorCtr="0" compatLnSpc="1">
+            <a:prstTxWarp prst="textNoShape">
+              <a:avLst/>
+            </a:prstTxWarp>
+          </a:bodyPr>
+          <a:lstStyle/>
+          <a:p>
+            <a:pPr marL="0" marR="0" indent="0" algn="l" defTabSz="914400" rtl="0" eaLnBrk="0" fontAlgn="base" latinLnBrk="0" hangingPunct="0">
+              <a:lnSpc>
+                <a:spcPct val="100000"/>
+              </a:lnSpc>
+              <a:spcBef>
+                <a:spcPct val="0"/>
+              </a:spcBef>
+              <a:spcAft>
+                <a:spcPct val="0"/>
+              </a:spcAft>
+              <a:buClrTx/>
+              <a:buSzTx/>
+              <a:buFontTx/>
+              <a:buNone/>
+              <a:tabLst/>
+            </a:pPr>
+            <a:endParaRPr kumimoji="0" lang="de-DE" sz="2400" b="0" i="0" u="none" strike="noStrike" cap="none" normalizeH="0" baseline="0" dirty="0">
+              <a:ln>
+                <a:noFill/>
+              </a:ln>
+              <a:solidFill>
+                <a:schemeClr val="tx1"/>
+              </a:solidFill>
+              <a:effectLst/>
+              <a:latin typeface="Arial" charset="0"/>
+              <a:ea typeface="ＭＳ Ｐゴシック" charset="-128"/>
+              <a:cs typeface="ＭＳ Ｐゴシック" charset="-128"/>
+            </a:endParaRPr>
+          </a:p>
+        </p:txBody>
+      </p:sp>
+      <p:sp>
+        <p:nvSpPr>
+          <p:cNvPr id="3" name="Titel 2"/>
+          <p:cNvSpPr>
+            <a:spLocks noGrp="1"/>
+          </p:cNvSpPr>
+          <p:nvPr>
+            <p:ph type="title"/>
+          </p:nvPr>
+        </p:nvSpPr>
+        <p:spPr/>
+        <p:txBody>
+          <a:bodyPr/>
+          <a:lstStyle/>
+          <a:p>
+            <a:r>
+              <a:rPr lang="en-US" dirty="0"/>
+              <a:t>IoT Architecture (Draft)</a:t>
+            </a:r>
+            <a:endParaRPr lang="de-DE" dirty="0"/>
+          </a:p>
+        </p:txBody>
+      </p:sp>
+      <p:sp>
+        <p:nvSpPr>
+          <p:cNvPr id="5" name="Rechteck 4"/>
+          <p:cNvSpPr/>
+          <p:nvPr/>
+        </p:nvSpPr>
+        <p:spPr bwMode="auto">
+          <a:xfrm>
+            <a:off x="609600" y="1828800"/>
+            <a:ext cx="304800" cy="304800"/>
+          </a:xfrm>
+          <a:prstGeom prst="rect">
+            <a:avLst/>
+          </a:prstGeom>
+          <a:solidFill>
+            <a:schemeClr val="accent1"/>
+          </a:solidFill>
+          <a:ln w="9525" cap="flat" cmpd="sng" algn="ctr">
+            <a:solidFill>
+              <a:schemeClr val="tx1"/>
+            </a:solidFill>
+            <a:prstDash val="solid"/>
+            <a:round/>
+            <a:headEnd type="none" w="med" len="med"/>
+            <a:tailEnd type="none" w="med" len="med"/>
+          </a:ln>
+          <a:effectLst/>
+        </p:spPr>
+        <p:txBody>
+          <a:bodyPr vert="horz" wrap="square" lIns="91440" tIns="45720" rIns="91440" bIns="45720" numCol="1" rtlCol="0" anchor="t" anchorCtr="0" compatLnSpc="1">
+            <a:prstTxWarp prst="textNoShape">
+              <a:avLst/>
+            </a:prstTxWarp>
+          </a:bodyPr>
+          <a:lstStyle/>
+          <a:p>
+            <a:pPr marL="0" marR="0" indent="0" algn="l" defTabSz="914400" rtl="0" eaLnBrk="0" fontAlgn="base" latinLnBrk="0" hangingPunct="0">
+              <a:lnSpc>
+                <a:spcPct val="100000"/>
+              </a:lnSpc>
+              <a:spcBef>
+                <a:spcPct val="0"/>
+              </a:spcBef>
+              <a:spcAft>
+                <a:spcPct val="0"/>
+              </a:spcAft>
+              <a:buClrTx/>
+              <a:buSzTx/>
+              <a:buFontTx/>
+              <a:buNone/>
+              <a:tabLst/>
+            </a:pPr>
+            <a:endParaRPr kumimoji="0" lang="de-DE" sz="2400" b="0" i="0" u="none" strike="noStrike" cap="none" normalizeH="0" baseline="0">
+              <a:ln>
+                <a:noFill/>
+              </a:ln>
+              <a:solidFill>
+                <a:schemeClr val="tx1"/>
+              </a:solidFill>
+              <a:effectLst/>
+              <a:latin typeface="Arial" charset="0"/>
+              <a:ea typeface="ＭＳ Ｐゴシック" charset="-128"/>
+              <a:cs typeface="ＭＳ Ｐゴシック" charset="-128"/>
+            </a:endParaRPr>
+          </a:p>
+        </p:txBody>
+      </p:sp>
+      <p:sp>
+        <p:nvSpPr>
+          <p:cNvPr id="10" name="Rechteck 9"/>
+          <p:cNvSpPr/>
+          <p:nvPr/>
+        </p:nvSpPr>
+        <p:spPr bwMode="auto">
+          <a:xfrm>
+            <a:off x="635098" y="2594318"/>
+            <a:ext cx="304800" cy="304800"/>
+          </a:xfrm>
+          <a:prstGeom prst="rect">
+            <a:avLst/>
+          </a:prstGeom>
+          <a:solidFill>
+            <a:schemeClr val="accent1"/>
+          </a:solidFill>
+          <a:ln w="9525" cap="flat" cmpd="sng" algn="ctr">
+            <a:solidFill>
+              <a:schemeClr val="tx1"/>
+            </a:solidFill>
+            <a:prstDash val="solid"/>
+            <a:round/>
+            <a:headEnd type="none" w="med" len="med"/>
+            <a:tailEnd type="none" w="med" len="med"/>
+          </a:ln>
+          <a:effectLst/>
+        </p:spPr>
+        <p:txBody>
+          <a:bodyPr vert="horz" wrap="square" lIns="91440" tIns="45720" rIns="91440" bIns="45720" numCol="1" rtlCol="0" anchor="t" anchorCtr="0" compatLnSpc="1">
+            <a:prstTxWarp prst="textNoShape">
+              <a:avLst/>
+            </a:prstTxWarp>
+          </a:bodyPr>
+          <a:lstStyle/>
+          <a:p>
+            <a:pPr marL="0" marR="0" indent="0" algn="l" defTabSz="914400" rtl="0" eaLnBrk="0" fontAlgn="base" latinLnBrk="0" hangingPunct="0">
+              <a:lnSpc>
+                <a:spcPct val="100000"/>
+              </a:lnSpc>
+              <a:spcBef>
+                <a:spcPct val="0"/>
+              </a:spcBef>
+              <a:spcAft>
+                <a:spcPct val="0"/>
+              </a:spcAft>
+              <a:buClrTx/>
+              <a:buSzTx/>
+              <a:buFontTx/>
+              <a:buNone/>
+              <a:tabLst/>
+            </a:pPr>
+            <a:endParaRPr kumimoji="0" lang="de-DE" sz="2400" b="0" i="0" u="none" strike="noStrike" cap="none" normalizeH="0" baseline="0">
+              <a:ln>
+                <a:noFill/>
+              </a:ln>
+              <a:solidFill>
+                <a:schemeClr val="tx1"/>
+              </a:solidFill>
+              <a:effectLst/>
+              <a:latin typeface="Arial" charset="0"/>
+              <a:ea typeface="ＭＳ Ｐゴシック" charset="-128"/>
+              <a:cs typeface="ＭＳ Ｐゴシック" charset="-128"/>
+            </a:endParaRPr>
+          </a:p>
+        </p:txBody>
+      </p:sp>
+      <p:sp>
+        <p:nvSpPr>
+          <p:cNvPr id="11" name="Rechteck 10"/>
+          <p:cNvSpPr/>
+          <p:nvPr/>
+        </p:nvSpPr>
+        <p:spPr bwMode="auto">
+          <a:xfrm>
+            <a:off x="635098" y="3359836"/>
+            <a:ext cx="304800" cy="304800"/>
+          </a:xfrm>
+          <a:prstGeom prst="rect">
+            <a:avLst/>
+          </a:prstGeom>
+          <a:solidFill>
+            <a:schemeClr val="accent1"/>
+          </a:solidFill>
+          <a:ln w="9525" cap="flat" cmpd="sng" algn="ctr">
+            <a:solidFill>
+              <a:schemeClr val="tx1"/>
+            </a:solidFill>
+            <a:prstDash val="solid"/>
+            <a:round/>
+            <a:headEnd type="none" w="med" len="med"/>
+            <a:tailEnd type="none" w="med" len="med"/>
+          </a:ln>
+          <a:effectLst/>
+        </p:spPr>
+        <p:txBody>
+          <a:bodyPr vert="horz" wrap="square" lIns="91440" tIns="45720" rIns="91440" bIns="45720" numCol="1" rtlCol="0" anchor="t" anchorCtr="0" compatLnSpc="1">
+            <a:prstTxWarp prst="textNoShape">
+              <a:avLst/>
+            </a:prstTxWarp>
+          </a:bodyPr>
+          <a:lstStyle/>
+          <a:p>
+            <a:pPr marL="0" marR="0" indent="0" algn="l" defTabSz="914400" rtl="0" eaLnBrk="0" fontAlgn="base" latinLnBrk="0" hangingPunct="0">
+              <a:lnSpc>
+                <a:spcPct val="100000"/>
+              </a:lnSpc>
+              <a:spcBef>
+                <a:spcPct val="0"/>
+              </a:spcBef>
+              <a:spcAft>
+                <a:spcPct val="0"/>
+              </a:spcAft>
+              <a:buClrTx/>
+              <a:buSzTx/>
+              <a:buFontTx/>
+              <a:buNone/>
+              <a:tabLst/>
+            </a:pPr>
+            <a:endParaRPr kumimoji="0" lang="de-DE" sz="2400" b="0" i="0" u="none" strike="noStrike" cap="none" normalizeH="0" baseline="0">
+              <a:ln>
+                <a:noFill/>
+              </a:ln>
+              <a:solidFill>
+                <a:schemeClr val="tx1"/>
+              </a:solidFill>
+              <a:effectLst/>
+              <a:latin typeface="Arial" charset="0"/>
+              <a:ea typeface="ＭＳ Ｐゴシック" charset="-128"/>
+              <a:cs typeface="ＭＳ Ｐゴシック" charset="-128"/>
+            </a:endParaRPr>
+          </a:p>
+        </p:txBody>
+      </p:sp>
+      <p:sp>
+        <p:nvSpPr>
+          <p:cNvPr id="12" name="Rechteck 11"/>
+          <p:cNvSpPr/>
+          <p:nvPr/>
+        </p:nvSpPr>
+        <p:spPr bwMode="auto">
+          <a:xfrm>
+            <a:off x="635098" y="4124181"/>
+            <a:ext cx="304800" cy="304800"/>
+          </a:xfrm>
+          <a:prstGeom prst="rect">
+            <a:avLst/>
+          </a:prstGeom>
+          <a:solidFill>
+            <a:schemeClr val="accent1"/>
+          </a:solidFill>
+          <a:ln w="9525" cap="flat" cmpd="sng" algn="ctr">
+            <a:solidFill>
+              <a:schemeClr val="tx1"/>
+            </a:solidFill>
+            <a:prstDash val="solid"/>
+            <a:round/>
+            <a:headEnd type="none" w="med" len="med"/>
+            <a:tailEnd type="none" w="med" len="med"/>
+          </a:ln>
+          <a:effectLst/>
+        </p:spPr>
+        <p:txBody>
+          <a:bodyPr vert="horz" wrap="square" lIns="91440" tIns="45720" rIns="91440" bIns="45720" numCol="1" rtlCol="0" anchor="t" anchorCtr="0" compatLnSpc="1">
+            <a:prstTxWarp prst="textNoShape">
+              <a:avLst/>
+            </a:prstTxWarp>
+          </a:bodyPr>
+          <a:lstStyle/>
+          <a:p>
+            <a:pPr marL="0" marR="0" indent="0" algn="l" defTabSz="914400" rtl="0" eaLnBrk="0" fontAlgn="base" latinLnBrk="0" hangingPunct="0">
+              <a:lnSpc>
+                <a:spcPct val="100000"/>
+              </a:lnSpc>
+              <a:spcBef>
+                <a:spcPct val="0"/>
+              </a:spcBef>
+              <a:spcAft>
+                <a:spcPct val="0"/>
+              </a:spcAft>
+              <a:buClrTx/>
+              <a:buSzTx/>
+              <a:buFontTx/>
+              <a:buNone/>
+              <a:tabLst/>
+            </a:pPr>
+            <a:endParaRPr kumimoji="0" lang="de-DE" sz="2400" b="0" i="0" u="none" strike="noStrike" cap="none" normalizeH="0" baseline="0">
+              <a:ln>
+                <a:noFill/>
+              </a:ln>
+              <a:solidFill>
+                <a:schemeClr val="tx1"/>
+              </a:solidFill>
+              <a:effectLst/>
+              <a:latin typeface="Arial" charset="0"/>
+              <a:ea typeface="ＭＳ Ｐゴシック" charset="-128"/>
+              <a:cs typeface="ＭＳ Ｐゴシック" charset="-128"/>
+            </a:endParaRPr>
+          </a:p>
+        </p:txBody>
+      </p:sp>
+      <p:sp>
+        <p:nvSpPr>
+          <p:cNvPr id="13" name="Rechteck 12"/>
+          <p:cNvSpPr/>
+          <p:nvPr/>
+        </p:nvSpPr>
+        <p:spPr bwMode="auto">
+          <a:xfrm>
+            <a:off x="635098" y="4886181"/>
+            <a:ext cx="304800" cy="304800"/>
+          </a:xfrm>
+          <a:prstGeom prst="rect">
+            <a:avLst/>
+          </a:prstGeom>
+          <a:solidFill>
+            <a:schemeClr val="accent1"/>
+          </a:solidFill>
+          <a:ln w="9525" cap="flat" cmpd="sng" algn="ctr">
+            <a:solidFill>
+              <a:schemeClr val="tx1"/>
+            </a:solidFill>
+            <a:prstDash val="solid"/>
+            <a:round/>
+            <a:headEnd type="none" w="med" len="med"/>
+            <a:tailEnd type="none" w="med" len="med"/>
+          </a:ln>
+          <a:effectLst/>
+        </p:spPr>
+        <p:txBody>
+          <a:bodyPr vert="horz" wrap="square" lIns="91440" tIns="45720" rIns="91440" bIns="45720" numCol="1" rtlCol="0" anchor="t" anchorCtr="0" compatLnSpc="1">
+            <a:prstTxWarp prst="textNoShape">
+              <a:avLst/>
+            </a:prstTxWarp>
+          </a:bodyPr>
+          <a:lstStyle/>
+          <a:p>
+            <a:pPr marL="0" marR="0" indent="0" algn="l" defTabSz="914400" rtl="0" eaLnBrk="0" fontAlgn="base" latinLnBrk="0" hangingPunct="0">
+              <a:lnSpc>
+                <a:spcPct val="100000"/>
+              </a:lnSpc>
+              <a:spcBef>
+                <a:spcPct val="0"/>
+              </a:spcBef>
+              <a:spcAft>
+                <a:spcPct val="0"/>
+              </a:spcAft>
+              <a:buClrTx/>
+              <a:buSzTx/>
+              <a:buFontTx/>
+              <a:buNone/>
+              <a:tabLst/>
+            </a:pPr>
+            <a:endParaRPr kumimoji="0" lang="de-DE" sz="2400" b="0" i="0" u="none" strike="noStrike" cap="none" normalizeH="0" baseline="0">
+              <a:ln>
+                <a:noFill/>
+              </a:ln>
+              <a:solidFill>
+                <a:schemeClr val="tx1"/>
+              </a:solidFill>
+              <a:effectLst/>
+              <a:latin typeface="Arial" charset="0"/>
+              <a:ea typeface="ＭＳ Ｐゴシック" charset="-128"/>
+              <a:cs typeface="ＭＳ Ｐゴシック" charset="-128"/>
+            </a:endParaRPr>
+          </a:p>
+        </p:txBody>
+      </p:sp>
+      <p:sp>
+        <p:nvSpPr>
+          <p:cNvPr id="14" name="Rechteck 13"/>
+          <p:cNvSpPr/>
+          <p:nvPr/>
+        </p:nvSpPr>
+        <p:spPr bwMode="auto">
+          <a:xfrm>
+            <a:off x="635098" y="5650526"/>
+            <a:ext cx="304800" cy="304800"/>
+          </a:xfrm>
+          <a:prstGeom prst="rect">
+            <a:avLst/>
+          </a:prstGeom>
+          <a:solidFill>
+            <a:schemeClr val="accent1"/>
+          </a:solidFill>
+          <a:ln w="9525" cap="flat" cmpd="sng" algn="ctr">
+            <a:solidFill>
+              <a:schemeClr val="tx1"/>
+            </a:solidFill>
+            <a:prstDash val="solid"/>
+            <a:round/>
+            <a:headEnd type="none" w="med" len="med"/>
+            <a:tailEnd type="none" w="med" len="med"/>
+          </a:ln>
+          <a:effectLst/>
+        </p:spPr>
+        <p:txBody>
+          <a:bodyPr vert="horz" wrap="square" lIns="91440" tIns="45720" rIns="91440" bIns="45720" numCol="1" rtlCol="0" anchor="t" anchorCtr="0" compatLnSpc="1">
+            <a:prstTxWarp prst="textNoShape">
+              <a:avLst/>
+            </a:prstTxWarp>
+          </a:bodyPr>
+          <a:lstStyle/>
+          <a:p>
+            <a:pPr marL="0" marR="0" indent="0" algn="l" defTabSz="914400" rtl="0" eaLnBrk="0" fontAlgn="base" latinLnBrk="0" hangingPunct="0">
+              <a:lnSpc>
+                <a:spcPct val="100000"/>
+              </a:lnSpc>
+              <a:spcBef>
+                <a:spcPct val="0"/>
+              </a:spcBef>
+              <a:spcAft>
+                <a:spcPct val="0"/>
+              </a:spcAft>
+              <a:buClrTx/>
+              <a:buSzTx/>
+              <a:buFontTx/>
+              <a:buNone/>
+              <a:tabLst/>
+            </a:pPr>
+            <a:endParaRPr kumimoji="0" lang="de-DE" sz="2400" b="0" i="0" u="none" strike="noStrike" cap="none" normalizeH="0" baseline="0">
+              <a:ln>
+                <a:noFill/>
+              </a:ln>
+              <a:solidFill>
+                <a:schemeClr val="tx1"/>
+              </a:solidFill>
+              <a:effectLst/>
+              <a:latin typeface="Arial" charset="0"/>
+              <a:ea typeface="ＭＳ Ｐゴシック" charset="-128"/>
+              <a:cs typeface="ＭＳ Ｐゴシック" charset="-128"/>
+            </a:endParaRPr>
+          </a:p>
+        </p:txBody>
+      </p:sp>
+      <p:sp>
+        <p:nvSpPr>
+          <p:cNvPr id="15" name="Textfeld 14"/>
+          <p:cNvSpPr txBox="1"/>
+          <p:nvPr/>
+        </p:nvSpPr>
+        <p:spPr>
+          <a:xfrm>
+            <a:off x="107255" y="6031072"/>
+            <a:ext cx="1478290" cy="307777"/>
+          </a:xfrm>
+          <a:prstGeom prst="rect">
+            <a:avLst/>
+          </a:prstGeom>
+          <a:noFill/>
+        </p:spPr>
+        <p:txBody>
+          <a:bodyPr wrap="none" rtlCol="0">
+            <a:spAutoFit/>
+          </a:bodyPr>
+          <a:lstStyle/>
+          <a:p>
+            <a:r>
+              <a:rPr lang="en-US" sz="1400" dirty="0"/>
+              <a:t>Devices(Things)</a:t>
+            </a:r>
+            <a:endParaRPr lang="de-DE" sz="1400" dirty="0"/>
+          </a:p>
+        </p:txBody>
+      </p:sp>
+      <p:sp>
+        <p:nvSpPr>
+          <p:cNvPr id="16" name="Rechteck 15"/>
+          <p:cNvSpPr/>
+          <p:nvPr/>
+        </p:nvSpPr>
+        <p:spPr bwMode="auto">
+          <a:xfrm>
+            <a:off x="2041721" y="3065178"/>
+            <a:ext cx="990600" cy="1263836"/>
+          </a:xfrm>
+          <a:prstGeom prst="rect">
+            <a:avLst/>
+          </a:prstGeom>
+          <a:ln>
+            <a:headEnd type="none" w="med" len="med"/>
+            <a:tailEnd type="none" w="med" len="med"/>
+          </a:ln>
+        </p:spPr>
+        <p:style>
+          <a:lnRef idx="2">
+            <a:schemeClr val="accent4">
+              <a:shade val="50000"/>
+            </a:schemeClr>
+          </a:lnRef>
+          <a:fillRef idx="1">
+            <a:schemeClr val="accent4"/>
+          </a:fillRef>
+          <a:effectRef idx="0">
+            <a:schemeClr val="accent4"/>
+          </a:effectRef>
+          <a:fontRef idx="minor">
+            <a:schemeClr val="lt1"/>
+          </a:fontRef>
+        </p:style>
+        <p:txBody>
+          <a:bodyPr vert="horz" wrap="square" lIns="91440" tIns="45720" rIns="91440" bIns="45720" numCol="1" rtlCol="0" anchor="t" anchorCtr="0" compatLnSpc="1">
+            <a:prstTxWarp prst="textNoShape">
+              <a:avLst/>
+            </a:prstTxWarp>
+          </a:bodyPr>
+          <a:lstStyle/>
+          <a:p>
+            <a:pPr algn="ctr"/>
+            <a:r>
+              <a:rPr lang="en-US" sz="1200">
+                <a:solidFill>
+                  <a:schemeClr val="tx2"/>
+                </a:solidFill>
+              </a:rPr>
+              <a:t>Data Ingest </a:t>
+            </a:r>
+          </a:p>
+          <a:p>
+            <a:pPr algn="ctr"/>
+            <a:r>
+              <a:rPr lang="en-US" sz="1200">
+                <a:solidFill>
+                  <a:schemeClr val="tx2"/>
+                </a:solidFill>
+              </a:rPr>
+              <a:t>(MQTT Broker)</a:t>
+            </a:r>
+            <a:endParaRPr lang="de-DE" sz="1200" dirty="0">
+              <a:solidFill>
+                <a:schemeClr val="tx2"/>
+              </a:solidFill>
+            </a:endParaRPr>
+          </a:p>
+        </p:txBody>
+      </p:sp>
+      <p:sp>
+        <p:nvSpPr>
+          <p:cNvPr id="18" name="Rechteck 17"/>
+          <p:cNvSpPr/>
+          <p:nvPr/>
+        </p:nvSpPr>
+        <p:spPr bwMode="auto">
+          <a:xfrm>
+            <a:off x="3505200" y="5285408"/>
+            <a:ext cx="1900311" cy="503453"/>
+          </a:xfrm>
+          <a:prstGeom prst="rect">
+            <a:avLst/>
+          </a:prstGeom>
+          <a:ln>
+            <a:headEnd type="none" w="med" len="med"/>
+            <a:tailEnd type="none" w="med" len="med"/>
+          </a:ln>
+        </p:spPr>
+        <p:style>
+          <a:lnRef idx="1">
+            <a:schemeClr val="accent2"/>
+          </a:lnRef>
+          <a:fillRef idx="2">
+            <a:schemeClr val="accent2"/>
+          </a:fillRef>
+          <a:effectRef idx="1">
+            <a:schemeClr val="accent2"/>
+          </a:effectRef>
+          <a:fontRef idx="minor">
+            <a:schemeClr val="dk1"/>
+          </a:fontRef>
+        </p:style>
+        <p:txBody>
+          <a:bodyPr vert="horz" wrap="square" lIns="91440" tIns="45720" rIns="91440" bIns="45720" numCol="1" rtlCol="0" anchor="t" anchorCtr="0" compatLnSpc="1">
+            <a:prstTxWarp prst="textNoShape">
+              <a:avLst/>
+            </a:prstTxWarp>
+          </a:bodyPr>
+          <a:lstStyle/>
+          <a:p>
+            <a:pPr marL="0" marR="0" indent="0" algn="ctr" defTabSz="914400" rtl="0" eaLnBrk="0" fontAlgn="base" latinLnBrk="0" hangingPunct="0">
+              <a:lnSpc>
+                <a:spcPct val="100000"/>
+              </a:lnSpc>
+              <a:spcBef>
+                <a:spcPct val="0"/>
+              </a:spcBef>
+              <a:spcAft>
+                <a:spcPct val="0"/>
+              </a:spcAft>
+              <a:buClrTx/>
+              <a:buSzTx/>
+              <a:buFontTx/>
+              <a:buNone/>
+              <a:tabLst/>
+            </a:pPr>
+            <a:r>
+              <a:rPr kumimoji="0" lang="en-US" sz="1200" b="0" i="0" u="none" strike="noStrike" cap="none" normalizeH="0" baseline="0" dirty="0">
+                <a:ln>
+                  <a:noFill/>
+                </a:ln>
+                <a:solidFill>
+                  <a:schemeClr val="tx2"/>
+                </a:solidFill>
+                <a:effectLst/>
+                <a:latin typeface="Arial" charset="0"/>
+                <a:ea typeface="ＭＳ Ｐゴシック" charset="-128"/>
+                <a:cs typeface="ＭＳ Ｐゴシック" charset="-128"/>
+              </a:rPr>
+              <a:t>Immutable Master Data</a:t>
+            </a:r>
+          </a:p>
+          <a:p>
+            <a:pPr marL="0" marR="0" indent="0" algn="ctr" defTabSz="914400" rtl="0" eaLnBrk="0" fontAlgn="base" latinLnBrk="0" hangingPunct="0">
+              <a:lnSpc>
+                <a:spcPct val="100000"/>
+              </a:lnSpc>
+              <a:spcBef>
+                <a:spcPct val="0"/>
+              </a:spcBef>
+              <a:spcAft>
+                <a:spcPct val="0"/>
+              </a:spcAft>
+              <a:buClrTx/>
+              <a:buSzTx/>
+              <a:buFontTx/>
+              <a:buNone/>
+              <a:tabLst/>
+            </a:pPr>
+            <a:r>
+              <a:rPr lang="en-US" sz="1200" dirty="0">
+                <a:solidFill>
+                  <a:schemeClr val="tx2"/>
+                </a:solidFill>
+                <a:latin typeface="Arial" charset="0"/>
+                <a:ea typeface="ＭＳ Ｐゴシック" charset="-128"/>
+                <a:cs typeface="ＭＳ Ｐゴシック" charset="-128"/>
+              </a:rPr>
+              <a:t>(Data Lake)</a:t>
+            </a:r>
+            <a:endParaRPr kumimoji="0" lang="de-DE" sz="1200" b="0" i="0" u="none" strike="noStrike" cap="none" normalizeH="0" baseline="0" dirty="0">
+              <a:ln>
+                <a:noFill/>
+              </a:ln>
+              <a:solidFill>
+                <a:schemeClr val="tx2"/>
+              </a:solidFill>
+              <a:effectLst/>
+              <a:latin typeface="Arial" charset="0"/>
+              <a:ea typeface="ＭＳ Ｐゴシック" charset="-128"/>
+              <a:cs typeface="ＭＳ Ｐゴシック" charset="-128"/>
+            </a:endParaRPr>
+          </a:p>
+        </p:txBody>
+      </p:sp>
+      <p:cxnSp>
+        <p:nvCxnSpPr>
+          <p:cNvPr id="20" name="Gewinkelter Verbinder 19"/>
+          <p:cNvCxnSpPr>
+            <a:stCxn id="16" idx="3"/>
+            <a:endCxn id="18" idx="0"/>
+          </p:cNvCxnSpPr>
+          <p:nvPr/>
+        </p:nvCxnSpPr>
+        <p:spPr bwMode="auto">
+          <a:xfrm>
+            <a:off x="3032321" y="3697096"/>
+            <a:ext cx="1423035" cy="1588312"/>
+          </a:xfrm>
+          <a:prstGeom prst="bentConnector2">
+            <a:avLst/>
+          </a:prstGeom>
+          <a:solidFill>
+            <a:schemeClr val="accent1"/>
+          </a:solidFill>
+          <a:ln w="9525" cap="flat" cmpd="sng" algn="ctr">
+            <a:solidFill>
+              <a:schemeClr val="tx1"/>
+            </a:solidFill>
+            <a:prstDash val="solid"/>
+            <a:round/>
+            <a:headEnd type="none" w="med" len="med"/>
+            <a:tailEnd type="triangle"/>
+          </a:ln>
+          <a:effectLst/>
+        </p:spPr>
+      </p:cxnSp>
+      <p:sp>
+        <p:nvSpPr>
+          <p:cNvPr id="22" name="Rechteck 21"/>
+          <p:cNvSpPr/>
+          <p:nvPr/>
+        </p:nvSpPr>
+        <p:spPr bwMode="auto">
+          <a:xfrm>
+            <a:off x="7768296" y="3048000"/>
+            <a:ext cx="1066800" cy="685800"/>
+          </a:xfrm>
+          <a:prstGeom prst="rect">
+            <a:avLst/>
+          </a:prstGeom>
+          <a:ln>
+            <a:headEnd type="none" w="med" len="med"/>
+            <a:tailEnd type="none" w="med" len="med"/>
+          </a:ln>
+        </p:spPr>
+        <p:style>
+          <a:lnRef idx="1">
+            <a:schemeClr val="dk1"/>
+          </a:lnRef>
+          <a:fillRef idx="2">
+            <a:schemeClr val="dk1"/>
+          </a:fillRef>
+          <a:effectRef idx="1">
+            <a:schemeClr val="dk1"/>
+          </a:effectRef>
+          <a:fontRef idx="minor">
+            <a:schemeClr val="dk1"/>
+          </a:fontRef>
+        </p:style>
+        <p:txBody>
+          <a:bodyPr vert="horz" wrap="square" lIns="91440" tIns="45720" rIns="91440" bIns="45720" numCol="1" rtlCol="0" anchor="t" anchorCtr="0" compatLnSpc="1">
+            <a:prstTxWarp prst="textNoShape">
+              <a:avLst/>
+            </a:prstTxWarp>
+          </a:bodyPr>
+          <a:lstStyle/>
+          <a:p>
+            <a:pPr marL="0" marR="0" indent="0" algn="ctr" defTabSz="914400" rtl="0" eaLnBrk="0" fontAlgn="base" latinLnBrk="0" hangingPunct="0">
+              <a:lnSpc>
+                <a:spcPct val="100000"/>
+              </a:lnSpc>
+              <a:spcBef>
+                <a:spcPct val="0"/>
+              </a:spcBef>
+              <a:spcAft>
+                <a:spcPct val="0"/>
+              </a:spcAft>
+              <a:buClrTx/>
+              <a:buSzTx/>
+              <a:buFontTx/>
+              <a:buNone/>
+              <a:tabLst/>
+            </a:pPr>
+            <a:r>
+              <a:rPr kumimoji="0" lang="en-US" sz="1800" b="0" i="0" u="none" strike="noStrike" cap="none" normalizeH="0" baseline="0" dirty="0">
+                <a:ln>
+                  <a:noFill/>
+                </a:ln>
+                <a:solidFill>
+                  <a:schemeClr val="tx1"/>
+                </a:solidFill>
+                <a:effectLst/>
+                <a:latin typeface="Arial" charset="0"/>
+                <a:ea typeface="ＭＳ Ｐゴシック" charset="-128"/>
+                <a:cs typeface="ＭＳ Ｐゴシック" charset="-128"/>
+              </a:rPr>
+              <a:t>UI</a:t>
+            </a:r>
+          </a:p>
+          <a:p>
+            <a:pPr marL="0" marR="0" indent="0" algn="ctr" defTabSz="914400" rtl="0" eaLnBrk="0" fontAlgn="base" latinLnBrk="0" hangingPunct="0">
+              <a:lnSpc>
+                <a:spcPct val="100000"/>
+              </a:lnSpc>
+              <a:spcBef>
+                <a:spcPct val="0"/>
+              </a:spcBef>
+              <a:spcAft>
+                <a:spcPct val="0"/>
+              </a:spcAft>
+              <a:buClrTx/>
+              <a:buSzTx/>
+              <a:buFontTx/>
+              <a:buNone/>
+              <a:tabLst/>
+            </a:pPr>
+            <a:r>
+              <a:rPr lang="en-US" sz="1800" dirty="0">
+                <a:solidFill>
+                  <a:schemeClr val="tx1"/>
+                </a:solidFill>
+                <a:latin typeface="Arial" charset="0"/>
+                <a:ea typeface="ＭＳ Ｐゴシック" charset="-128"/>
+                <a:cs typeface="ＭＳ Ｐゴシック" charset="-128"/>
+              </a:rPr>
+              <a:t>(BI)</a:t>
+            </a:r>
+            <a:endParaRPr kumimoji="0" lang="de-DE" sz="1800" b="0" i="0" u="none" strike="noStrike" cap="none" normalizeH="0" baseline="0" dirty="0">
+              <a:ln>
+                <a:noFill/>
+              </a:ln>
+              <a:solidFill>
+                <a:schemeClr val="tx1"/>
+              </a:solidFill>
+              <a:effectLst/>
+              <a:latin typeface="Arial" charset="0"/>
+              <a:ea typeface="ＭＳ Ｐゴシック" charset="-128"/>
+              <a:cs typeface="ＭＳ Ｐゴシック" charset="-128"/>
+            </a:endParaRPr>
+          </a:p>
+        </p:txBody>
+      </p:sp>
+      <p:sp>
+        <p:nvSpPr>
+          <p:cNvPr id="23" name="Rechteck 22"/>
+          <p:cNvSpPr/>
+          <p:nvPr/>
+        </p:nvSpPr>
+        <p:spPr bwMode="auto">
+          <a:xfrm>
+            <a:off x="6341891" y="3124200"/>
+            <a:ext cx="914400" cy="503453"/>
+          </a:xfrm>
+          <a:prstGeom prst="rect">
+            <a:avLst/>
+          </a:prstGeom>
+          <a:ln>
+            <a:headEnd type="none" w="med" len="med"/>
+            <a:tailEnd type="none" w="med" len="med"/>
+          </a:ln>
+        </p:spPr>
+        <p:style>
+          <a:lnRef idx="1">
+            <a:schemeClr val="accent2"/>
+          </a:lnRef>
+          <a:fillRef idx="2">
+            <a:schemeClr val="accent2"/>
+          </a:fillRef>
+          <a:effectRef idx="1">
+            <a:schemeClr val="accent2"/>
+          </a:effectRef>
+          <a:fontRef idx="minor">
+            <a:schemeClr val="dk1"/>
+          </a:fontRef>
+        </p:style>
+        <p:txBody>
+          <a:bodyPr vert="horz" wrap="square" lIns="91440" tIns="45720" rIns="91440" bIns="45720" numCol="1" rtlCol="0" anchor="t" anchorCtr="0" compatLnSpc="1">
+            <a:prstTxWarp prst="textNoShape">
+              <a:avLst/>
+            </a:prstTxWarp>
+          </a:bodyPr>
+          <a:lstStyle/>
+          <a:p>
+            <a:pPr marL="0" marR="0" indent="0" algn="ctr" defTabSz="914400" rtl="0" eaLnBrk="0" fontAlgn="base" latinLnBrk="0" hangingPunct="0">
+              <a:lnSpc>
+                <a:spcPct val="100000"/>
+              </a:lnSpc>
+              <a:spcBef>
+                <a:spcPct val="0"/>
+              </a:spcBef>
+              <a:spcAft>
+                <a:spcPct val="0"/>
+              </a:spcAft>
+              <a:buClrTx/>
+              <a:buSzTx/>
+              <a:buFontTx/>
+              <a:buNone/>
+              <a:tabLst/>
+            </a:pPr>
+            <a:r>
+              <a:rPr kumimoji="0" lang="en-US" sz="1200" b="0" i="0" u="none" strike="noStrike" cap="none" normalizeH="0" baseline="0" dirty="0">
+                <a:ln>
+                  <a:noFill/>
+                </a:ln>
+                <a:solidFill>
+                  <a:schemeClr val="tx2"/>
+                </a:solidFill>
+                <a:effectLst/>
+                <a:latin typeface="Arial" charset="0"/>
+                <a:ea typeface="ＭＳ Ｐゴシック" charset="-128"/>
+                <a:cs typeface="ＭＳ Ｐゴシック" charset="-128"/>
+              </a:rPr>
+              <a:t>Query</a:t>
+            </a:r>
+            <a:endParaRPr kumimoji="0" lang="de-DE" sz="1200" b="0" i="0" u="none" strike="noStrike" cap="none" normalizeH="0" baseline="0" dirty="0">
+              <a:ln>
+                <a:noFill/>
+              </a:ln>
+              <a:solidFill>
+                <a:schemeClr val="tx2"/>
+              </a:solidFill>
+              <a:effectLst/>
+              <a:latin typeface="Arial" charset="0"/>
+              <a:ea typeface="ＭＳ Ｐゴシック" charset="-128"/>
+              <a:cs typeface="ＭＳ Ｐゴシック" charset="-128"/>
+            </a:endParaRPr>
+          </a:p>
+        </p:txBody>
+      </p:sp>
+      <p:sp>
+        <p:nvSpPr>
+          <p:cNvPr id="24" name="Rechteck 23"/>
+          <p:cNvSpPr/>
+          <p:nvPr/>
+        </p:nvSpPr>
+        <p:spPr bwMode="auto">
+          <a:xfrm>
+            <a:off x="3945108" y="2239747"/>
+            <a:ext cx="1850781" cy="503453"/>
+          </a:xfrm>
+          <a:prstGeom prst="rect">
+            <a:avLst/>
+          </a:prstGeom>
+          <a:ln>
+            <a:headEnd type="none" w="med" len="med"/>
+            <a:tailEnd type="none" w="med" len="med"/>
+          </a:ln>
+        </p:spPr>
+        <p:style>
+          <a:lnRef idx="1">
+            <a:schemeClr val="accent2"/>
+          </a:lnRef>
+          <a:fillRef idx="2">
+            <a:schemeClr val="accent2"/>
+          </a:fillRef>
+          <a:effectRef idx="1">
+            <a:schemeClr val="accent2"/>
+          </a:effectRef>
+          <a:fontRef idx="minor">
+            <a:schemeClr val="dk1"/>
+          </a:fontRef>
+        </p:style>
+        <p:txBody>
+          <a:bodyPr vert="horz" wrap="square" lIns="91440" tIns="45720" rIns="91440" bIns="45720" numCol="1" rtlCol="0" anchor="t" anchorCtr="0" compatLnSpc="1">
+            <a:prstTxWarp prst="textNoShape">
+              <a:avLst/>
+            </a:prstTxWarp>
+          </a:bodyPr>
+          <a:lstStyle/>
+          <a:p>
+            <a:pPr marL="0" marR="0" indent="0" algn="ctr" defTabSz="914400" rtl="0" eaLnBrk="0" fontAlgn="base" latinLnBrk="0" hangingPunct="0">
+              <a:lnSpc>
+                <a:spcPct val="100000"/>
+              </a:lnSpc>
+              <a:spcBef>
+                <a:spcPct val="0"/>
+              </a:spcBef>
+              <a:spcAft>
+                <a:spcPct val="0"/>
+              </a:spcAft>
+              <a:buClrTx/>
+              <a:buSzTx/>
+              <a:buFontTx/>
+              <a:buNone/>
+              <a:tabLst/>
+            </a:pPr>
+            <a:r>
+              <a:rPr kumimoji="0" lang="en-US" sz="1200" b="0" i="0" u="none" strike="noStrike" cap="none" normalizeH="0" baseline="0" dirty="0">
+                <a:ln>
+                  <a:noFill/>
+                </a:ln>
+                <a:solidFill>
+                  <a:schemeClr val="tx2"/>
+                </a:solidFill>
+                <a:effectLst/>
+                <a:latin typeface="Arial" charset="0"/>
+                <a:ea typeface="ＭＳ Ｐゴシック" charset="-128"/>
+                <a:cs typeface="ＭＳ Ｐゴシック" charset="-128"/>
+              </a:rPr>
+              <a:t>Data</a:t>
+            </a:r>
+            <a:r>
+              <a:rPr kumimoji="0" lang="en-US" sz="1200" b="0" i="0" u="none" strike="noStrike" cap="none" normalizeH="0" dirty="0">
+                <a:ln>
+                  <a:noFill/>
+                </a:ln>
+                <a:solidFill>
+                  <a:schemeClr val="tx2"/>
+                </a:solidFill>
+                <a:effectLst/>
+                <a:latin typeface="Arial" charset="0"/>
+                <a:ea typeface="ＭＳ Ｐゴシック" charset="-128"/>
+                <a:cs typeface="ＭＳ Ｐゴシック" charset="-128"/>
+              </a:rPr>
+              <a:t> Stream</a:t>
+            </a:r>
+          </a:p>
+          <a:p>
+            <a:pPr marL="0" marR="0" indent="0" algn="ctr" defTabSz="914400" rtl="0" eaLnBrk="0" fontAlgn="base" latinLnBrk="0" hangingPunct="0">
+              <a:lnSpc>
+                <a:spcPct val="100000"/>
+              </a:lnSpc>
+              <a:spcBef>
+                <a:spcPct val="0"/>
+              </a:spcBef>
+              <a:spcAft>
+                <a:spcPct val="0"/>
+              </a:spcAft>
+              <a:buClrTx/>
+              <a:buSzTx/>
+              <a:buFontTx/>
+              <a:buNone/>
+              <a:tabLst/>
+            </a:pPr>
+            <a:r>
+              <a:rPr lang="en-US" sz="1200" baseline="0" dirty="0">
+                <a:solidFill>
+                  <a:schemeClr val="tx2"/>
+                </a:solidFill>
+                <a:latin typeface="Arial" charset="0"/>
+                <a:ea typeface="ＭＳ Ｐゴシック" charset="-128"/>
+                <a:cs typeface="ＭＳ Ｐゴシック" charset="-128"/>
+              </a:rPr>
+              <a:t>(Kafka,</a:t>
+            </a:r>
+            <a:r>
+              <a:rPr lang="en-US" sz="1200" dirty="0">
+                <a:solidFill>
+                  <a:schemeClr val="tx2"/>
+                </a:solidFill>
+                <a:latin typeface="Arial" charset="0"/>
+                <a:ea typeface="ＭＳ Ｐゴシック" charset="-128"/>
+                <a:cs typeface="ＭＳ Ｐゴシック" charset="-128"/>
+              </a:rPr>
+              <a:t> Spark, …)</a:t>
+            </a:r>
+            <a:endParaRPr kumimoji="0" lang="de-DE" sz="1200" b="0" i="0" u="none" strike="noStrike" cap="none" normalizeH="0" baseline="0" dirty="0">
+              <a:ln>
+                <a:noFill/>
+              </a:ln>
+              <a:solidFill>
+                <a:schemeClr val="tx2"/>
+              </a:solidFill>
+              <a:effectLst/>
+              <a:latin typeface="Arial" charset="0"/>
+              <a:ea typeface="ＭＳ Ｐゴシック" charset="-128"/>
+              <a:cs typeface="ＭＳ Ｐゴシック" charset="-128"/>
+            </a:endParaRPr>
+          </a:p>
+        </p:txBody>
+      </p:sp>
+      <p:cxnSp>
+        <p:nvCxnSpPr>
+          <p:cNvPr id="26" name="Gewinkelter Verbinder 25"/>
+          <p:cNvCxnSpPr>
+            <a:stCxn id="16" idx="3"/>
+            <a:endCxn id="24" idx="1"/>
+          </p:cNvCxnSpPr>
+          <p:nvPr/>
+        </p:nvCxnSpPr>
+        <p:spPr bwMode="auto">
+          <a:xfrm flipV="1">
+            <a:off x="3032321" y="2491474"/>
+            <a:ext cx="912787" cy="1205622"/>
+          </a:xfrm>
+          <a:prstGeom prst="bentConnector3">
+            <a:avLst/>
+          </a:prstGeom>
+          <a:solidFill>
+            <a:schemeClr val="accent1"/>
+          </a:solidFill>
+          <a:ln w="9525" cap="flat" cmpd="sng" algn="ctr">
+            <a:solidFill>
+              <a:schemeClr val="tx1"/>
+            </a:solidFill>
+            <a:prstDash val="solid"/>
+            <a:round/>
+            <a:headEnd type="none" w="med" len="med"/>
+            <a:tailEnd type="triangle"/>
+          </a:ln>
+          <a:effectLst/>
+        </p:spPr>
+      </p:cxnSp>
+      <p:sp>
+        <p:nvSpPr>
+          <p:cNvPr id="28" name="Rechteck 27"/>
+          <p:cNvSpPr/>
+          <p:nvPr/>
+        </p:nvSpPr>
+        <p:spPr bwMode="auto">
+          <a:xfrm>
+            <a:off x="6265691" y="5133007"/>
+            <a:ext cx="1066800" cy="808253"/>
+          </a:xfrm>
+          <a:prstGeom prst="rect">
+            <a:avLst/>
+          </a:prstGeom>
+          <a:ln>
+            <a:headEnd type="none" w="med" len="med"/>
+            <a:tailEnd type="none" w="med" len="med"/>
+          </a:ln>
+        </p:spPr>
+        <p:style>
+          <a:lnRef idx="1">
+            <a:schemeClr val="accent2"/>
+          </a:lnRef>
+          <a:fillRef idx="2">
+            <a:schemeClr val="accent2"/>
+          </a:fillRef>
+          <a:effectRef idx="1">
+            <a:schemeClr val="accent2"/>
+          </a:effectRef>
+          <a:fontRef idx="minor">
+            <a:schemeClr val="dk1"/>
+          </a:fontRef>
+        </p:style>
+        <p:txBody>
+          <a:bodyPr vert="horz" wrap="square" lIns="91440" tIns="45720" rIns="91440" bIns="45720" numCol="1" rtlCol="0" anchor="t" anchorCtr="0" compatLnSpc="1">
+            <a:prstTxWarp prst="textNoShape">
+              <a:avLst/>
+            </a:prstTxWarp>
+          </a:bodyPr>
+          <a:lstStyle/>
+          <a:p>
+            <a:pPr marL="0" marR="0" indent="0" algn="ctr" defTabSz="914400" rtl="0" eaLnBrk="0" fontAlgn="base" latinLnBrk="0" hangingPunct="0">
+              <a:lnSpc>
+                <a:spcPct val="100000"/>
+              </a:lnSpc>
+              <a:spcBef>
+                <a:spcPct val="0"/>
+              </a:spcBef>
+              <a:spcAft>
+                <a:spcPct val="0"/>
+              </a:spcAft>
+              <a:buClrTx/>
+              <a:buSzTx/>
+              <a:buFontTx/>
+              <a:buNone/>
+              <a:tabLst/>
+            </a:pPr>
+            <a:r>
+              <a:rPr kumimoji="0" lang="en-US" sz="1200" b="0" i="0" u="none" strike="noStrike" cap="none" normalizeH="0" baseline="0" dirty="0">
+                <a:ln>
+                  <a:noFill/>
+                </a:ln>
+                <a:solidFill>
+                  <a:schemeClr val="tx2"/>
+                </a:solidFill>
+                <a:effectLst/>
+                <a:latin typeface="Arial" charset="0"/>
+                <a:ea typeface="ＭＳ Ｐゴシック" charset="-128"/>
+                <a:cs typeface="ＭＳ Ｐゴシック" charset="-128"/>
+              </a:rPr>
+              <a:t>Views via Map and Reduce</a:t>
+            </a:r>
+          </a:p>
+          <a:p>
+            <a:pPr marL="0" marR="0" indent="0" algn="ctr" defTabSz="914400" rtl="0" eaLnBrk="0" fontAlgn="base" latinLnBrk="0" hangingPunct="0">
+              <a:lnSpc>
+                <a:spcPct val="100000"/>
+              </a:lnSpc>
+              <a:spcBef>
+                <a:spcPct val="0"/>
+              </a:spcBef>
+              <a:spcAft>
+                <a:spcPct val="0"/>
+              </a:spcAft>
+              <a:buClrTx/>
+              <a:buSzTx/>
+              <a:buFontTx/>
+              <a:buNone/>
+              <a:tabLst/>
+            </a:pPr>
+            <a:r>
+              <a:rPr lang="en-US" sz="1200" dirty="0">
+                <a:solidFill>
+                  <a:schemeClr val="tx2"/>
+                </a:solidFill>
+                <a:latin typeface="Arial" charset="0"/>
+                <a:ea typeface="ＭＳ Ｐゴシック" charset="-128"/>
+                <a:cs typeface="ＭＳ Ｐゴシック" charset="-128"/>
+              </a:rPr>
+              <a:t>(</a:t>
+            </a:r>
+            <a:r>
+              <a:rPr lang="en-US" sz="1200" dirty="0" err="1">
+                <a:solidFill>
+                  <a:schemeClr val="tx2"/>
+                </a:solidFill>
+                <a:latin typeface="Arial" charset="0"/>
+                <a:ea typeface="ＭＳ Ｐゴシック" charset="-128"/>
+                <a:cs typeface="ＭＳ Ｐゴシック" charset="-128"/>
+              </a:rPr>
+              <a:t>Haddop</a:t>
+            </a:r>
+            <a:r>
+              <a:rPr lang="en-US" sz="1200" dirty="0">
+                <a:solidFill>
+                  <a:schemeClr val="tx2"/>
+                </a:solidFill>
+                <a:latin typeface="Arial" charset="0"/>
+                <a:ea typeface="ＭＳ Ｐゴシック" charset="-128"/>
+                <a:cs typeface="ＭＳ Ｐゴシック" charset="-128"/>
+              </a:rPr>
+              <a:t>)</a:t>
+            </a:r>
+            <a:endParaRPr kumimoji="0" lang="de-DE" sz="1200" b="0" i="0" u="none" strike="noStrike" cap="none" normalizeH="0" baseline="0" dirty="0">
+              <a:ln>
+                <a:noFill/>
+              </a:ln>
+              <a:solidFill>
+                <a:schemeClr val="tx2"/>
+              </a:solidFill>
+              <a:effectLst/>
+              <a:latin typeface="Arial" charset="0"/>
+              <a:ea typeface="ＭＳ Ｐゴシック" charset="-128"/>
+              <a:cs typeface="ＭＳ Ｐゴシック" charset="-128"/>
+            </a:endParaRPr>
+          </a:p>
+        </p:txBody>
+      </p:sp>
+      <p:cxnSp>
+        <p:nvCxnSpPr>
+          <p:cNvPr id="30" name="Gerade Verbindung mit Pfeil 29"/>
+          <p:cNvCxnSpPr>
+            <a:stCxn id="28" idx="1"/>
+            <a:endCxn id="18" idx="3"/>
+          </p:cNvCxnSpPr>
+          <p:nvPr/>
+        </p:nvCxnSpPr>
+        <p:spPr bwMode="auto">
+          <a:xfrm flipH="1">
+            <a:off x="5405511" y="5537134"/>
+            <a:ext cx="860180" cy="1"/>
+          </a:xfrm>
+          <a:prstGeom prst="straightConnector1">
+            <a:avLst/>
+          </a:prstGeom>
+          <a:solidFill>
+            <a:schemeClr val="accent1"/>
+          </a:solidFill>
+          <a:ln w="9525" cap="flat" cmpd="sng" algn="ctr">
+            <a:solidFill>
+              <a:schemeClr val="tx1"/>
+            </a:solidFill>
+            <a:prstDash val="solid"/>
+            <a:round/>
+            <a:headEnd type="none" w="med" len="med"/>
+            <a:tailEnd type="triangle"/>
+          </a:ln>
+          <a:effectLst/>
+        </p:spPr>
+      </p:cxnSp>
+      <p:cxnSp>
+        <p:nvCxnSpPr>
+          <p:cNvPr id="32" name="Gerade Verbindung mit Pfeil 31"/>
+          <p:cNvCxnSpPr>
+            <a:stCxn id="28" idx="0"/>
+            <a:endCxn id="23" idx="2"/>
+          </p:cNvCxnSpPr>
+          <p:nvPr/>
+        </p:nvCxnSpPr>
+        <p:spPr bwMode="auto">
+          <a:xfrm flipV="1">
+            <a:off x="6799091" y="3627653"/>
+            <a:ext cx="0" cy="1505354"/>
+          </a:xfrm>
+          <a:prstGeom prst="straightConnector1">
+            <a:avLst/>
+          </a:prstGeom>
+          <a:solidFill>
+            <a:schemeClr val="accent1"/>
+          </a:solidFill>
+          <a:ln w="9525" cap="flat" cmpd="sng" algn="ctr">
+            <a:solidFill>
+              <a:schemeClr val="tx1"/>
+            </a:solidFill>
+            <a:prstDash val="solid"/>
+            <a:round/>
+            <a:headEnd type="none" w="med" len="med"/>
+            <a:tailEnd type="triangle"/>
+          </a:ln>
+          <a:effectLst/>
+        </p:spPr>
+      </p:cxnSp>
+      <p:cxnSp>
+        <p:nvCxnSpPr>
+          <p:cNvPr id="40" name="Gewinkelter Verbinder 39"/>
+          <p:cNvCxnSpPr>
+            <a:endCxn id="23" idx="0"/>
+          </p:cNvCxnSpPr>
+          <p:nvPr/>
+        </p:nvCxnSpPr>
+        <p:spPr bwMode="auto">
+          <a:xfrm>
+            <a:off x="5867400" y="2514600"/>
+            <a:ext cx="931691" cy="609600"/>
+          </a:xfrm>
+          <a:prstGeom prst="bentConnector2">
+            <a:avLst/>
+          </a:prstGeom>
+          <a:solidFill>
+            <a:schemeClr val="accent1"/>
+          </a:solidFill>
+          <a:ln w="9525" cap="flat" cmpd="sng" algn="ctr">
+            <a:solidFill>
+              <a:schemeClr val="tx1"/>
+            </a:solidFill>
+            <a:prstDash val="solid"/>
+            <a:round/>
+            <a:headEnd type="none" w="med" len="med"/>
+            <a:tailEnd type="triangle"/>
+          </a:ln>
+          <a:effectLst/>
+        </p:spPr>
+      </p:cxnSp>
+      <p:cxnSp>
+        <p:nvCxnSpPr>
+          <p:cNvPr id="42" name="Gerade Verbindung mit Pfeil 41"/>
+          <p:cNvCxnSpPr>
+            <a:stCxn id="22" idx="1"/>
+            <a:endCxn id="23" idx="3"/>
+          </p:cNvCxnSpPr>
+          <p:nvPr/>
+        </p:nvCxnSpPr>
+        <p:spPr bwMode="auto">
+          <a:xfrm flipH="1" flipV="1">
+            <a:off x="7256291" y="3375927"/>
+            <a:ext cx="512005" cy="14973"/>
+          </a:xfrm>
+          <a:prstGeom prst="straightConnector1">
+            <a:avLst/>
+          </a:prstGeom>
+          <a:solidFill>
+            <a:schemeClr val="accent1"/>
+          </a:solidFill>
+          <a:ln w="9525" cap="flat" cmpd="sng" algn="ctr">
+            <a:solidFill>
+              <a:schemeClr val="tx1"/>
+            </a:solidFill>
+            <a:prstDash val="solid"/>
+            <a:round/>
+            <a:headEnd type="none" w="med" len="med"/>
+            <a:tailEnd type="triangle"/>
+          </a:ln>
+          <a:effectLst/>
+        </p:spPr>
+      </p:cxnSp>
+      <p:sp>
+        <p:nvSpPr>
+          <p:cNvPr id="59" name="Rechteck 58"/>
+          <p:cNvSpPr/>
+          <p:nvPr/>
+        </p:nvSpPr>
+        <p:spPr bwMode="auto">
+          <a:xfrm>
+            <a:off x="4798256" y="3786873"/>
+            <a:ext cx="1295400" cy="632727"/>
+          </a:xfrm>
+          <a:prstGeom prst="rect">
+            <a:avLst/>
+          </a:prstGeom>
+          <a:ln>
+            <a:headEnd type="none" w="med" len="med"/>
+            <a:tailEnd type="none" w="med" len="med"/>
+          </a:ln>
+        </p:spPr>
+        <p:style>
+          <a:lnRef idx="2">
+            <a:schemeClr val="accent3"/>
+          </a:lnRef>
+          <a:fillRef idx="1">
+            <a:schemeClr val="lt1"/>
+          </a:fillRef>
+          <a:effectRef idx="0">
+            <a:schemeClr val="accent3"/>
+          </a:effectRef>
+          <a:fontRef idx="minor">
+            <a:schemeClr val="dk1"/>
+          </a:fontRef>
+        </p:style>
+        <p:txBody>
+          <a:bodyPr vert="horz" wrap="square" lIns="91440" tIns="45720" rIns="91440" bIns="45720" numCol="1" rtlCol="0" anchor="t" anchorCtr="0" compatLnSpc="1">
+            <a:prstTxWarp prst="textNoShape">
+              <a:avLst/>
+            </a:prstTxWarp>
+          </a:bodyPr>
+          <a:lstStyle/>
+          <a:p>
+            <a:pPr marL="0" marR="0" indent="0" algn="ctr" defTabSz="914400" rtl="0" eaLnBrk="0" fontAlgn="base" latinLnBrk="0" hangingPunct="0">
+              <a:lnSpc>
+                <a:spcPct val="100000"/>
+              </a:lnSpc>
+              <a:spcBef>
+                <a:spcPct val="0"/>
+              </a:spcBef>
+              <a:spcAft>
+                <a:spcPct val="0"/>
+              </a:spcAft>
+              <a:buClrTx/>
+              <a:buSzTx/>
+              <a:buFontTx/>
+              <a:buNone/>
+              <a:tabLst/>
+            </a:pPr>
+            <a:r>
+              <a:rPr kumimoji="0" lang="en-US" sz="1200" b="0" i="0" u="none" strike="noStrike" cap="none" normalizeH="0" baseline="0" dirty="0">
+                <a:ln>
+                  <a:noFill/>
+                </a:ln>
+                <a:solidFill>
+                  <a:schemeClr val="tx2"/>
+                </a:solidFill>
+                <a:effectLst/>
+                <a:latin typeface="Arial" charset="0"/>
+                <a:ea typeface="ＭＳ Ｐゴシック" charset="-128"/>
+                <a:cs typeface="ＭＳ Ｐゴシック" charset="-128"/>
+              </a:rPr>
+              <a:t>Data</a:t>
+            </a:r>
+            <a:r>
+              <a:rPr kumimoji="0" lang="en-US" sz="1200" b="0" i="0" u="none" strike="noStrike" cap="none" normalizeH="0" dirty="0">
+                <a:ln>
+                  <a:noFill/>
+                </a:ln>
+                <a:solidFill>
+                  <a:schemeClr val="tx2"/>
+                </a:solidFill>
+                <a:effectLst/>
+                <a:latin typeface="Arial" charset="0"/>
+                <a:ea typeface="ＭＳ Ｐゴシック" charset="-128"/>
+                <a:cs typeface="ＭＳ Ｐゴシック" charset="-128"/>
+              </a:rPr>
+              <a:t> Analytics</a:t>
+            </a:r>
+          </a:p>
+          <a:p>
+            <a:pPr marL="0" marR="0" indent="0" algn="ctr" defTabSz="914400" rtl="0" eaLnBrk="0" fontAlgn="base" latinLnBrk="0" hangingPunct="0">
+              <a:lnSpc>
+                <a:spcPct val="100000"/>
+              </a:lnSpc>
+              <a:spcBef>
+                <a:spcPct val="0"/>
+              </a:spcBef>
+              <a:spcAft>
+                <a:spcPct val="0"/>
+              </a:spcAft>
+              <a:buClrTx/>
+              <a:buSzTx/>
+              <a:buFontTx/>
+              <a:buNone/>
+              <a:tabLst/>
+            </a:pPr>
+            <a:r>
+              <a:rPr lang="en-US" sz="1200" baseline="0" dirty="0">
+                <a:solidFill>
+                  <a:schemeClr val="tx2"/>
+                </a:solidFill>
+                <a:latin typeface="Arial" charset="0"/>
+                <a:ea typeface="ＭＳ Ｐゴシック" charset="-128"/>
+                <a:cs typeface="ＭＳ Ｐゴシック" charset="-128"/>
+              </a:rPr>
+              <a:t>(Exploration, ML,…)</a:t>
+            </a:r>
+            <a:endParaRPr kumimoji="0" lang="de-DE" sz="1200" b="0" i="0" u="none" strike="noStrike" cap="none" normalizeH="0" baseline="0" dirty="0">
+              <a:ln>
+                <a:noFill/>
+              </a:ln>
+              <a:solidFill>
+                <a:schemeClr val="tx2"/>
+              </a:solidFill>
+              <a:effectLst/>
+              <a:latin typeface="Arial" charset="0"/>
+              <a:ea typeface="ＭＳ Ｐゴシック" charset="-128"/>
+              <a:cs typeface="ＭＳ Ｐゴシック" charset="-128"/>
+            </a:endParaRPr>
+          </a:p>
+        </p:txBody>
+      </p:sp>
+      <p:cxnSp>
+        <p:nvCxnSpPr>
+          <p:cNvPr id="61" name="Gewinkelter Verbinder 60"/>
+          <p:cNvCxnSpPr>
+            <a:stCxn id="59" idx="0"/>
+            <a:endCxn id="24" idx="2"/>
+          </p:cNvCxnSpPr>
+          <p:nvPr/>
+        </p:nvCxnSpPr>
+        <p:spPr bwMode="auto">
+          <a:xfrm rot="16200000" flipV="1">
+            <a:off x="4636392" y="2977308"/>
+            <a:ext cx="1043673" cy="575457"/>
+          </a:xfrm>
+          <a:prstGeom prst="bentConnector3">
+            <a:avLst/>
+          </a:prstGeom>
+          <a:solidFill>
+            <a:schemeClr val="accent1"/>
+          </a:solidFill>
+          <a:ln w="9525" cap="flat" cmpd="sng" algn="ctr">
+            <a:solidFill>
+              <a:schemeClr val="tx1"/>
+            </a:solidFill>
+            <a:prstDash val="dash"/>
+            <a:round/>
+            <a:headEnd type="none" w="med" len="med"/>
+            <a:tailEnd type="triangle"/>
+          </a:ln>
+          <a:effectLst/>
+        </p:spPr>
+      </p:cxnSp>
+      <p:cxnSp>
+        <p:nvCxnSpPr>
+          <p:cNvPr id="63" name="Gewinkelter Verbinder 62"/>
+          <p:cNvCxnSpPr>
+            <a:stCxn id="59" idx="2"/>
+            <a:endCxn id="28" idx="0"/>
+          </p:cNvCxnSpPr>
+          <p:nvPr/>
+        </p:nvCxnSpPr>
+        <p:spPr bwMode="auto">
+          <a:xfrm rot="16200000" flipH="1">
+            <a:off x="5765820" y="4099735"/>
+            <a:ext cx="713407" cy="1353135"/>
+          </a:xfrm>
+          <a:prstGeom prst="bentConnector3">
+            <a:avLst>
+              <a:gd name="adj1" fmla="val 32910"/>
+            </a:avLst>
+          </a:prstGeom>
+          <a:solidFill>
+            <a:schemeClr val="accent1"/>
+          </a:solidFill>
+          <a:ln w="9525" cap="flat" cmpd="sng" algn="ctr">
+            <a:solidFill>
+              <a:schemeClr val="tx1"/>
+            </a:solidFill>
+            <a:prstDash val="dash"/>
+            <a:round/>
+            <a:headEnd type="none" w="med" len="med"/>
+            <a:tailEnd type="triangle"/>
+          </a:ln>
+          <a:effectLst/>
+        </p:spPr>
+      </p:cxnSp>
+      <p:cxnSp>
+        <p:nvCxnSpPr>
+          <p:cNvPr id="65" name="Gewinkelter Verbinder 64"/>
+          <p:cNvCxnSpPr>
+            <a:stCxn id="59" idx="0"/>
+            <a:endCxn id="23" idx="1"/>
+          </p:cNvCxnSpPr>
+          <p:nvPr/>
+        </p:nvCxnSpPr>
+        <p:spPr bwMode="auto">
+          <a:xfrm rot="5400000" flipH="1" flipV="1">
+            <a:off x="5688450" y="3133433"/>
+            <a:ext cx="410946" cy="895935"/>
+          </a:xfrm>
+          <a:prstGeom prst="bentConnector2">
+            <a:avLst/>
+          </a:prstGeom>
+          <a:solidFill>
+            <a:schemeClr val="accent1"/>
+          </a:solidFill>
+          <a:ln w="9525" cap="flat" cmpd="sng" algn="ctr">
+            <a:solidFill>
+              <a:schemeClr val="tx1"/>
+            </a:solidFill>
+            <a:prstDash val="dash"/>
+            <a:round/>
+            <a:headEnd type="none" w="med" len="med"/>
+            <a:tailEnd type="triangle"/>
+          </a:ln>
+          <a:effectLst/>
+        </p:spPr>
+      </p:cxnSp>
+      <p:sp>
+        <p:nvSpPr>
+          <p:cNvPr id="69" name="Textfeld 68"/>
+          <p:cNvSpPr txBox="1"/>
+          <p:nvPr/>
+        </p:nvSpPr>
+        <p:spPr>
+          <a:xfrm>
+            <a:off x="5095717" y="6221947"/>
+            <a:ext cx="1003801" cy="276999"/>
+          </a:xfrm>
+          <a:prstGeom prst="rect">
+            <a:avLst/>
+          </a:prstGeom>
+          <a:noFill/>
+        </p:spPr>
+        <p:txBody>
+          <a:bodyPr wrap="none" rtlCol="0">
+            <a:spAutoFit/>
+          </a:bodyPr>
+          <a:lstStyle/>
+          <a:p>
+            <a:r>
+              <a:rPr lang="en-US" sz="1200" dirty="0"/>
+              <a:t>Batch Layer</a:t>
+            </a:r>
+            <a:endParaRPr lang="de-DE" sz="1200" dirty="0"/>
+          </a:p>
+        </p:txBody>
+      </p:sp>
+      <p:sp>
+        <p:nvSpPr>
+          <p:cNvPr id="71" name="Textfeld 70"/>
+          <p:cNvSpPr txBox="1"/>
+          <p:nvPr/>
+        </p:nvSpPr>
+        <p:spPr>
+          <a:xfrm>
+            <a:off x="5060699" y="1781388"/>
+            <a:ext cx="1053494" cy="276999"/>
+          </a:xfrm>
+          <a:prstGeom prst="rect">
+            <a:avLst/>
+          </a:prstGeom>
+          <a:noFill/>
+        </p:spPr>
+        <p:txBody>
+          <a:bodyPr wrap="none" rtlCol="0">
+            <a:spAutoFit/>
+          </a:bodyPr>
+          <a:lstStyle/>
+          <a:p>
+            <a:r>
+              <a:rPr lang="en-US" sz="1200" dirty="0"/>
+              <a:t>Speed Layer</a:t>
+            </a:r>
+            <a:endParaRPr lang="de-DE" sz="1200" dirty="0"/>
+          </a:p>
+        </p:txBody>
+      </p:sp>
+      <p:cxnSp>
+        <p:nvCxnSpPr>
+          <p:cNvPr id="73" name="Gerade Verbindung mit Pfeil 72"/>
+          <p:cNvCxnSpPr>
+            <a:stCxn id="5" idx="3"/>
+            <a:endCxn id="16" idx="1"/>
+          </p:cNvCxnSpPr>
+          <p:nvPr/>
+        </p:nvCxnSpPr>
+        <p:spPr bwMode="auto">
+          <a:xfrm>
+            <a:off x="914400" y="1981200"/>
+            <a:ext cx="1127321" cy="1715896"/>
+          </a:xfrm>
+          <a:prstGeom prst="straightConnector1">
+            <a:avLst/>
+          </a:prstGeom>
+          <a:solidFill>
+            <a:schemeClr val="accent1"/>
+          </a:solidFill>
+          <a:ln w="9525" cap="flat" cmpd="sng" algn="ctr">
+            <a:solidFill>
+              <a:schemeClr val="tx1"/>
+            </a:solidFill>
+            <a:prstDash val="solid"/>
+            <a:round/>
+            <a:headEnd type="none" w="med" len="med"/>
+            <a:tailEnd type="triangle"/>
+          </a:ln>
+          <a:effectLst/>
+        </p:spPr>
+      </p:cxnSp>
+      <p:cxnSp>
+        <p:nvCxnSpPr>
+          <p:cNvPr id="75" name="Gerade Verbindung mit Pfeil 74"/>
+          <p:cNvCxnSpPr>
+            <a:stCxn id="10" idx="3"/>
+            <a:endCxn id="16" idx="1"/>
+          </p:cNvCxnSpPr>
+          <p:nvPr/>
+        </p:nvCxnSpPr>
+        <p:spPr bwMode="auto">
+          <a:xfrm>
+            <a:off x="939898" y="2746718"/>
+            <a:ext cx="1101823" cy="950378"/>
+          </a:xfrm>
+          <a:prstGeom prst="straightConnector1">
+            <a:avLst/>
+          </a:prstGeom>
+          <a:solidFill>
+            <a:schemeClr val="accent1"/>
+          </a:solidFill>
+          <a:ln w="9525" cap="flat" cmpd="sng" algn="ctr">
+            <a:solidFill>
+              <a:schemeClr val="tx1"/>
+            </a:solidFill>
+            <a:prstDash val="solid"/>
+            <a:round/>
+            <a:headEnd type="none" w="med" len="med"/>
+            <a:tailEnd type="triangle"/>
+          </a:ln>
+          <a:effectLst/>
+        </p:spPr>
+      </p:cxnSp>
+      <p:cxnSp>
+        <p:nvCxnSpPr>
+          <p:cNvPr id="78" name="Gerade Verbindung mit Pfeil 77"/>
+          <p:cNvCxnSpPr>
+            <a:stCxn id="11" idx="3"/>
+            <a:endCxn id="16" idx="1"/>
+          </p:cNvCxnSpPr>
+          <p:nvPr/>
+        </p:nvCxnSpPr>
+        <p:spPr bwMode="auto">
+          <a:xfrm>
+            <a:off x="939898" y="3512236"/>
+            <a:ext cx="1101823" cy="184860"/>
+          </a:xfrm>
+          <a:prstGeom prst="straightConnector1">
+            <a:avLst/>
+          </a:prstGeom>
+          <a:solidFill>
+            <a:schemeClr val="accent1"/>
+          </a:solidFill>
+          <a:ln w="9525" cap="flat" cmpd="sng" algn="ctr">
+            <a:solidFill>
+              <a:schemeClr val="tx1"/>
+            </a:solidFill>
+            <a:prstDash val="solid"/>
+            <a:round/>
+            <a:headEnd type="none" w="med" len="med"/>
+            <a:tailEnd type="triangle"/>
+          </a:ln>
+          <a:effectLst/>
+        </p:spPr>
+      </p:cxnSp>
+      <p:cxnSp>
+        <p:nvCxnSpPr>
+          <p:cNvPr id="80" name="Gerade Verbindung mit Pfeil 79"/>
+          <p:cNvCxnSpPr>
+            <a:stCxn id="12" idx="3"/>
+            <a:endCxn id="16" idx="1"/>
+          </p:cNvCxnSpPr>
+          <p:nvPr/>
+        </p:nvCxnSpPr>
+        <p:spPr bwMode="auto">
+          <a:xfrm flipV="1">
+            <a:off x="939898" y="3697096"/>
+            <a:ext cx="1101823" cy="579485"/>
+          </a:xfrm>
+          <a:prstGeom prst="straightConnector1">
+            <a:avLst/>
+          </a:prstGeom>
+          <a:solidFill>
+            <a:schemeClr val="accent1"/>
+          </a:solidFill>
+          <a:ln w="9525" cap="flat" cmpd="sng" algn="ctr">
+            <a:solidFill>
+              <a:schemeClr val="tx1"/>
+            </a:solidFill>
+            <a:prstDash val="solid"/>
+            <a:round/>
+            <a:headEnd type="none" w="med" len="med"/>
+            <a:tailEnd type="triangle"/>
+          </a:ln>
+          <a:effectLst/>
+        </p:spPr>
+      </p:cxnSp>
+      <p:cxnSp>
+        <p:nvCxnSpPr>
+          <p:cNvPr id="82" name="Gerade Verbindung mit Pfeil 81"/>
+          <p:cNvCxnSpPr>
+            <a:stCxn id="13" idx="3"/>
+            <a:endCxn id="16" idx="1"/>
+          </p:cNvCxnSpPr>
+          <p:nvPr/>
+        </p:nvCxnSpPr>
+        <p:spPr bwMode="auto">
+          <a:xfrm flipV="1">
+            <a:off x="939898" y="3697096"/>
+            <a:ext cx="1101823" cy="1341485"/>
+          </a:xfrm>
+          <a:prstGeom prst="straightConnector1">
+            <a:avLst/>
+          </a:prstGeom>
+          <a:solidFill>
+            <a:schemeClr val="accent1"/>
+          </a:solidFill>
+          <a:ln w="9525" cap="flat" cmpd="sng" algn="ctr">
+            <a:solidFill>
+              <a:schemeClr val="tx1"/>
+            </a:solidFill>
+            <a:prstDash val="solid"/>
+            <a:round/>
+            <a:headEnd type="none" w="med" len="med"/>
+            <a:tailEnd type="triangle"/>
+          </a:ln>
+          <a:effectLst/>
+        </p:spPr>
+      </p:cxnSp>
+      <p:cxnSp>
+        <p:nvCxnSpPr>
+          <p:cNvPr id="84" name="Gerade Verbindung mit Pfeil 83"/>
+          <p:cNvCxnSpPr>
+            <a:stCxn id="14" idx="3"/>
+            <a:endCxn id="16" idx="1"/>
+          </p:cNvCxnSpPr>
+          <p:nvPr/>
+        </p:nvCxnSpPr>
+        <p:spPr bwMode="auto">
+          <a:xfrm flipV="1">
+            <a:off x="939898" y="3697096"/>
+            <a:ext cx="1101823" cy="2105830"/>
+          </a:xfrm>
+          <a:prstGeom prst="straightConnector1">
+            <a:avLst/>
+          </a:prstGeom>
+          <a:solidFill>
+            <a:schemeClr val="accent1"/>
+          </a:solidFill>
+          <a:ln w="9525" cap="flat" cmpd="sng" algn="ctr">
+            <a:solidFill>
+              <a:schemeClr val="tx1"/>
+            </a:solidFill>
+            <a:prstDash val="solid"/>
+            <a:round/>
+            <a:headEnd type="none" w="med" len="med"/>
+            <a:tailEnd type="triangle"/>
+          </a:ln>
+          <a:effectLst/>
+        </p:spPr>
+      </p:cxnSp>
+      <p:sp>
+        <p:nvSpPr>
+          <p:cNvPr id="85" name="Geschweifte Klammer rechts 84"/>
+          <p:cNvSpPr/>
+          <p:nvPr/>
+        </p:nvSpPr>
+        <p:spPr bwMode="auto">
+          <a:xfrm rot="16200000">
+            <a:off x="1461867" y="74506"/>
+            <a:ext cx="228600" cy="3096065"/>
+          </a:xfrm>
+          <a:prstGeom prst="rightBrace">
+            <a:avLst>
+              <a:gd name="adj1" fmla="val 42179"/>
+              <a:gd name="adj2" fmla="val 50000"/>
+            </a:avLst>
+          </a:prstGeom>
+          <a:ln>
+            <a:headEnd type="none" w="med" len="med"/>
+            <a:tailEnd type="none" w="med" len="med"/>
+          </a:ln>
+        </p:spPr>
+        <p:style>
+          <a:lnRef idx="2">
+            <a:schemeClr val="dk1"/>
+          </a:lnRef>
+          <a:fillRef idx="0">
+            <a:schemeClr val="dk1"/>
+          </a:fillRef>
+          <a:effectRef idx="1">
+            <a:schemeClr val="dk1"/>
+          </a:effectRef>
+          <a:fontRef idx="minor">
+            <a:schemeClr val="tx1"/>
+          </a:fontRef>
+        </p:style>
+        <p:txBody>
+          <a:bodyPr vert="horz" wrap="square" lIns="91440" tIns="45720" rIns="91440" bIns="45720" numCol="1" rtlCol="0" anchor="t" anchorCtr="0" compatLnSpc="1">
+            <a:prstTxWarp prst="textNoShape">
+              <a:avLst/>
+            </a:prstTxWarp>
+          </a:bodyPr>
+          <a:lstStyle/>
+          <a:p>
+            <a:pPr marL="0" marR="0" indent="0" algn="l" defTabSz="914400" rtl="0" eaLnBrk="0" fontAlgn="base" latinLnBrk="0" hangingPunct="0">
+              <a:lnSpc>
+                <a:spcPct val="100000"/>
+              </a:lnSpc>
+              <a:spcBef>
+                <a:spcPct val="0"/>
+              </a:spcBef>
+              <a:spcAft>
+                <a:spcPct val="0"/>
+              </a:spcAft>
+              <a:buClrTx/>
+              <a:buSzTx/>
+              <a:buFontTx/>
+              <a:buNone/>
+              <a:tabLst/>
+            </a:pPr>
+            <a:endParaRPr kumimoji="0" lang="de-DE" sz="2400" b="0" i="0" u="none" strike="noStrike" cap="none" normalizeH="0" baseline="0">
+              <a:ln>
+                <a:noFill/>
+              </a:ln>
+              <a:solidFill>
+                <a:schemeClr val="tx1"/>
+              </a:solidFill>
+              <a:effectLst/>
+              <a:latin typeface="Arial" charset="0"/>
+              <a:ea typeface="ＭＳ Ｐゴシック" charset="-128"/>
+              <a:cs typeface="ＭＳ Ｐゴシック" charset="-128"/>
+            </a:endParaRPr>
+          </a:p>
+        </p:txBody>
+      </p:sp>
+      <p:sp>
+        <p:nvSpPr>
+          <p:cNvPr id="94" name="Textfeld 93"/>
+          <p:cNvSpPr txBox="1"/>
+          <p:nvPr/>
+        </p:nvSpPr>
+        <p:spPr>
+          <a:xfrm>
+            <a:off x="1066800" y="1184231"/>
+            <a:ext cx="1160895" cy="307777"/>
+          </a:xfrm>
+          <a:prstGeom prst="rect">
+            <a:avLst/>
+          </a:prstGeom>
+          <a:noFill/>
+        </p:spPr>
+        <p:txBody>
+          <a:bodyPr wrap="none" rtlCol="0">
+            <a:spAutoFit/>
+          </a:bodyPr>
+          <a:lstStyle/>
+          <a:p>
+            <a:r>
+              <a:rPr lang="en-US" sz="1400" dirty="0"/>
+              <a:t>Connectivity</a:t>
+            </a:r>
+            <a:endParaRPr lang="de-DE" sz="1400" dirty="0"/>
+          </a:p>
+        </p:txBody>
+      </p:sp>
+    </p:spTree>
+    <p:extLst>
+      <p:ext uri="{BB962C8B-B14F-4D97-AF65-F5344CB8AC3E}">
+        <p14:creationId xmlns:p14="http://schemas.microsoft.com/office/powerpoint/2010/main" val="480158475"/>
+      </p:ext>
+    </p:extLst>
+  </p:cSld>
+  <p:clrMapOvr>
+    <a:masterClrMapping/>
+  </p:clrMapOvr>
+</p:sld>
+</file>
+
+<file path=ppt/slides/slide7.xml><?xml version="1.0" encoding="utf-8"?>
+<p:sld xmlns:a="http://schemas.openxmlformats.org/drawingml/2006/main" xmlns:r="http://schemas.openxmlformats.org/officeDocument/2006/relationships" xmlns:p="http://schemas.openxmlformats.org/presentationml/2006/main">
+  <p:cSld>
+    <p:spTree>
+      <p:nvGrpSpPr>
+        <p:cNvPr id="1" name=""/>
+        <p:cNvGrpSpPr/>
+        <p:nvPr/>
+      </p:nvGrpSpPr>
+      <p:grpSpPr>
+        <a:xfrm>
+          <a:off x="0" y="0"/>
+          <a:ext cx="0" cy="0"/>
+          <a:chOff x="0" y="0"/>
+          <a:chExt cx="0" cy="0"/>
+        </a:xfrm>
+      </p:grpSpPr>
       <p:pic>
         <p:nvPicPr>
-          <p:cNvPr id="7" name="Picture 6">
-            <a:extLst>
-              <a:ext uri="{FF2B5EF4-FFF2-40B4-BE49-F238E27FC236}">
-                <a16:creationId xmlns:a16="http://schemas.microsoft.com/office/drawing/2014/main" id="{242A8EF3-34A3-4793-8C41-1735796B8DC7}"/>
-              </a:ext>
-            </a:extLst>
-          </p:cNvPr>
+          <p:cNvPr id="4" name="Grafik 3"/>
           <p:cNvPicPr>
             <a:picLocks noChangeAspect="1"/>
           </p:cNvPicPr>
@@ -11473,8 +12287,8 @@
         </p:blipFill>
         <p:spPr>
           <a:xfrm>
-            <a:off x="2590800" y="3048000"/>
-            <a:ext cx="5848827" cy="3633886"/>
+            <a:off x="3124200" y="2520766"/>
+            <a:ext cx="5550185" cy="3575234"/>
           </a:xfrm>
           <a:prstGeom prst="rect">
             <a:avLst/>
@@ -11500,7 +12314,7 @@
         <p:spPr>
           <a:xfrm>
             <a:off x="323850" y="1989138"/>
-            <a:ext cx="6762750" cy="4106862"/>
+            <a:ext cx="2876550" cy="4106862"/>
           </a:xfrm>
         </p:spPr>
         <p:txBody>
@@ -11585,6 +12399,35 @@
           </a:p>
         </p:txBody>
       </p:sp>
+      <p:sp>
+        <p:nvSpPr>
+          <p:cNvPr id="5" name="Textfeld 4"/>
+          <p:cNvSpPr txBox="1"/>
+          <p:nvPr/>
+        </p:nvSpPr>
+        <p:spPr>
+          <a:xfrm>
+            <a:off x="152400" y="6096000"/>
+            <a:ext cx="8458200" cy="523220"/>
+          </a:xfrm>
+          <a:prstGeom prst="rect">
+            <a:avLst/>
+          </a:prstGeom>
+          <a:noFill/>
+        </p:spPr>
+        <p:txBody>
+          <a:bodyPr wrap="square" rtlCol="0">
+            <a:spAutoFit/>
+          </a:bodyPr>
+          <a:lstStyle/>
+          <a:p>
+            <a:r>
+              <a:rPr lang="de-DE" sz="1400" dirty="0"/>
+              <a:t>Source: https://www.iaas.uni-stuttgart.de/publications/INBOOK-2018-01-A-Detailed-Analysis-of-IoT-Platform-Architectures-Concepts-Similarities-and-Differences.pdf</a:t>
+            </a:r>
+          </a:p>
+        </p:txBody>
+      </p:sp>
     </p:spTree>
     <p:extLst>
       <p:ext uri="{BB962C8B-B14F-4D97-AF65-F5344CB8AC3E}">
@@ -11598,7 +12441,7 @@
 </p:sld>
 </file>
 
-<file path=ppt/slides/slide7.xml><?xml version="1.0" encoding="utf-8"?>
+<file path=ppt/slides/slide8.xml><?xml version="1.0" encoding="utf-8"?>
 <p:sld xmlns:a="http://schemas.openxmlformats.org/drawingml/2006/main" xmlns:r="http://schemas.openxmlformats.org/officeDocument/2006/relationships" xmlns:p="http://schemas.openxmlformats.org/presentationml/2006/main">
   <p:cSld>
     <p:spTree>
@@ -11802,7 +12645,7 @@
 </p:sld>
 </file>
 
-<file path=ppt/slides/slide8.xml><?xml version="1.0" encoding="utf-8"?>
+<file path=ppt/slides/slide9.xml><?xml version="1.0" encoding="utf-8"?>
 <p:sld xmlns:a="http://schemas.openxmlformats.org/drawingml/2006/main" xmlns:r="http://schemas.openxmlformats.org/officeDocument/2006/relationships" xmlns:p="http://schemas.openxmlformats.org/presentationml/2006/main">
   <p:cSld>
     <p:spTree>
@@ -11920,134 +12763,6 @@
     <p:extLst>
       <p:ext uri="{BB962C8B-B14F-4D97-AF65-F5344CB8AC3E}">
         <p14:creationId xmlns:p14="http://schemas.microsoft.com/office/powerpoint/2010/main" val="949955143"/>
-      </p:ext>
-    </p:extLst>
-  </p:cSld>
-  <p:clrMapOvr>
-    <a:masterClrMapping/>
-  </p:clrMapOvr>
-</p:sld>
-</file>
-
-<file path=ppt/slides/slide9.xml><?xml version="1.0" encoding="utf-8"?>
-<p:sld xmlns:a="http://schemas.openxmlformats.org/drawingml/2006/main" xmlns:r="http://schemas.openxmlformats.org/officeDocument/2006/relationships" xmlns:p="http://schemas.openxmlformats.org/presentationml/2006/main">
-  <p:cSld>
-    <p:spTree>
-      <p:nvGrpSpPr>
-        <p:cNvPr id="1" name=""/>
-        <p:cNvGrpSpPr/>
-        <p:nvPr/>
-      </p:nvGrpSpPr>
-      <p:grpSpPr>
-        <a:xfrm>
-          <a:off x="0" y="0"/>
-          <a:ext cx="0" cy="0"/>
-          <a:chOff x="0" y="0"/>
-          <a:chExt cx="0" cy="0"/>
-        </a:xfrm>
-      </p:grpSpPr>
-      <p:sp>
-        <p:nvSpPr>
-          <p:cNvPr id="3" name="Title 2">
-            <a:extLst>
-              <a:ext uri="{FF2B5EF4-FFF2-40B4-BE49-F238E27FC236}">
-                <a16:creationId xmlns:a16="http://schemas.microsoft.com/office/drawing/2014/main" id="{4BA1323B-8442-4212-8CF6-29181AAB8A24}"/>
-              </a:ext>
-            </a:extLst>
-          </p:cNvPr>
-          <p:cNvSpPr>
-            <a:spLocks noGrp="1"/>
-          </p:cNvSpPr>
-          <p:nvPr>
-            <p:ph type="title"/>
-          </p:nvPr>
-        </p:nvSpPr>
-        <p:spPr/>
-        <p:txBody>
-          <a:bodyPr/>
-          <a:lstStyle/>
-          <a:p>
-            <a:r>
-              <a:rPr lang="de-DE" dirty="0"/>
-              <a:t>Microsoft Azure </a:t>
-            </a:r>
-            <a:r>
-              <a:rPr lang="de-DE" dirty="0" err="1"/>
-              <a:t>IoT</a:t>
-            </a:r>
-            <a:endParaRPr lang="de-DE" dirty="0"/>
-          </a:p>
-        </p:txBody>
-      </p:sp>
-      <p:pic>
-        <p:nvPicPr>
-          <p:cNvPr id="4" name="Picture 3">
-            <a:extLst>
-              <a:ext uri="{FF2B5EF4-FFF2-40B4-BE49-F238E27FC236}">
-                <a16:creationId xmlns:a16="http://schemas.microsoft.com/office/drawing/2014/main" id="{AD0F679D-A9E7-458F-AF96-E3DC8A6454D0}"/>
-              </a:ext>
-            </a:extLst>
-          </p:cNvPr>
-          <p:cNvPicPr>
-            <a:picLocks noChangeAspect="1"/>
-          </p:cNvPicPr>
-          <p:nvPr/>
-        </p:nvPicPr>
-        <p:blipFill>
-          <a:blip r:embed="rId2"/>
-          <a:stretch>
-            <a:fillRect/>
-          </a:stretch>
-        </p:blipFill>
-        <p:spPr>
-          <a:xfrm>
-            <a:off x="0" y="1499286"/>
-            <a:ext cx="9144000" cy="4983079"/>
-          </a:xfrm>
-          <a:prstGeom prst="rect">
-            <a:avLst/>
-          </a:prstGeom>
-        </p:spPr>
-      </p:pic>
-      <p:sp>
-        <p:nvSpPr>
-          <p:cNvPr id="5" name="TextBox 4">
-            <a:extLst>
-              <a:ext uri="{FF2B5EF4-FFF2-40B4-BE49-F238E27FC236}">
-                <a16:creationId xmlns:a16="http://schemas.microsoft.com/office/drawing/2014/main" id="{3994E3F4-6517-4D42-B86F-30D160F5A680}"/>
-              </a:ext>
-            </a:extLst>
-          </p:cNvPr>
-          <p:cNvSpPr txBox="1"/>
-          <p:nvPr/>
-        </p:nvSpPr>
-        <p:spPr>
-          <a:xfrm>
-            <a:off x="1371600" y="6338986"/>
-            <a:ext cx="7085594" cy="307777"/>
-          </a:xfrm>
-          <a:prstGeom prst="rect">
-            <a:avLst/>
-          </a:prstGeom>
-          <a:noFill/>
-        </p:spPr>
-        <p:txBody>
-          <a:bodyPr wrap="none" rtlCol="0">
-            <a:spAutoFit/>
-          </a:bodyPr>
-          <a:lstStyle/>
-          <a:p>
-            <a:r>
-              <a:rPr lang="de-DE" sz="1400" dirty="0"/>
-              <a:t>Source: https://docs.microsoft.com/en-us/azure/architecture/reference-architectures/iot/</a:t>
-            </a:r>
-          </a:p>
-        </p:txBody>
-      </p:sp>
-    </p:spTree>
-    <p:extLst>
-      <p:ext uri="{BB962C8B-B14F-4D97-AF65-F5344CB8AC3E}">
-        <p14:creationId xmlns:p14="http://schemas.microsoft.com/office/powerpoint/2010/main" val="2395834186"/>
       </p:ext>
     </p:extLst>
   </p:cSld>
